--- a/HyperLedgerFabric.pptx
+++ b/HyperLedgerFabric.pptx
@@ -33,12 +33,13 @@
     <p:sldId id="282" r:id="rId27"/>
     <p:sldId id="281" r:id="rId28"/>
     <p:sldId id="278" r:id="rId29"/>
-    <p:sldId id="279" r:id="rId30"/>
-    <p:sldId id="283" r:id="rId31"/>
-    <p:sldId id="284" r:id="rId32"/>
-    <p:sldId id="285" r:id="rId33"/>
-    <p:sldId id="286" r:id="rId34"/>
-    <p:sldId id="287" r:id="rId35"/>
+    <p:sldId id="293" r:id="rId30"/>
+    <p:sldId id="279" r:id="rId31"/>
+    <p:sldId id="283" r:id="rId32"/>
+    <p:sldId id="284" r:id="rId33"/>
+    <p:sldId id="285" r:id="rId34"/>
+    <p:sldId id="286" r:id="rId35"/>
+    <p:sldId id="287" r:id="rId36"/>
   </p:sldIdLst>
   <p:sldSz cx="12192000" cy="6858000"/>
   <p:notesSz cx="6858000" cy="9144000"/>
@@ -6523,7 +6524,11 @@
           <a:bodyPr/>
           <a:lstStyle/>
           <a:p>
-            <a:endParaRPr lang="en-GB"/>
+            <a:r>
+              <a:rPr lang="en-GB" dirty="0" smtClean="0"/>
+              <a:t>Working with ledger</a:t>
+            </a:r>
+            <a:endParaRPr lang="en-GB" dirty="0"/>
           </a:p>
         </p:txBody>
       </p:sp>
@@ -6709,7 +6714,139 @@
           <a:bodyPr/>
           <a:lstStyle/>
           <a:p>
-            <a:endParaRPr lang="en-GB"/>
+            <a:r>
+              <a:rPr lang="en-US" dirty="0" err="1" smtClean="0"/>
+              <a:t>retVal</a:t>
+            </a:r>
+            <a:r>
+              <a:rPr lang="en-US" dirty="0" smtClean="0"/>
+              <a:t>, </a:t>
+            </a:r>
+            <a:r>
+              <a:rPr lang="en-US" dirty="0"/>
+              <a:t>err := </a:t>
+            </a:r>
+            <a:r>
+              <a:rPr lang="en-US" dirty="0" err="1" smtClean="0"/>
+              <a:t>APIstub.GetState</a:t>
+            </a:r>
+            <a:r>
+              <a:rPr lang="en-US" dirty="0" smtClean="0"/>
+              <a:t>(</a:t>
+            </a:r>
+            <a:r>
+              <a:rPr lang="en-US" dirty="0" err="1" smtClean="0"/>
+              <a:t>assetID</a:t>
+            </a:r>
+            <a:r>
+              <a:rPr lang="en-US" dirty="0" smtClean="0"/>
+              <a:t>)</a:t>
+            </a:r>
+          </a:p>
+          <a:p>
+            <a:pPr marL="457200" lvl="1" indent="0">
+              <a:buNone/>
+            </a:pPr>
+            <a:r>
+              <a:rPr lang="en-US" dirty="0" smtClean="0"/>
+              <a:t>	// </a:t>
+            </a:r>
+            <a:r>
+              <a:rPr lang="en-US" dirty="0" err="1" smtClean="0"/>
+              <a:t>retVal</a:t>
+            </a:r>
+            <a:r>
+              <a:rPr lang="en-US" dirty="0" smtClean="0"/>
+              <a:t> = value with the key “</a:t>
+            </a:r>
+            <a:r>
+              <a:rPr lang="en-US" dirty="0" err="1" smtClean="0"/>
+              <a:t>assetID</a:t>
+            </a:r>
+            <a:r>
+              <a:rPr lang="en-US" dirty="0" smtClean="0"/>
+              <a:t>”</a:t>
+            </a:r>
+          </a:p>
+          <a:p>
+            <a:pPr marL="457200" lvl="1" indent="0">
+              <a:buNone/>
+            </a:pPr>
+            <a:r>
+              <a:rPr lang="en-US" dirty="0" smtClean="0"/>
+              <a:t>	// if such </a:t>
+            </a:r>
+            <a:r>
+              <a:rPr lang="en-US" dirty="0" err="1" smtClean="0"/>
+              <a:t>assetID</a:t>
+            </a:r>
+            <a:r>
+              <a:rPr lang="en-US" dirty="0" smtClean="0"/>
+              <a:t> is found as a key in the world state</a:t>
+            </a:r>
+          </a:p>
+          <a:p>
+            <a:pPr lvl="1"/>
+            <a:endParaRPr lang="en-US" dirty="0"/>
+          </a:p>
+          <a:p>
+            <a:pPr lvl="1"/>
+            <a:endParaRPr lang="en-US" dirty="0" smtClean="0"/>
+          </a:p>
+          <a:p>
+            <a:r>
+              <a:rPr lang="en-US" dirty="0"/>
+              <a:t>err = </a:t>
+            </a:r>
+            <a:r>
+              <a:rPr lang="en-US" dirty="0" err="1" smtClean="0"/>
+              <a:t>APIstub.PutState</a:t>
+            </a:r>
+            <a:r>
+              <a:rPr lang="en-US" dirty="0" smtClean="0"/>
+              <a:t>(</a:t>
+            </a:r>
+            <a:r>
+              <a:rPr lang="en-US" dirty="0" err="1" smtClean="0"/>
+              <a:t>assetID</a:t>
+            </a:r>
+            <a:r>
+              <a:rPr lang="en-US" dirty="0" smtClean="0"/>
+              <a:t>, asset)</a:t>
+            </a:r>
+            <a:endParaRPr lang="en-US" dirty="0"/>
+          </a:p>
+          <a:p>
+            <a:pPr marL="0" indent="0">
+              <a:buNone/>
+            </a:pPr>
+            <a:r>
+              <a:rPr lang="en-US" dirty="0" smtClean="0"/>
+              <a:t>	//</a:t>
+            </a:r>
+            <a:r>
+              <a:rPr lang="en-US" dirty="0" err="1" smtClean="0"/>
+              <a:t>assetID</a:t>
+            </a:r>
+            <a:r>
+              <a:rPr lang="en-US" dirty="0" smtClean="0"/>
+              <a:t> is a key and asset represents the value which is stored 	//under the key “</a:t>
+            </a:r>
+            <a:r>
+              <a:rPr lang="en-US" dirty="0" err="1" smtClean="0"/>
+              <a:t>assetID</a:t>
+            </a:r>
+            <a:r>
+              <a:rPr lang="en-US" dirty="0" smtClean="0"/>
+              <a:t>”</a:t>
+            </a:r>
+            <a:endParaRPr lang="en-US" dirty="0"/>
+          </a:p>
+          <a:p>
+            <a:pPr marL="0" indent="0">
+              <a:buNone/>
+            </a:pPr>
+            <a:endParaRPr lang="en-GB" dirty="0"/>
           </a:p>
         </p:txBody>
       </p:sp>
@@ -6789,7 +6926,100 @@
           <a:bodyPr/>
           <a:lstStyle/>
           <a:p>
-            <a:endParaRPr lang="en-GB"/>
+            <a:pPr marL="0" indent="0">
+              <a:buNone/>
+            </a:pPr>
+            <a:r>
+              <a:rPr lang="en-US" dirty="0" err="1"/>
+              <a:t>resultsIterator</a:t>
+            </a:r>
+            <a:r>
+              <a:rPr lang="en-US" dirty="0"/>
+              <a:t>, err := </a:t>
+            </a:r>
+            <a:r>
+              <a:rPr lang="en-US" dirty="0" err="1" smtClean="0"/>
+              <a:t>APIstub.GetHistoryForKey</a:t>
+            </a:r>
+            <a:r>
+              <a:rPr lang="en-US" dirty="0" smtClean="0"/>
+              <a:t>(</a:t>
+            </a:r>
+            <a:r>
+              <a:rPr lang="en-US" dirty="0" err="1" smtClean="0"/>
+              <a:t>assetID</a:t>
+            </a:r>
+            <a:r>
+              <a:rPr lang="en-US" dirty="0"/>
+              <a:t>)</a:t>
+            </a:r>
+          </a:p>
+          <a:p>
+            <a:pPr marL="0" indent="0">
+              <a:buNone/>
+            </a:pPr>
+            <a:r>
+              <a:rPr lang="en-US" dirty="0"/>
+              <a:t>for </a:t>
+            </a:r>
+            <a:r>
+              <a:rPr lang="en-US" dirty="0" err="1"/>
+              <a:t>resultsIterator.HasNext</a:t>
+            </a:r>
+            <a:r>
+              <a:rPr lang="en-US" dirty="0"/>
+              <a:t>() {</a:t>
+            </a:r>
+          </a:p>
+          <a:p>
+            <a:pPr marL="0" indent="0">
+              <a:buNone/>
+            </a:pPr>
+            <a:r>
+              <a:rPr lang="en-US" dirty="0"/>
+              <a:t>        response, err := </a:t>
+            </a:r>
+            <a:r>
+              <a:rPr lang="en-US" dirty="0" err="1"/>
+              <a:t>resultsIterator.Next</a:t>
+            </a:r>
+            <a:r>
+              <a:rPr lang="en-US" dirty="0" smtClean="0"/>
+              <a:t>()</a:t>
+            </a:r>
+          </a:p>
+          <a:p>
+            <a:pPr marL="0" indent="0">
+              <a:buNone/>
+            </a:pPr>
+            <a:r>
+              <a:rPr lang="en-US" dirty="0"/>
+              <a:t>	</a:t>
+            </a:r>
+            <a:r>
+              <a:rPr lang="en-US" dirty="0" smtClean="0"/>
+              <a:t>….</a:t>
+            </a:r>
+          </a:p>
+          <a:p>
+            <a:pPr marL="0" indent="0">
+              <a:buNone/>
+            </a:pPr>
+            <a:r>
+              <a:rPr lang="en-US"/>
+              <a:t>	</a:t>
+            </a:r>
+            <a:r>
+              <a:rPr lang="en-US" smtClean="0"/>
+              <a:t>…</a:t>
+            </a:r>
+            <a:endParaRPr lang="en-US" dirty="0"/>
+          </a:p>
+          <a:p>
+            <a:pPr marL="457200" lvl="1" indent="0">
+              <a:buNone/>
+            </a:pPr>
+            <a:endParaRPr lang="en-US" dirty="0" smtClean="0"/>
           </a:p>
         </p:txBody>
       </p:sp>
@@ -6944,7 +7174,11 @@
             </a:r>
             <a:r>
               <a:rPr lang="en-US" dirty="0"/>
-              <a:t> examples</a:t>
+              <a:t> </a:t>
+            </a:r>
+            <a:r>
+              <a:rPr lang="en-US" dirty="0" smtClean="0"/>
+              <a:t>examples – Marbles application</a:t>
             </a:r>
             <a:endParaRPr lang="en-GB" dirty="0"/>
           </a:p>
@@ -6968,7 +7202,9 @@
         </p:nvSpPr>
         <p:spPr/>
         <p:txBody>
-          <a:bodyPr/>
+          <a:bodyPr>
+            <a:normAutofit fontScale="92500" lnSpcReduction="10000"/>
+          </a:bodyPr>
           <a:lstStyle/>
           <a:p>
             <a:r>
@@ -6988,55 +7224,119 @@
             <a:pPr lvl="1"/>
             <a:r>
               <a:rPr lang="en-US" dirty="0" smtClean="0"/>
-              <a:t>…</a:t>
+              <a:t>Simple asset changing application</a:t>
             </a:r>
           </a:p>
           <a:p>
             <a:pPr lvl="1"/>
             <a:r>
               <a:rPr lang="en-US" dirty="0" smtClean="0"/>
-              <a:t>…</a:t>
+              <a:t>Multiple versions of the application (for many Fabric versions)</a:t>
             </a:r>
           </a:p>
           <a:p>
             <a:pPr lvl="1"/>
             <a:r>
               <a:rPr lang="en-US" dirty="0" smtClean="0"/>
-              <a:t>…</a:t>
-            </a:r>
+              <a:t>Example consists of:</a:t>
+            </a:r>
+          </a:p>
+          <a:p>
+            <a:pPr lvl="2"/>
+            <a:r>
+              <a:rPr lang="en-US" dirty="0" smtClean="0"/>
+              <a:t>Business logic </a:t>
+            </a:r>
+            <a:r>
+              <a:rPr lang="en-US" dirty="0" smtClean="0"/>
+              <a:t>- </a:t>
+            </a:r>
+            <a:r>
+              <a:rPr lang="en-US" dirty="0" err="1" smtClean="0"/>
+              <a:t>Chaincode</a:t>
+            </a:r>
+            <a:r>
+              <a:rPr lang="en-US" dirty="0" smtClean="0"/>
+              <a:t> -&gt; written in Go</a:t>
+            </a:r>
+          </a:p>
+          <a:p>
+            <a:pPr lvl="2"/>
+            <a:r>
+              <a:rPr lang="en-US" dirty="0" smtClean="0"/>
+              <a:t>Backend app -&gt; written in </a:t>
+            </a:r>
+            <a:r>
+              <a:rPr lang="en-US" dirty="0" err="1" smtClean="0"/>
+              <a:t>NodeJS</a:t>
+            </a:r>
+            <a:endParaRPr lang="en-US" dirty="0" smtClean="0"/>
+          </a:p>
+          <a:p>
+            <a:pPr lvl="2"/>
+            <a:r>
+              <a:rPr lang="en-US" dirty="0" smtClean="0"/>
+              <a:t>Client browser application</a:t>
+            </a:r>
+          </a:p>
+          <a:p>
+            <a:r>
+              <a:rPr lang="en-US" dirty="0"/>
+              <a:t>Marble model </a:t>
+            </a:r>
+            <a:endParaRPr lang="en-US" dirty="0" smtClean="0"/>
+          </a:p>
+          <a:p>
+            <a:pPr lvl="1"/>
+            <a:r>
+              <a:rPr lang="en-US" dirty="0" smtClean="0"/>
+              <a:t>:</a:t>
+            </a:r>
+            <a:r>
+              <a:rPr lang="en-US" dirty="0"/>
+              <a:t>id (unique string, will be used as key)</a:t>
+            </a:r>
+          </a:p>
+          <a:p>
+            <a:pPr lvl="1"/>
+            <a:r>
+              <a:rPr lang="en-US" dirty="0"/>
+              <a:t>color (string, </a:t>
+            </a:r>
+            <a:r>
+              <a:rPr lang="en-US" dirty="0" err="1"/>
+              <a:t>css</a:t>
+            </a:r>
+            <a:r>
+              <a:rPr lang="en-US" dirty="0"/>
+              <a:t> color names)</a:t>
+            </a:r>
+          </a:p>
+          <a:p>
+            <a:pPr lvl="1"/>
+            <a:r>
+              <a:rPr lang="en-US" dirty="0"/>
+              <a:t>size (</a:t>
+            </a:r>
+            <a:r>
+              <a:rPr lang="en-US" dirty="0" err="1"/>
+              <a:t>int</a:t>
+            </a:r>
+            <a:r>
+              <a:rPr lang="en-US" dirty="0"/>
+              <a:t>, size in mm)</a:t>
+            </a:r>
+          </a:p>
+          <a:p>
+            <a:pPr lvl="1"/>
+            <a:r>
+              <a:rPr lang="en-US" dirty="0"/>
+              <a:t>owner (string)</a:t>
+            </a:r>
+          </a:p>
+          <a:p>
+            <a:pPr lvl="1"/>
             <a:endParaRPr lang="en-US" dirty="0"/>
-          </a:p>
-          <a:p>
-            <a:r>
-              <a:rPr lang="en-US" dirty="0"/>
-              <a:t>Custom business logic </a:t>
-            </a:r>
-            <a:r>
-              <a:rPr lang="en-US" dirty="0" smtClean="0"/>
-              <a:t>code</a:t>
-            </a:r>
-          </a:p>
-          <a:p>
-            <a:pPr lvl="1"/>
-            <a:r>
-              <a:rPr lang="en-US" dirty="0" smtClean="0"/>
-              <a:t>…</a:t>
-            </a:r>
-          </a:p>
-          <a:p>
-            <a:pPr lvl="1"/>
-            <a:r>
-              <a:rPr lang="en-US" dirty="0" smtClean="0"/>
-              <a:t>…</a:t>
-            </a:r>
-          </a:p>
-          <a:p>
-            <a:pPr lvl="1"/>
-            <a:r>
-              <a:rPr lang="en-US" dirty="0" smtClean="0"/>
-              <a:t>…</a:t>
-            </a:r>
-            <a:endParaRPr lang="en-US" dirty="0" smtClean="0"/>
           </a:p>
           <a:p>
             <a:pPr lvl="1"/>
@@ -7085,7 +7385,7 @@
           <p:cNvPr id="2" name="Title 1">
             <a:extLst>
               <a:ext uri="{FF2B5EF4-FFF2-40B4-BE49-F238E27FC236}">
-                <a16:creationId xmlns="" xmlns:a16="http://schemas.microsoft.com/office/drawing/2014/main" id="{D2838AD3-8487-4B40-A1EA-A2AD58865014}"/>
+                <a16:creationId xmlns="" xmlns:a16="http://schemas.microsoft.com/office/drawing/2014/main" id="{01AB1EF9-EC2B-4216-8C16-823D1AB852BB}"/>
               </a:ext>
             </a:extLst>
           </p:cNvPr>
@@ -7102,12 +7402,16 @@
           <a:lstStyle/>
           <a:p>
             <a:r>
-              <a:rPr lang="en-US" dirty="0"/>
-              <a:t>Go </a:t>
-            </a:r>
-            <a:r>
-              <a:rPr lang="en-US" dirty="0" smtClean="0"/>
-              <a:t>– Introduction to testing</a:t>
+              <a:rPr lang="en-US" dirty="0" err="1"/>
+              <a:t>Chaincode</a:t>
+            </a:r>
+            <a:r>
+              <a:rPr lang="en-US" dirty="0"/>
+              <a:t> </a:t>
+            </a:r>
+            <a:r>
+              <a:rPr lang="en-US" dirty="0" smtClean="0"/>
+              <a:t>examples – Car asset ownership change application</a:t>
             </a:r>
             <a:endParaRPr lang="en-GB" dirty="0"/>
           </a:p>
@@ -7118,7 +7422,7 @@
           <p:cNvPr id="3" name="Content Placeholder 2">
             <a:extLst>
               <a:ext uri="{FF2B5EF4-FFF2-40B4-BE49-F238E27FC236}">
-                <a16:creationId xmlns="" xmlns:a16="http://schemas.microsoft.com/office/drawing/2014/main" id="{68E20AA1-1939-49FB-A6F5-8500AE3EA114}"/>
+                <a16:creationId xmlns="" xmlns:a16="http://schemas.microsoft.com/office/drawing/2014/main" id="{59A8EE7F-8CE7-492B-9880-8A4D0D975F4B}"/>
               </a:ext>
             </a:extLst>
           </p:cNvPr>
@@ -7132,183 +7436,323 @@
         <p:spPr/>
         <p:txBody>
           <a:bodyPr>
-            <a:normAutofit fontScale="92500" lnSpcReduction="10000"/>
+            <a:normAutofit/>
           </a:bodyPr>
           <a:lstStyle/>
           <a:p>
-            <a:r>
-              <a:rPr lang="en-GB" dirty="0" smtClean="0"/>
-              <a:t>What is Unit testing ?</a:t>
-            </a:r>
-          </a:p>
-          <a:p>
             <a:pPr lvl="1"/>
             <a:r>
-              <a:rPr lang="en-US" b="1" dirty="0"/>
-              <a:t>UNIT TESTING</a:t>
-            </a:r>
-            <a:r>
-              <a:rPr lang="en-US" dirty="0"/>
-              <a:t> is a level of software </a:t>
-            </a:r>
-            <a:r>
-              <a:rPr lang="en-US" b="1" dirty="0"/>
-              <a:t>testing</a:t>
-            </a:r>
-            <a:r>
-              <a:rPr lang="en-US" dirty="0"/>
-              <a:t> where individual units/ components of a software are </a:t>
-            </a:r>
-            <a:r>
-              <a:rPr lang="en-US" dirty="0" smtClean="0"/>
-              <a:t>tested</a:t>
-            </a:r>
+              <a:rPr lang="en-US" dirty="0" smtClean="0"/>
+              <a:t>Simple </a:t>
+            </a:r>
+            <a:r>
+              <a:rPr lang="en-US" dirty="0" err="1" smtClean="0"/>
+              <a:t>chaincode</a:t>
+            </a:r>
+            <a:r>
+              <a:rPr lang="en-US" dirty="0" smtClean="0"/>
+              <a:t> for changing ownership over the Car asset</a:t>
+            </a:r>
+          </a:p>
+          <a:p>
+            <a:pPr lvl="2"/>
+            <a:r>
+              <a:rPr lang="en-US" dirty="0" smtClean="0"/>
+              <a:t>2 types of asset in transaction (Person and Car)</a:t>
+            </a:r>
+          </a:p>
+          <a:p>
+            <a:pPr lvl="2"/>
+            <a:r>
+              <a:rPr lang="en-US" dirty="0" smtClean="0"/>
+              <a:t>Car is the asset which is being transferred from one person to the other</a:t>
+            </a:r>
+          </a:p>
+          <a:p>
+            <a:pPr lvl="2"/>
+            <a:r>
+              <a:rPr lang="en-US" dirty="0" smtClean="0"/>
+              <a:t>Preconditions</a:t>
+            </a:r>
+          </a:p>
+          <a:p>
+            <a:pPr lvl="3"/>
+            <a:r>
+              <a:rPr lang="en-US" dirty="0" smtClean="0"/>
+              <a:t>Buyer has enough funds</a:t>
+            </a:r>
+          </a:p>
+          <a:p>
+            <a:pPr lvl="3"/>
+            <a:r>
+              <a:rPr lang="en-US" dirty="0"/>
+              <a:t>T</a:t>
+            </a:r>
+            <a:r>
+              <a:rPr lang="en-US" dirty="0" smtClean="0"/>
+              <a:t>ransaction has to be made by some specified point in time</a:t>
+            </a:r>
+          </a:p>
+          <a:p>
+            <a:pPr lvl="3"/>
+            <a:r>
+              <a:rPr lang="en-US" dirty="0" smtClean="0"/>
+              <a:t>Car needs to change its color before it can be sold</a:t>
+            </a:r>
+          </a:p>
+          <a:p>
+            <a:pPr lvl="3"/>
+            <a:r>
+              <a:rPr lang="en-US" dirty="0" err="1" smtClean="0"/>
+              <a:t>etc</a:t>
+            </a:r>
+            <a:endParaRPr lang="en-US" dirty="0" smtClean="0"/>
           </a:p>
           <a:p>
             <a:pPr lvl="1"/>
             <a:r>
-              <a:rPr lang="en-US" dirty="0"/>
-              <a:t>A </a:t>
-            </a:r>
-            <a:r>
-              <a:rPr lang="en-US" b="1" dirty="0"/>
-              <a:t>unit</a:t>
-            </a:r>
-            <a:r>
-              <a:rPr lang="en-US" dirty="0"/>
-              <a:t> is the smallest testable part of any software.</a:t>
-            </a:r>
-            <a:endParaRPr lang="en-GB" dirty="0" smtClean="0"/>
-          </a:p>
-          <a:p>
-            <a:pPr marL="0" indent="0">
-              <a:buNone/>
-            </a:pPr>
-            <a:endParaRPr lang="en-GB" dirty="0" smtClean="0"/>
-          </a:p>
-          <a:p>
-            <a:r>
-              <a:rPr lang="en-GB" dirty="0" smtClean="0"/>
-              <a:t>Testing package in Go</a:t>
+              <a:rPr lang="en-US" dirty="0" smtClean="0"/>
+              <a:t>Model implementation in go		</a:t>
             </a:r>
           </a:p>
           <a:p>
             <a:pPr lvl="1"/>
-            <a:r>
-              <a:rPr lang="en-US" dirty="0" smtClean="0"/>
-              <a:t>import </a:t>
-            </a:r>
-            <a:r>
-              <a:rPr lang="en-US" dirty="0"/>
-              <a:t>"</a:t>
-            </a:r>
-            <a:r>
-              <a:rPr lang="en-US" dirty="0" smtClean="0"/>
-              <a:t>testing“</a:t>
-            </a:r>
-          </a:p>
-          <a:p>
-            <a:pPr marL="457200" lvl="1" indent="0">
-              <a:buNone/>
-            </a:pPr>
-            <a:r>
-              <a:rPr lang="en-US" dirty="0" err="1"/>
-              <a:t>func</a:t>
-            </a:r>
-            <a:r>
-              <a:rPr lang="en-US" dirty="0"/>
-              <a:t> </a:t>
-            </a:r>
-            <a:r>
-              <a:rPr lang="en-US" dirty="0" err="1" smtClean="0"/>
-              <a:t>TestTimeConsuming</a:t>
-            </a:r>
-            <a:r>
-              <a:rPr lang="en-US" dirty="0" smtClean="0"/>
-              <a:t>(t </a:t>
-            </a:r>
-            <a:r>
-              <a:rPr lang="en-US" dirty="0"/>
-              <a:t>*</a:t>
-            </a:r>
-            <a:r>
-              <a:rPr lang="en-US" dirty="0" err="1"/>
-              <a:t>testing.T</a:t>
-            </a:r>
-            <a:r>
-              <a:rPr lang="en-US" dirty="0" smtClean="0"/>
-              <a:t>) {</a:t>
-            </a:r>
-          </a:p>
-          <a:p>
-            <a:pPr marL="914400" lvl="2" indent="0">
-              <a:buNone/>
-            </a:pPr>
-            <a:r>
-              <a:rPr lang="en-US" dirty="0" smtClean="0"/>
-              <a:t> </a:t>
-            </a:r>
-            <a:r>
-              <a:rPr lang="en-US" dirty="0"/>
-              <a:t>if </a:t>
-            </a:r>
-            <a:r>
-              <a:rPr lang="en-US" dirty="0" err="1"/>
-              <a:t>testing.Short</a:t>
-            </a:r>
-            <a:r>
-              <a:rPr lang="en-US" dirty="0"/>
-              <a:t>() { </a:t>
-            </a:r>
             <a:endParaRPr lang="en-US" dirty="0" smtClean="0"/>
           </a:p>
           <a:p>
-            <a:pPr marL="1371600" lvl="3" indent="0">
-              <a:buNone/>
-            </a:pPr>
-            <a:r>
-              <a:rPr lang="en-US" dirty="0" err="1" smtClean="0"/>
-              <a:t>t.Skip</a:t>
-            </a:r>
-            <a:r>
-              <a:rPr lang="en-US" dirty="0"/>
-              <a:t>("skipping test in short mode</a:t>
-            </a:r>
-            <a:r>
-              <a:rPr lang="en-US" dirty="0" smtClean="0"/>
-              <a:t>.")</a:t>
-            </a:r>
-          </a:p>
-          <a:p>
-            <a:pPr marL="914400" lvl="2" indent="0">
-              <a:buNone/>
-            </a:pPr>
-            <a:r>
-              <a:rPr lang="en-US" dirty="0" smtClean="0"/>
-              <a:t> } </a:t>
-            </a:r>
+            <a:pPr lvl="1"/>
             <a:endParaRPr lang="en-US" dirty="0"/>
           </a:p>
           <a:p>
-            <a:pPr marL="457200" lvl="1" indent="0">
-              <a:buNone/>
-            </a:pPr>
-            <a:r>
-              <a:rPr lang="en-US" dirty="0" smtClean="0"/>
-              <a:t> </a:t>
-            </a:r>
-            <a:r>
-              <a:rPr lang="en-US" dirty="0"/>
-              <a:t>}</a:t>
-            </a:r>
+            <a:pPr lvl="1"/>
+            <a:endParaRPr lang="en-US" dirty="0"/>
+          </a:p>
+          <a:p>
+            <a:endParaRPr lang="en-US" dirty="0"/>
+          </a:p>
+          <a:p>
             <a:endParaRPr lang="en-GB" dirty="0"/>
           </a:p>
         </p:txBody>
       </p:sp>
+      <p:graphicFrame>
+        <p:nvGraphicFramePr>
+          <p:cNvPr id="4" name="Table 3"/>
+          <p:cNvGraphicFramePr>
+            <a:graphicFrameLocks noGrp="1"/>
+          </p:cNvGraphicFramePr>
+          <p:nvPr>
+            <p:extLst>
+              <p:ext uri="{D42A27DB-BD31-4B8C-83A1-F6EECF244321}">
+                <p14:modId xmlns:p14="http://schemas.microsoft.com/office/powerpoint/2010/main" val="511295511"/>
+              </p:ext>
+            </p:extLst>
+          </p:nvPr>
+        </p:nvGraphicFramePr>
+        <p:xfrm>
+          <a:off x="5341956" y="4600837"/>
+          <a:ext cx="8128000" cy="2158011"/>
+        </p:xfrm>
+        <a:graphic>
+          <a:graphicData uri="http://schemas.openxmlformats.org/drawingml/2006/table">
+            <a:tbl>
+              <a:tblPr firstRow="1" bandRow="1">
+                <a:tableStyleId>{5C22544A-7EE6-4342-B048-85BDC9FD1C3A}</a:tableStyleId>
+              </a:tblPr>
+              <a:tblGrid>
+                <a:gridCol w="4064000"/>
+                <a:gridCol w="4064000"/>
+              </a:tblGrid>
+              <a:tr h="325864">
+                <a:tc>
+                  <a:txBody>
+                    <a:bodyPr/>
+                    <a:lstStyle/>
+                    <a:p>
+                      <a:r>
+                        <a:rPr lang="en-US" dirty="0" smtClean="0"/>
+                        <a:t>Car model</a:t>
+                      </a:r>
+                      <a:endParaRPr lang="en-US" dirty="0"/>
+                    </a:p>
+                  </a:txBody>
+                  <a:tcPr/>
+                </a:tc>
+                <a:tc>
+                  <a:txBody>
+                    <a:bodyPr/>
+                    <a:lstStyle/>
+                    <a:p>
+                      <a:pPr marL="0" marR="0" lvl="1" indent="0" algn="l" defTabSz="914400" rtl="0" eaLnBrk="1" fontAlgn="auto" latinLnBrk="0" hangingPunct="1">
+                        <a:lnSpc>
+                          <a:spcPct val="100000"/>
+                        </a:lnSpc>
+                        <a:spcBef>
+                          <a:spcPts val="0"/>
+                        </a:spcBef>
+                        <a:spcAft>
+                          <a:spcPts val="0"/>
+                        </a:spcAft>
+                        <a:buClrTx/>
+                        <a:buSzTx/>
+                        <a:buFontTx/>
+                        <a:buNone/>
+                        <a:tabLst/>
+                        <a:defRPr/>
+                      </a:pPr>
+                      <a:r>
+                        <a:rPr lang="en-US" dirty="0" smtClean="0"/>
+                        <a:t>Person model</a:t>
+                      </a:r>
+                    </a:p>
+                  </a:txBody>
+                  <a:tcPr/>
+                </a:tc>
+              </a:tr>
+              <a:tr h="1792251">
+                <a:tc>
+                  <a:txBody>
+                    <a:bodyPr/>
+                    <a:lstStyle/>
+                    <a:p>
+                      <a:r>
+                        <a:rPr lang="en-US" dirty="0" smtClean="0"/>
+                        <a:t>type Car </a:t>
+                      </a:r>
+                      <a:r>
+                        <a:rPr lang="en-US" dirty="0" err="1" smtClean="0"/>
+                        <a:t>struct</a:t>
+                      </a:r>
+                      <a:r>
+                        <a:rPr lang="en-US" dirty="0" smtClean="0"/>
+                        <a:t> {			</a:t>
+                      </a:r>
+                    </a:p>
+                    <a:p>
+                      <a:r>
+                        <a:rPr lang="en-US" dirty="0" smtClean="0"/>
+                        <a:t>    price float64</a:t>
+                      </a:r>
+                    </a:p>
+                    <a:p>
+                      <a:r>
+                        <a:rPr lang="en-US" dirty="0" smtClean="0"/>
+                        <a:t>    color string</a:t>
+                      </a:r>
+                    </a:p>
+                    <a:p>
+                      <a:r>
+                        <a:rPr lang="en-US" dirty="0" smtClean="0"/>
+                        <a:t>    name string</a:t>
+                      </a:r>
+                    </a:p>
+                    <a:p>
+                      <a:r>
+                        <a:rPr lang="en-US" dirty="0" smtClean="0"/>
+                        <a:t>    </a:t>
+                      </a:r>
+                      <a:r>
+                        <a:rPr lang="en-US" dirty="0" err="1" smtClean="0"/>
+                        <a:t>ownerID</a:t>
+                      </a:r>
+                      <a:r>
+                        <a:rPr lang="en-US" dirty="0" smtClean="0"/>
+                        <a:t> string</a:t>
+                      </a:r>
+                    </a:p>
+                    <a:p>
+                      <a:r>
+                        <a:rPr lang="en-US" dirty="0" smtClean="0"/>
+                        <a:t>}</a:t>
+                      </a:r>
+                    </a:p>
+                  </a:txBody>
+                  <a:tcPr/>
+                </a:tc>
+                <a:tc>
+                  <a:txBody>
+                    <a:bodyPr/>
+                    <a:lstStyle/>
+                    <a:p>
+                      <a:r>
+                        <a:rPr lang="en-US" dirty="0" smtClean="0"/>
+                        <a:t>type Person </a:t>
+                      </a:r>
+                      <a:r>
+                        <a:rPr lang="en-US" dirty="0" err="1" smtClean="0"/>
+                        <a:t>struct</a:t>
+                      </a:r>
+                      <a:r>
+                        <a:rPr lang="en-US" dirty="0" smtClean="0"/>
+                        <a:t> {</a:t>
+                      </a:r>
+                    </a:p>
+                    <a:p>
+                      <a:r>
+                        <a:rPr lang="en-US" dirty="0" smtClean="0"/>
+                        <a:t>    </a:t>
+                      </a:r>
+                      <a:r>
+                        <a:rPr lang="en-US" dirty="0" err="1" smtClean="0"/>
+                        <a:t>firstName</a:t>
+                      </a:r>
+                      <a:r>
+                        <a:rPr lang="en-US" dirty="0" smtClean="0"/>
+                        <a:t> string</a:t>
+                      </a:r>
+                    </a:p>
+                    <a:p>
+                      <a:r>
+                        <a:rPr lang="en-US" dirty="0" smtClean="0"/>
+                        <a:t>    </a:t>
+                      </a:r>
+                      <a:r>
+                        <a:rPr lang="en-US" dirty="0" err="1" smtClean="0"/>
+                        <a:t>lastName</a:t>
+                      </a:r>
+                      <a:r>
+                        <a:rPr lang="en-US" dirty="0" smtClean="0"/>
+                        <a:t> string</a:t>
+                      </a:r>
+                    </a:p>
+                    <a:p>
+                      <a:r>
+                        <a:rPr lang="en-US" dirty="0" smtClean="0"/>
+                        <a:t>    balance float64</a:t>
+                      </a:r>
+                    </a:p>
+                    <a:p>
+                      <a:r>
+                        <a:rPr lang="en-US" dirty="0" smtClean="0"/>
+                        <a:t>    </a:t>
+                      </a:r>
+                      <a:r>
+                        <a:rPr lang="en-US" dirty="0" err="1" smtClean="0"/>
+                        <a:t>personID</a:t>
+                      </a:r>
+                      <a:r>
+                        <a:rPr lang="en-US" dirty="0" smtClean="0"/>
+                        <a:t> string</a:t>
+                      </a:r>
+                    </a:p>
+                    <a:p>
+                      <a:r>
+                        <a:rPr lang="en-US" dirty="0" smtClean="0"/>
+                        <a:t>}</a:t>
+                      </a:r>
+                    </a:p>
+                  </a:txBody>
+                  <a:tcPr/>
+                </a:tc>
+              </a:tr>
+            </a:tbl>
+          </a:graphicData>
+        </a:graphic>
+      </p:graphicFrame>
     </p:spTree>
     <p:extLst>
       <p:ext uri="{BB962C8B-B14F-4D97-AF65-F5344CB8AC3E}">
-        <p14:creationId xmlns:p14="http://schemas.microsoft.com/office/powerpoint/2010/main" val="3981935438"/>
+        <p14:creationId xmlns:p14="http://schemas.microsoft.com/office/powerpoint/2010/main" val="1778246093"/>
       </p:ext>
     </p:extLst>
   </p:cSld>
@@ -7466,7 +7910,11 @@
           <a:p>
             <a:r>
               <a:rPr lang="en-US" dirty="0"/>
-              <a:t>Go – Introduction to testing</a:t>
+              <a:t>Go </a:t>
+            </a:r>
+            <a:r>
+              <a:rPr lang="en-US" dirty="0" smtClean="0"/>
+              <a:t>– Introduction to testing</a:t>
             </a:r>
             <a:endParaRPr lang="en-GB" dirty="0"/>
           </a:p>
@@ -7490,9 +7938,176 @@
         </p:nvSpPr>
         <p:spPr/>
         <p:txBody>
-          <a:bodyPr/>
-          <a:lstStyle/>
-          <a:p>
+          <a:bodyPr>
+            <a:normAutofit fontScale="92500" lnSpcReduction="10000"/>
+          </a:bodyPr>
+          <a:lstStyle/>
+          <a:p>
+            <a:r>
+              <a:rPr lang="en-GB" dirty="0" smtClean="0"/>
+              <a:t>What is Unit testing ?</a:t>
+            </a:r>
+          </a:p>
+          <a:p>
+            <a:pPr lvl="1"/>
+            <a:r>
+              <a:rPr lang="en-US" b="1" dirty="0"/>
+              <a:t>UNIT TESTING</a:t>
+            </a:r>
+            <a:r>
+              <a:rPr lang="en-US" dirty="0"/>
+              <a:t> is a level of software </a:t>
+            </a:r>
+            <a:r>
+              <a:rPr lang="en-US" b="1" dirty="0"/>
+              <a:t>testing</a:t>
+            </a:r>
+            <a:r>
+              <a:rPr lang="en-US" dirty="0"/>
+              <a:t> where individual units/ components of a software are </a:t>
+            </a:r>
+            <a:r>
+              <a:rPr lang="en-US" dirty="0" smtClean="0"/>
+              <a:t>tested</a:t>
+            </a:r>
+          </a:p>
+          <a:p>
+            <a:pPr lvl="1"/>
+            <a:r>
+              <a:rPr lang="en-US" dirty="0"/>
+              <a:t>A </a:t>
+            </a:r>
+            <a:r>
+              <a:rPr lang="en-US" b="1" dirty="0"/>
+              <a:t>unit</a:t>
+            </a:r>
+            <a:r>
+              <a:rPr lang="en-US" dirty="0"/>
+              <a:t> is the smallest testable part of any software.</a:t>
+            </a:r>
+            <a:endParaRPr lang="en-GB" dirty="0" smtClean="0"/>
+          </a:p>
+          <a:p>
+            <a:pPr marL="0" indent="0">
+              <a:buNone/>
+            </a:pPr>
+            <a:endParaRPr lang="en-GB" dirty="0" smtClean="0"/>
+          </a:p>
+          <a:p>
+            <a:r>
+              <a:rPr lang="en-GB" dirty="0" smtClean="0"/>
+              <a:t>Testing package in Go</a:t>
+            </a:r>
+          </a:p>
+          <a:p>
+            <a:pPr lvl="1"/>
+            <a:r>
+              <a:rPr lang="en-US" dirty="0" smtClean="0"/>
+              <a:t>import </a:t>
+            </a:r>
+            <a:r>
+              <a:rPr lang="en-US" dirty="0"/>
+              <a:t>"</a:t>
+            </a:r>
+            <a:r>
+              <a:rPr lang="en-US" dirty="0" smtClean="0"/>
+              <a:t>testing“</a:t>
+            </a:r>
+          </a:p>
+          <a:p>
+            <a:pPr marL="457200" lvl="1" indent="0">
+              <a:buNone/>
+            </a:pPr>
+            <a:r>
+              <a:rPr lang="en-US" dirty="0" err="1"/>
+              <a:t>func</a:t>
+            </a:r>
+            <a:r>
+              <a:rPr lang="en-US" dirty="0"/>
+              <a:t> </a:t>
+            </a:r>
+            <a:r>
+              <a:rPr lang="en-US" dirty="0" err="1" smtClean="0"/>
+              <a:t>TestTimeConsuming</a:t>
+            </a:r>
+            <a:r>
+              <a:rPr lang="en-US" dirty="0" smtClean="0"/>
+              <a:t>(t </a:t>
+            </a:r>
+            <a:r>
+              <a:rPr lang="en-US" dirty="0"/>
+              <a:t>*</a:t>
+            </a:r>
+            <a:r>
+              <a:rPr lang="en-US" dirty="0" err="1"/>
+              <a:t>testing.T</a:t>
+            </a:r>
+            <a:r>
+              <a:rPr lang="en-US" dirty="0" smtClean="0"/>
+              <a:t>) {</a:t>
+            </a:r>
+          </a:p>
+          <a:p>
+            <a:pPr marL="914400" lvl="2" indent="0">
+              <a:buNone/>
+            </a:pPr>
+            <a:r>
+              <a:rPr lang="en-US" dirty="0" smtClean="0"/>
+              <a:t> </a:t>
+            </a:r>
+            <a:r>
+              <a:rPr lang="en-US" dirty="0"/>
+              <a:t>if </a:t>
+            </a:r>
+            <a:r>
+              <a:rPr lang="en-US" dirty="0" err="1"/>
+              <a:t>testing.Short</a:t>
+            </a:r>
+            <a:r>
+              <a:rPr lang="en-US" dirty="0"/>
+              <a:t>() { </a:t>
+            </a:r>
+            <a:endParaRPr lang="en-US" dirty="0" smtClean="0"/>
+          </a:p>
+          <a:p>
+            <a:pPr marL="1371600" lvl="3" indent="0">
+              <a:buNone/>
+            </a:pPr>
+            <a:r>
+              <a:rPr lang="en-US" dirty="0" err="1" smtClean="0"/>
+              <a:t>t.Skip</a:t>
+            </a:r>
+            <a:r>
+              <a:rPr lang="en-US" dirty="0"/>
+              <a:t>("skipping test in short mode</a:t>
+            </a:r>
+            <a:r>
+              <a:rPr lang="en-US" dirty="0" smtClean="0"/>
+              <a:t>.")</a:t>
+            </a:r>
+          </a:p>
+          <a:p>
+            <a:pPr marL="914400" lvl="2" indent="0">
+              <a:buNone/>
+            </a:pPr>
+            <a:r>
+              <a:rPr lang="en-US" dirty="0" smtClean="0"/>
+              <a:t> } </a:t>
+            </a:r>
+            <a:endParaRPr lang="en-US" dirty="0"/>
+          </a:p>
+          <a:p>
+            <a:pPr marL="457200" lvl="1" indent="0">
+              <a:buNone/>
+            </a:pPr>
+            <a:r>
+              <a:rPr lang="en-US" dirty="0" smtClean="0"/>
+              <a:t> </a:t>
+            </a:r>
+            <a:r>
+              <a:rPr lang="en-US" dirty="0"/>
+              <a:t>}</a:t>
+            </a:r>
             <a:endParaRPr lang="en-GB" dirty="0"/>
           </a:p>
         </p:txBody>
@@ -7500,7 +8115,7 @@
     </p:spTree>
     <p:extLst>
       <p:ext uri="{BB962C8B-B14F-4D97-AF65-F5344CB8AC3E}">
-        <p14:creationId xmlns:p14="http://schemas.microsoft.com/office/powerpoint/2010/main" val="1765002078"/>
+        <p14:creationId xmlns:p14="http://schemas.microsoft.com/office/powerpoint/2010/main" val="3981935438"/>
       </p:ext>
     </p:extLst>
   </p:cSld>
@@ -7532,7 +8147,7 @@
           <p:cNvPr id="2" name="Title 1">
             <a:extLst>
               <a:ext uri="{FF2B5EF4-FFF2-40B4-BE49-F238E27FC236}">
-                <a16:creationId xmlns="" xmlns:a16="http://schemas.microsoft.com/office/drawing/2014/main" id="{F5410863-202F-4317-9235-F7DB792FC955}"/>
+                <a16:creationId xmlns="" xmlns:a16="http://schemas.microsoft.com/office/drawing/2014/main" id="{D2838AD3-8487-4B40-A1EA-A2AD58865014}"/>
               </a:ext>
             </a:extLst>
           </p:cNvPr>
@@ -7550,15 +8165,8 @@
           <a:p>
             <a:r>
               <a:rPr lang="en-US" dirty="0"/>
-              <a:t>Questions ???</a:t>
-            </a:r>
-            <a:r>
-              <a:rPr lang="en-GB" dirty="0"/>
-              <a:t/>
-            </a:r>
-            <a:br>
-              <a:rPr lang="en-GB" dirty="0"/>
-            </a:br>
+              <a:t>Go – Introduction to testing</a:t>
+            </a:r>
             <a:endParaRPr lang="en-GB" dirty="0"/>
           </a:p>
         </p:txBody>
@@ -7568,7 +8176,7 @@
           <p:cNvPr id="3" name="Content Placeholder 2">
             <a:extLst>
               <a:ext uri="{FF2B5EF4-FFF2-40B4-BE49-F238E27FC236}">
-                <a16:creationId xmlns="" xmlns:a16="http://schemas.microsoft.com/office/drawing/2014/main" id="{FF9AA3BC-EEA5-4C21-AE99-C8B29CF77AC2}"/>
+                <a16:creationId xmlns="" xmlns:a16="http://schemas.microsoft.com/office/drawing/2014/main" id="{68E20AA1-1939-49FB-A6F5-8500AE3EA114}"/>
               </a:ext>
             </a:extLst>
           </p:cNvPr>
@@ -7591,7 +8199,7 @@
     </p:spTree>
     <p:extLst>
       <p:ext uri="{BB962C8B-B14F-4D97-AF65-F5344CB8AC3E}">
-        <p14:creationId xmlns:p14="http://schemas.microsoft.com/office/powerpoint/2010/main" val="3197316987"/>
+        <p14:creationId xmlns:p14="http://schemas.microsoft.com/office/powerpoint/2010/main" val="1765002078"/>
       </p:ext>
     </p:extLst>
   </p:cSld>
@@ -7623,7 +8231,7 @@
           <p:cNvPr id="2" name="Title 1">
             <a:extLst>
               <a:ext uri="{FF2B5EF4-FFF2-40B4-BE49-F238E27FC236}">
-                <a16:creationId xmlns="" xmlns:a16="http://schemas.microsoft.com/office/drawing/2014/main" id="{49B3B312-F6AC-43D0-9CCE-91C6DDBF9276}"/>
+                <a16:creationId xmlns="" xmlns:a16="http://schemas.microsoft.com/office/drawing/2014/main" id="{F5410863-202F-4317-9235-F7DB792FC955}"/>
               </a:ext>
             </a:extLst>
           </p:cNvPr>
@@ -7640,13 +8248,16 @@
           <a:lstStyle/>
           <a:p>
             <a:r>
-              <a:rPr lang="en-US" dirty="0" err="1"/>
-              <a:t>NodeSDK</a:t>
-            </a:r>
-            <a:r>
-              <a:rPr lang="en-US" dirty="0"/>
-              <a:t> - Fabric</a:t>
-            </a:r>
+              <a:rPr lang="en-US" dirty="0"/>
+              <a:t>Questions ???</a:t>
+            </a:r>
+            <a:r>
+              <a:rPr lang="en-GB" dirty="0"/>
+              <a:t/>
+            </a:r>
+            <a:br>
+              <a:rPr lang="en-GB" dirty="0"/>
+            </a:br>
             <a:endParaRPr lang="en-GB" dirty="0"/>
           </a:p>
         </p:txBody>
@@ -7656,7 +8267,7 @@
           <p:cNvPr id="3" name="Content Placeholder 2">
             <a:extLst>
               <a:ext uri="{FF2B5EF4-FFF2-40B4-BE49-F238E27FC236}">
-                <a16:creationId xmlns="" xmlns:a16="http://schemas.microsoft.com/office/drawing/2014/main" id="{4620FB54-A733-47AC-9784-B905A7A330CC}"/>
+                <a16:creationId xmlns="" xmlns:a16="http://schemas.microsoft.com/office/drawing/2014/main" id="{FF9AA3BC-EEA5-4C21-AE99-C8B29CF77AC2}"/>
               </a:ext>
             </a:extLst>
           </p:cNvPr>
@@ -7679,7 +8290,7 @@
     </p:spTree>
     <p:extLst>
       <p:ext uri="{BB962C8B-B14F-4D97-AF65-F5344CB8AC3E}">
-        <p14:creationId xmlns:p14="http://schemas.microsoft.com/office/powerpoint/2010/main" val="2378904891"/>
+        <p14:creationId xmlns:p14="http://schemas.microsoft.com/office/powerpoint/2010/main" val="3197316987"/>
       </p:ext>
     </p:extLst>
   </p:cSld>
@@ -7711,6 +8322,94 @@
           <p:cNvPr id="2" name="Title 1">
             <a:extLst>
               <a:ext uri="{FF2B5EF4-FFF2-40B4-BE49-F238E27FC236}">
+                <a16:creationId xmlns="" xmlns:a16="http://schemas.microsoft.com/office/drawing/2014/main" id="{49B3B312-F6AC-43D0-9CCE-91C6DDBF9276}"/>
+              </a:ext>
+            </a:extLst>
+          </p:cNvPr>
+          <p:cNvSpPr>
+            <a:spLocks noGrp="1"/>
+          </p:cNvSpPr>
+          <p:nvPr>
+            <p:ph type="title"/>
+          </p:nvPr>
+        </p:nvSpPr>
+        <p:spPr/>
+        <p:txBody>
+          <a:bodyPr/>
+          <a:lstStyle/>
+          <a:p>
+            <a:r>
+              <a:rPr lang="en-US" dirty="0" err="1"/>
+              <a:t>NodeSDK</a:t>
+            </a:r>
+            <a:r>
+              <a:rPr lang="en-US" dirty="0"/>
+              <a:t> - Fabric</a:t>
+            </a:r>
+            <a:endParaRPr lang="en-GB" dirty="0"/>
+          </a:p>
+        </p:txBody>
+      </p:sp>
+      <p:sp>
+        <p:nvSpPr>
+          <p:cNvPr id="3" name="Content Placeholder 2">
+            <a:extLst>
+              <a:ext uri="{FF2B5EF4-FFF2-40B4-BE49-F238E27FC236}">
+                <a16:creationId xmlns="" xmlns:a16="http://schemas.microsoft.com/office/drawing/2014/main" id="{4620FB54-A733-47AC-9784-B905A7A330CC}"/>
+              </a:ext>
+            </a:extLst>
+          </p:cNvPr>
+          <p:cNvSpPr>
+            <a:spLocks noGrp="1"/>
+          </p:cNvSpPr>
+          <p:nvPr>
+            <p:ph idx="1"/>
+          </p:nvPr>
+        </p:nvSpPr>
+        <p:spPr/>
+        <p:txBody>
+          <a:bodyPr/>
+          <a:lstStyle/>
+          <a:p>
+            <a:endParaRPr lang="en-GB" dirty="0"/>
+          </a:p>
+        </p:txBody>
+      </p:sp>
+    </p:spTree>
+    <p:extLst>
+      <p:ext uri="{BB962C8B-B14F-4D97-AF65-F5344CB8AC3E}">
+        <p14:creationId xmlns:p14="http://schemas.microsoft.com/office/powerpoint/2010/main" val="2378904891"/>
+      </p:ext>
+    </p:extLst>
+  </p:cSld>
+  <p:clrMapOvr>
+    <a:masterClrMapping/>
+  </p:clrMapOvr>
+</p:sld>
+</file>
+
+<file path=ppt/slides/slide34.xml><?xml version="1.0" encoding="utf-8"?>
+<p:sld xmlns:a="http://schemas.openxmlformats.org/drawingml/2006/main" xmlns:r="http://schemas.openxmlformats.org/officeDocument/2006/relationships" xmlns:p="http://schemas.openxmlformats.org/presentationml/2006/main">
+  <p:cSld>
+    <p:spTree>
+      <p:nvGrpSpPr>
+        <p:cNvPr id="1" name=""/>
+        <p:cNvGrpSpPr/>
+        <p:nvPr/>
+      </p:nvGrpSpPr>
+      <p:grpSpPr>
+        <a:xfrm>
+          <a:off x="0" y="0"/>
+          <a:ext cx="0" cy="0"/>
+          <a:chOff x="0" y="0"/>
+          <a:chExt cx="0" cy="0"/>
+        </a:xfrm>
+      </p:grpSpPr>
+      <p:sp>
+        <p:nvSpPr>
+          <p:cNvPr id="2" name="Title 1">
+            <a:extLst>
+              <a:ext uri="{FF2B5EF4-FFF2-40B4-BE49-F238E27FC236}">
                 <a16:creationId xmlns="" xmlns:a16="http://schemas.microsoft.com/office/drawing/2014/main" id="{2C733B95-0465-4FD3-A9DC-0C6775E88C96}"/>
               </a:ext>
             </a:extLst>
@@ -7769,7 +8468,7 @@
 </p:sld>
 </file>
 
-<file path=ppt/slides/slide34.xml><?xml version="1.0" encoding="utf-8"?>
+<file path=ppt/slides/slide35.xml><?xml version="1.0" encoding="utf-8"?>
 <p:sld xmlns:a="http://schemas.openxmlformats.org/drawingml/2006/main" xmlns:r="http://schemas.openxmlformats.org/officeDocument/2006/relationships" xmlns:p="http://schemas.openxmlformats.org/presentationml/2006/main">
   <p:cSld>
     <p:spTree>

--- a/HyperLedgerFabric.pptx
+++ b/HyperLedgerFabric.pptx
@@ -2,7 +2,7 @@
 <file path=ppt/presentation.xml><?xml version="1.0" encoding="utf-8"?>
 <p:presentation xmlns:a="http://schemas.openxmlformats.org/drawingml/2006/main" xmlns:r="http://schemas.openxmlformats.org/officeDocument/2006/relationships" xmlns:p="http://schemas.openxmlformats.org/presentationml/2006/main" saveSubsetFonts="1">
   <p:sldMasterIdLst>
-    <p:sldMasterId id="2147483648" r:id="rId1"/>
+    <p:sldMasterId id="2147483816" r:id="rId1"/>
   </p:sldMasterIdLst>
   <p:sldIdLst>
     <p:sldId id="256" r:id="rId2"/>
@@ -25,21 +25,17 @@
     <p:sldId id="269" r:id="rId19"/>
     <p:sldId id="272" r:id="rId20"/>
     <p:sldId id="273" r:id="rId21"/>
-    <p:sldId id="274" r:id="rId22"/>
-    <p:sldId id="275" r:id="rId23"/>
-    <p:sldId id="280" r:id="rId24"/>
-    <p:sldId id="276" r:id="rId25"/>
-    <p:sldId id="277" r:id="rId26"/>
-    <p:sldId id="282" r:id="rId27"/>
-    <p:sldId id="281" r:id="rId28"/>
-    <p:sldId id="278" r:id="rId29"/>
-    <p:sldId id="293" r:id="rId30"/>
-    <p:sldId id="279" r:id="rId31"/>
-    <p:sldId id="283" r:id="rId32"/>
-    <p:sldId id="284" r:id="rId33"/>
-    <p:sldId id="285" r:id="rId34"/>
-    <p:sldId id="286" r:id="rId35"/>
-    <p:sldId id="287" r:id="rId36"/>
+    <p:sldId id="275" r:id="rId22"/>
+    <p:sldId id="276" r:id="rId23"/>
+    <p:sldId id="277" r:id="rId24"/>
+    <p:sldId id="282" r:id="rId25"/>
+    <p:sldId id="281" r:id="rId26"/>
+    <p:sldId id="278" r:id="rId27"/>
+    <p:sldId id="293" r:id="rId28"/>
+    <p:sldId id="279" r:id="rId29"/>
+    <p:sldId id="283" r:id="rId30"/>
+    <p:sldId id="285" r:id="rId31"/>
+    <p:sldId id="287" r:id="rId32"/>
   </p:sldIdLst>
   <p:sldSz cx="12192000" cy="6858000"/>
   <p:notesSz cx="6858000" cy="9144000"/>
@@ -144,6 +140,11 @@
 <file path=ppt/slideLayouts/slideLayout1.xml><?xml version="1.0" encoding="utf-8"?>
 <p:sldLayout xmlns:a="http://schemas.openxmlformats.org/drawingml/2006/main" xmlns:r="http://schemas.openxmlformats.org/officeDocument/2006/relationships" xmlns:p="http://schemas.openxmlformats.org/presentationml/2006/main" type="title" preserve="1">
   <p:cSld name="Title Slide">
+    <p:bg>
+      <p:bgRef idx="1002">
+        <a:schemeClr val="bg2"/>
+      </p:bgRef>
+    </p:bg>
     <p:spTree>
       <p:nvGrpSpPr>
         <p:cNvPr id="1" name=""/>
@@ -160,13 +161,7 @@
       </p:grpSpPr>
       <p:sp>
         <p:nvSpPr>
-          <p:cNvPr id="2" name="Title 1">
-            <a:extLst>
-              <a:ext uri="{FF2B5EF4-FFF2-40B4-BE49-F238E27FC236}">
-                <a16:creationId xmlns="" xmlns:a16="http://schemas.microsoft.com/office/drawing/2014/main" id="{6E4DFF87-5ECB-4AFA-A0A7-A9AAB26C4B0F}"/>
-              </a:ext>
-            </a:extLst>
-          </p:cNvPr>
+          <p:cNvPr id="9" name="Title 8"/>
           <p:cNvSpPr>
             <a:spLocks noGrp="1"/>
           </p:cNvSpPr>
@@ -176,106 +171,131 @@
         </p:nvSpPr>
         <p:spPr>
           <a:xfrm>
-            <a:off x="1524000" y="1122363"/>
-            <a:ext cx="9144000" cy="2387600"/>
+            <a:off x="711200" y="1371600"/>
+            <a:ext cx="10468864" cy="1828800"/>
+          </a:xfrm>
+          <a:ln>
+            <a:noFill/>
+          </a:ln>
+        </p:spPr>
+        <p:txBody>
+          <a:bodyPr vert="horz" tIns="0" rIns="18288" bIns="0" anchor="b">
+            <a:normAutofit/>
+            <a:scene3d>
+              <a:camera prst="orthographicFront"/>
+              <a:lightRig rig="freezing" dir="t">
+                <a:rot lat="0" lon="0" rev="5640000"/>
+              </a:lightRig>
+            </a:scene3d>
+            <a:sp3d prstMaterial="flat">
+              <a:bevelT w="38100" h="38100"/>
+              <a:contourClr>
+                <a:schemeClr val="tx2"/>
+              </a:contourClr>
+            </a:sp3d>
+          </a:bodyPr>
+          <a:lstStyle>
+            <a:lvl1pPr algn="r" rtl="0">
+              <a:spcBef>
+                <a:spcPct val="0"/>
+              </a:spcBef>
+              <a:buNone/>
+              <a:defRPr sz="5600" b="1">
+                <a:ln>
+                  <a:noFill/>
+                </a:ln>
+                <a:solidFill>
+                  <a:schemeClr val="accent3">
+                    <a:tint val="90000"/>
+                    <a:satMod val="120000"/>
+                  </a:schemeClr>
+                </a:solidFill>
+                <a:effectLst>
+                  <a:outerShdw blurRad="38100" dist="25400" dir="5400000" algn="tl" rotWithShape="0">
+                    <a:srgbClr val="000000">
+                      <a:alpha val="43000"/>
+                    </a:srgbClr>
+                  </a:outerShdw>
+                </a:effectLst>
+                <a:latin typeface="+mj-lt"/>
+                <a:ea typeface="+mj-ea"/>
+                <a:cs typeface="+mj-cs"/>
+              </a:defRPr>
+            </a:lvl1pPr>
+          </a:lstStyle>
+          <a:p>
+            <a:r>
+              <a:rPr kumimoji="0" lang="en-US" smtClean="0"/>
+              <a:t>Click to edit Master title style</a:t>
+            </a:r>
+            <a:endParaRPr kumimoji="0" lang="en-US"/>
+          </a:p>
+        </p:txBody>
+      </p:sp>
+      <p:sp>
+        <p:nvSpPr>
+          <p:cNvPr id="17" name="Subtitle 16"/>
+          <p:cNvSpPr>
+            <a:spLocks noGrp="1"/>
+          </p:cNvSpPr>
+          <p:nvPr>
+            <p:ph type="subTitle" idx="1"/>
+          </p:nvPr>
+        </p:nvSpPr>
+        <p:spPr>
+          <a:xfrm>
+            <a:off x="711200" y="3228536"/>
+            <a:ext cx="10472928" cy="1752600"/>
           </a:xfrm>
         </p:spPr>
         <p:txBody>
-          <a:bodyPr anchor="b"/>
+          <a:bodyPr lIns="0" rIns="18288"/>
           <a:lstStyle>
-            <a:lvl1pPr algn="ctr">
-              <a:defRPr sz="6000"/>
-            </a:lvl1pPr>
-          </a:lstStyle>
-          <a:p>
-            <a:r>
-              <a:rPr lang="en-US"/>
-              <a:t>Click to edit Master title style</a:t>
-            </a:r>
-            <a:endParaRPr lang="en-GB"/>
-          </a:p>
-        </p:txBody>
-      </p:sp>
-      <p:sp>
-        <p:nvSpPr>
-          <p:cNvPr id="3" name="Subtitle 2">
-            <a:extLst>
-              <a:ext uri="{FF2B5EF4-FFF2-40B4-BE49-F238E27FC236}">
-                <a16:creationId xmlns="" xmlns:a16="http://schemas.microsoft.com/office/drawing/2014/main" id="{27E60FD2-D0F1-4601-ACD1-A6586E2612DA}"/>
-              </a:ext>
-            </a:extLst>
-          </p:cNvPr>
-          <p:cNvSpPr>
-            <a:spLocks noGrp="1"/>
-          </p:cNvSpPr>
-          <p:nvPr>
-            <p:ph type="subTitle" idx="1"/>
-          </p:nvPr>
-        </p:nvSpPr>
-        <p:spPr>
-          <a:xfrm>
-            <a:off x="1524000" y="3602038"/>
-            <a:ext cx="9144000" cy="1655762"/>
-          </a:xfrm>
-        </p:spPr>
-        <p:txBody>
-          <a:bodyPr/>
-          <a:lstStyle>
-            <a:lvl1pPr marL="0" indent="0" algn="ctr">
-              <a:buNone/>
-              <a:defRPr sz="2400"/>
+            <a:lvl1pPr marL="0" marR="45720" indent="0" algn="r">
+              <a:buNone/>
+              <a:defRPr>
+                <a:solidFill>
+                  <a:schemeClr val="tx1"/>
+                </a:solidFill>
+              </a:defRPr>
             </a:lvl1pPr>
             <a:lvl2pPr marL="457200" indent="0" algn="ctr">
               <a:buNone/>
-              <a:defRPr sz="2000"/>
             </a:lvl2pPr>
             <a:lvl3pPr marL="914400" indent="0" algn="ctr">
               <a:buNone/>
-              <a:defRPr sz="1800"/>
             </a:lvl3pPr>
             <a:lvl4pPr marL="1371600" indent="0" algn="ctr">
               <a:buNone/>
-              <a:defRPr sz="1600"/>
             </a:lvl4pPr>
             <a:lvl5pPr marL="1828800" indent="0" algn="ctr">
               <a:buNone/>
-              <a:defRPr sz="1600"/>
             </a:lvl5pPr>
             <a:lvl6pPr marL="2286000" indent="0" algn="ctr">
               <a:buNone/>
-              <a:defRPr sz="1600"/>
             </a:lvl6pPr>
             <a:lvl7pPr marL="2743200" indent="0" algn="ctr">
               <a:buNone/>
-              <a:defRPr sz="1600"/>
             </a:lvl7pPr>
             <a:lvl8pPr marL="3200400" indent="0" algn="ctr">
               <a:buNone/>
-              <a:defRPr sz="1600"/>
             </a:lvl8pPr>
             <a:lvl9pPr marL="3657600" indent="0" algn="ctr">
               <a:buNone/>
-              <a:defRPr sz="1600"/>
             </a:lvl9pPr>
           </a:lstStyle>
           <a:p>
             <a:r>
-              <a:rPr lang="en-US"/>
+              <a:rPr kumimoji="0" lang="en-US" smtClean="0"/>
               <a:t>Click to edit Master subtitle style</a:t>
             </a:r>
-            <a:endParaRPr lang="en-GB"/>
-          </a:p>
-        </p:txBody>
-      </p:sp>
-      <p:sp>
-        <p:nvSpPr>
-          <p:cNvPr id="4" name="Date Placeholder 3">
-            <a:extLst>
-              <a:ext uri="{FF2B5EF4-FFF2-40B4-BE49-F238E27FC236}">
-                <a16:creationId xmlns="" xmlns:a16="http://schemas.microsoft.com/office/drawing/2014/main" id="{4E2DBCC5-9326-4439-AC14-7F7688ACCCBB}"/>
-              </a:ext>
-            </a:extLst>
-          </p:cNvPr>
+            <a:endParaRPr kumimoji="0" lang="en-US"/>
+          </a:p>
+        </p:txBody>
+      </p:sp>
+      <p:sp>
+        <p:nvSpPr>
+          <p:cNvPr id="30" name="Date Placeholder 29"/>
           <p:cNvSpPr>
             <a:spLocks noGrp="1"/>
           </p:cNvSpPr>
@@ -298,13 +318,7 @@
       </p:sp>
       <p:sp>
         <p:nvSpPr>
-          <p:cNvPr id="5" name="Footer Placeholder 4">
-            <a:extLst>
-              <a:ext uri="{FF2B5EF4-FFF2-40B4-BE49-F238E27FC236}">
-                <a16:creationId xmlns="" xmlns:a16="http://schemas.microsoft.com/office/drawing/2014/main" id="{2A975681-F568-46B9-A9D3-A510B1CEF334}"/>
-              </a:ext>
-            </a:extLst>
-          </p:cNvPr>
+          <p:cNvPr id="19" name="Footer Placeholder 18"/>
           <p:cNvSpPr>
             <a:spLocks noGrp="1"/>
           </p:cNvSpPr>
@@ -323,13 +337,7 @@
       </p:sp>
       <p:sp>
         <p:nvSpPr>
-          <p:cNvPr id="6" name="Slide Number Placeholder 5">
-            <a:extLst>
-              <a:ext uri="{FF2B5EF4-FFF2-40B4-BE49-F238E27FC236}">
-                <a16:creationId xmlns="" xmlns:a16="http://schemas.microsoft.com/office/drawing/2014/main" id="{DE849FB2-882C-4BC7-B617-31D6438B56E5}"/>
-              </a:ext>
-            </a:extLst>
-          </p:cNvPr>
+          <p:cNvPr id="27" name="Slide Number Placeholder 26"/>
           <p:cNvSpPr>
             <a:spLocks noGrp="1"/>
           </p:cNvSpPr>
@@ -351,14 +359,9 @@
         </p:txBody>
       </p:sp>
     </p:spTree>
-    <p:extLst>
-      <p:ext uri="{BB962C8B-B14F-4D97-AF65-F5344CB8AC3E}">
-        <p14:creationId xmlns:p14="http://schemas.microsoft.com/office/powerpoint/2010/main" val="614330282"/>
-      </p:ext>
-    </p:extLst>
   </p:cSld>
   <p:clrMapOvr>
-    <a:masterClrMapping/>
+    <a:overrideClrMapping bg1="dk1" tx1="lt1" bg2="dk2" tx2="lt2" accent1="accent1" accent2="accent2" accent3="accent3" accent4="accent4" accent5="accent5" accent6="accent6" hlink="hlink" folHlink="folHlink"/>
   </p:clrMapOvr>
 </p:sldLayout>
 </file>
@@ -382,13 +385,7 @@
       </p:grpSpPr>
       <p:sp>
         <p:nvSpPr>
-          <p:cNvPr id="2" name="Title 1">
-            <a:extLst>
-              <a:ext uri="{FF2B5EF4-FFF2-40B4-BE49-F238E27FC236}">
-                <a16:creationId xmlns="" xmlns:a16="http://schemas.microsoft.com/office/drawing/2014/main" id="{CB566F16-871E-4F55-802C-EE79AA1B47BC}"/>
-              </a:ext>
-            </a:extLst>
-          </p:cNvPr>
+          <p:cNvPr id="2" name="Title 1"/>
           <p:cNvSpPr>
             <a:spLocks noGrp="1"/>
           </p:cNvSpPr>
@@ -402,22 +399,16 @@
           <a:lstStyle/>
           <a:p>
             <a:r>
-              <a:rPr lang="en-US"/>
+              <a:rPr kumimoji="0" lang="en-US" smtClean="0"/>
               <a:t>Click to edit Master title style</a:t>
             </a:r>
-            <a:endParaRPr lang="en-GB"/>
-          </a:p>
-        </p:txBody>
-      </p:sp>
-      <p:sp>
-        <p:nvSpPr>
-          <p:cNvPr id="3" name="Vertical Text Placeholder 2">
-            <a:extLst>
-              <a:ext uri="{FF2B5EF4-FFF2-40B4-BE49-F238E27FC236}">
-                <a16:creationId xmlns="" xmlns:a16="http://schemas.microsoft.com/office/drawing/2014/main" id="{74EA1A8E-2EFA-4E79-B335-A18D1D194087}"/>
-              </a:ext>
-            </a:extLst>
-          </p:cNvPr>
+            <a:endParaRPr kumimoji="0" lang="en-US"/>
+          </a:p>
+        </p:txBody>
+      </p:sp>
+      <p:sp>
+        <p:nvSpPr>
+          <p:cNvPr id="3" name="Vertical Text Placeholder 2"/>
           <p:cNvSpPr>
             <a:spLocks noGrp="1"/>
           </p:cNvSpPr>
@@ -430,52 +421,46 @@
           <a:bodyPr vert="eaVert"/>
           <a:lstStyle/>
           <a:p>
-            <a:pPr lvl="0"/>
-            <a:r>
-              <a:rPr lang="en-US"/>
-              <a:t>Edit Master text styles</a:t>
-            </a:r>
-          </a:p>
-          <a:p>
-            <a:pPr lvl="1"/>
-            <a:r>
-              <a:rPr lang="en-US"/>
+            <a:pPr lvl="0" eaLnBrk="1" latinLnBrk="0" hangingPunct="1"/>
+            <a:r>
+              <a:rPr lang="en-US" smtClean="0"/>
+              <a:t>Click to edit Master text styles</a:t>
+            </a:r>
+          </a:p>
+          <a:p>
+            <a:pPr lvl="1" eaLnBrk="1" latinLnBrk="0" hangingPunct="1"/>
+            <a:r>
+              <a:rPr lang="en-US" smtClean="0"/>
               <a:t>Second level</a:t>
             </a:r>
           </a:p>
           <a:p>
-            <a:pPr lvl="2"/>
-            <a:r>
-              <a:rPr lang="en-US"/>
+            <a:pPr lvl="2" eaLnBrk="1" latinLnBrk="0" hangingPunct="1"/>
+            <a:r>
+              <a:rPr lang="en-US" smtClean="0"/>
               <a:t>Third level</a:t>
             </a:r>
           </a:p>
           <a:p>
-            <a:pPr lvl="3"/>
-            <a:r>
-              <a:rPr lang="en-US"/>
+            <a:pPr lvl="3" eaLnBrk="1" latinLnBrk="0" hangingPunct="1"/>
+            <a:r>
+              <a:rPr lang="en-US" smtClean="0"/>
               <a:t>Fourth level</a:t>
             </a:r>
           </a:p>
           <a:p>
-            <a:pPr lvl="4"/>
-            <a:r>
-              <a:rPr lang="en-US"/>
+            <a:pPr lvl="4" eaLnBrk="1" latinLnBrk="0" hangingPunct="1"/>
+            <a:r>
+              <a:rPr lang="en-US" smtClean="0"/>
               <a:t>Fifth level</a:t>
             </a:r>
-            <a:endParaRPr lang="en-GB"/>
-          </a:p>
-        </p:txBody>
-      </p:sp>
-      <p:sp>
-        <p:nvSpPr>
-          <p:cNvPr id="4" name="Date Placeholder 3">
-            <a:extLst>
-              <a:ext uri="{FF2B5EF4-FFF2-40B4-BE49-F238E27FC236}">
-                <a16:creationId xmlns="" xmlns:a16="http://schemas.microsoft.com/office/drawing/2014/main" id="{AC051179-6DA5-4BBE-90D8-3E4DB4776524}"/>
-              </a:ext>
-            </a:extLst>
-          </p:cNvPr>
+            <a:endParaRPr kumimoji="0" lang="en-US"/>
+          </a:p>
+        </p:txBody>
+      </p:sp>
+      <p:sp>
+        <p:nvSpPr>
+          <p:cNvPr id="4" name="Date Placeholder 3"/>
           <p:cNvSpPr>
             <a:spLocks noGrp="1"/>
           </p:cNvSpPr>
@@ -498,13 +483,7 @@
       </p:sp>
       <p:sp>
         <p:nvSpPr>
-          <p:cNvPr id="5" name="Footer Placeholder 4">
-            <a:extLst>
-              <a:ext uri="{FF2B5EF4-FFF2-40B4-BE49-F238E27FC236}">
-                <a16:creationId xmlns="" xmlns:a16="http://schemas.microsoft.com/office/drawing/2014/main" id="{EBD4E582-64B0-41C5-B4C6-E22EED6C6B62}"/>
-              </a:ext>
-            </a:extLst>
-          </p:cNvPr>
+          <p:cNvPr id="5" name="Footer Placeholder 4"/>
           <p:cNvSpPr>
             <a:spLocks noGrp="1"/>
           </p:cNvSpPr>
@@ -523,13 +502,7 @@
       </p:sp>
       <p:sp>
         <p:nvSpPr>
-          <p:cNvPr id="6" name="Slide Number Placeholder 5">
-            <a:extLst>
-              <a:ext uri="{FF2B5EF4-FFF2-40B4-BE49-F238E27FC236}">
-                <a16:creationId xmlns="" xmlns:a16="http://schemas.microsoft.com/office/drawing/2014/main" id="{F7EF5A12-1ED8-44F6-B2A8-96835EDE5FAB}"/>
-              </a:ext>
-            </a:extLst>
-          </p:cNvPr>
+          <p:cNvPr id="6" name="Slide Number Placeholder 5"/>
           <p:cNvSpPr>
             <a:spLocks noGrp="1"/>
           </p:cNvSpPr>
@@ -551,11 +524,6 @@
         </p:txBody>
       </p:sp>
     </p:spTree>
-    <p:extLst>
-      <p:ext uri="{BB962C8B-B14F-4D97-AF65-F5344CB8AC3E}">
-        <p14:creationId xmlns:p14="http://schemas.microsoft.com/office/powerpoint/2010/main" val="664022441"/>
-      </p:ext>
-    </p:extLst>
   </p:cSld>
   <p:clrMapOvr>
     <a:masterClrMapping/>
@@ -582,13 +550,7 @@
       </p:grpSpPr>
       <p:sp>
         <p:nvSpPr>
-          <p:cNvPr id="2" name="Vertical Title 1">
-            <a:extLst>
-              <a:ext uri="{FF2B5EF4-FFF2-40B4-BE49-F238E27FC236}">
-                <a16:creationId xmlns="" xmlns:a16="http://schemas.microsoft.com/office/drawing/2014/main" id="{908D0503-0AFB-4401-9A8A-167884BA9D40}"/>
-              </a:ext>
-            </a:extLst>
-          </p:cNvPr>
+          <p:cNvPr id="2" name="Vertical Title 1"/>
           <p:cNvSpPr>
             <a:spLocks noGrp="1"/>
           </p:cNvSpPr>
@@ -598,8 +560,8 @@
         </p:nvSpPr>
         <p:spPr>
           <a:xfrm>
-            <a:off x="8724900" y="365125"/>
-            <a:ext cx="2628900" cy="5811838"/>
+            <a:off x="8839200" y="914402"/>
+            <a:ext cx="2743200" cy="5211763"/>
           </a:xfrm>
         </p:spPr>
         <p:txBody>
@@ -607,22 +569,16 @@
           <a:lstStyle/>
           <a:p>
             <a:r>
-              <a:rPr lang="en-US"/>
+              <a:rPr kumimoji="0" lang="en-US" smtClean="0"/>
               <a:t>Click to edit Master title style</a:t>
             </a:r>
-            <a:endParaRPr lang="en-GB"/>
-          </a:p>
-        </p:txBody>
-      </p:sp>
-      <p:sp>
-        <p:nvSpPr>
-          <p:cNvPr id="3" name="Vertical Text Placeholder 2">
-            <a:extLst>
-              <a:ext uri="{FF2B5EF4-FFF2-40B4-BE49-F238E27FC236}">
-                <a16:creationId xmlns="" xmlns:a16="http://schemas.microsoft.com/office/drawing/2014/main" id="{50AADD8C-D0AD-4061-B489-96E2A419F723}"/>
-              </a:ext>
-            </a:extLst>
-          </p:cNvPr>
+            <a:endParaRPr kumimoji="0" lang="en-US"/>
+          </a:p>
+        </p:txBody>
+      </p:sp>
+      <p:sp>
+        <p:nvSpPr>
+          <p:cNvPr id="3" name="Vertical Text Placeholder 2"/>
           <p:cNvSpPr>
             <a:spLocks noGrp="1"/>
           </p:cNvSpPr>
@@ -632,60 +588,54 @@
         </p:nvSpPr>
         <p:spPr>
           <a:xfrm>
-            <a:off x="838200" y="365125"/>
-            <a:ext cx="7734300" cy="5811838"/>
+            <a:off x="609600" y="914402"/>
+            <a:ext cx="8026400" cy="5211763"/>
           </a:xfrm>
         </p:spPr>
         <p:txBody>
           <a:bodyPr vert="eaVert"/>
           <a:lstStyle/>
           <a:p>
-            <a:pPr lvl="0"/>
-            <a:r>
-              <a:rPr lang="en-US"/>
-              <a:t>Edit Master text styles</a:t>
-            </a:r>
-          </a:p>
-          <a:p>
-            <a:pPr lvl="1"/>
-            <a:r>
-              <a:rPr lang="en-US"/>
+            <a:pPr lvl="0" eaLnBrk="1" latinLnBrk="0" hangingPunct="1"/>
+            <a:r>
+              <a:rPr lang="en-US" smtClean="0"/>
+              <a:t>Click to edit Master text styles</a:t>
+            </a:r>
+          </a:p>
+          <a:p>
+            <a:pPr lvl="1" eaLnBrk="1" latinLnBrk="0" hangingPunct="1"/>
+            <a:r>
+              <a:rPr lang="en-US" smtClean="0"/>
               <a:t>Second level</a:t>
             </a:r>
           </a:p>
           <a:p>
-            <a:pPr lvl="2"/>
-            <a:r>
-              <a:rPr lang="en-US"/>
+            <a:pPr lvl="2" eaLnBrk="1" latinLnBrk="0" hangingPunct="1"/>
+            <a:r>
+              <a:rPr lang="en-US" smtClean="0"/>
               <a:t>Third level</a:t>
             </a:r>
           </a:p>
           <a:p>
-            <a:pPr lvl="3"/>
-            <a:r>
-              <a:rPr lang="en-US"/>
+            <a:pPr lvl="3" eaLnBrk="1" latinLnBrk="0" hangingPunct="1"/>
+            <a:r>
+              <a:rPr lang="en-US" smtClean="0"/>
               <a:t>Fourth level</a:t>
             </a:r>
           </a:p>
           <a:p>
-            <a:pPr lvl="4"/>
-            <a:r>
-              <a:rPr lang="en-US"/>
+            <a:pPr lvl="4" eaLnBrk="1" latinLnBrk="0" hangingPunct="1"/>
+            <a:r>
+              <a:rPr lang="en-US" smtClean="0"/>
               <a:t>Fifth level</a:t>
             </a:r>
-            <a:endParaRPr lang="en-GB"/>
-          </a:p>
-        </p:txBody>
-      </p:sp>
-      <p:sp>
-        <p:nvSpPr>
-          <p:cNvPr id="4" name="Date Placeholder 3">
-            <a:extLst>
-              <a:ext uri="{FF2B5EF4-FFF2-40B4-BE49-F238E27FC236}">
-                <a16:creationId xmlns="" xmlns:a16="http://schemas.microsoft.com/office/drawing/2014/main" id="{3536BA3D-97D0-4949-896F-9249ECA31992}"/>
-              </a:ext>
-            </a:extLst>
-          </p:cNvPr>
+            <a:endParaRPr kumimoji="0" lang="en-US"/>
+          </a:p>
+        </p:txBody>
+      </p:sp>
+      <p:sp>
+        <p:nvSpPr>
+          <p:cNvPr id="4" name="Date Placeholder 3"/>
           <p:cNvSpPr>
             <a:spLocks noGrp="1"/>
           </p:cNvSpPr>
@@ -708,13 +658,7 @@
       </p:sp>
       <p:sp>
         <p:nvSpPr>
-          <p:cNvPr id="5" name="Footer Placeholder 4">
-            <a:extLst>
-              <a:ext uri="{FF2B5EF4-FFF2-40B4-BE49-F238E27FC236}">
-                <a16:creationId xmlns="" xmlns:a16="http://schemas.microsoft.com/office/drawing/2014/main" id="{026D678A-59C2-4FF0-BC08-FF92752F486E}"/>
-              </a:ext>
-            </a:extLst>
-          </p:cNvPr>
+          <p:cNvPr id="5" name="Footer Placeholder 4"/>
           <p:cNvSpPr>
             <a:spLocks noGrp="1"/>
           </p:cNvSpPr>
@@ -733,13 +677,7 @@
       </p:sp>
       <p:sp>
         <p:nvSpPr>
-          <p:cNvPr id="6" name="Slide Number Placeholder 5">
-            <a:extLst>
-              <a:ext uri="{FF2B5EF4-FFF2-40B4-BE49-F238E27FC236}">
-                <a16:creationId xmlns="" xmlns:a16="http://schemas.microsoft.com/office/drawing/2014/main" id="{54A67490-EE18-414A-BE02-4DDBDA30453A}"/>
-              </a:ext>
-            </a:extLst>
-          </p:cNvPr>
+          <p:cNvPr id="6" name="Slide Number Placeholder 5"/>
           <p:cNvSpPr>
             <a:spLocks noGrp="1"/>
           </p:cNvSpPr>
@@ -761,11 +699,6 @@
         </p:txBody>
       </p:sp>
     </p:spTree>
-    <p:extLst>
-      <p:ext uri="{BB962C8B-B14F-4D97-AF65-F5344CB8AC3E}">
-        <p14:creationId xmlns:p14="http://schemas.microsoft.com/office/powerpoint/2010/main" val="3624090379"/>
-      </p:ext>
-    </p:extLst>
   </p:cSld>
   <p:clrMapOvr>
     <a:masterClrMapping/>
@@ -792,13 +725,7 @@
       </p:grpSpPr>
       <p:sp>
         <p:nvSpPr>
-          <p:cNvPr id="2" name="Title 1">
-            <a:extLst>
-              <a:ext uri="{FF2B5EF4-FFF2-40B4-BE49-F238E27FC236}">
-                <a16:creationId xmlns="" xmlns:a16="http://schemas.microsoft.com/office/drawing/2014/main" id="{5559B794-6972-4805-A127-62FD2A64144C}"/>
-              </a:ext>
-            </a:extLst>
-          </p:cNvPr>
+          <p:cNvPr id="2" name="Title 1"/>
           <p:cNvSpPr>
             <a:spLocks noGrp="1"/>
           </p:cNvSpPr>
@@ -812,22 +739,16 @@
           <a:lstStyle/>
           <a:p>
             <a:r>
-              <a:rPr lang="en-US"/>
+              <a:rPr kumimoji="0" lang="en-US" smtClean="0"/>
               <a:t>Click to edit Master title style</a:t>
             </a:r>
-            <a:endParaRPr lang="en-GB"/>
-          </a:p>
-        </p:txBody>
-      </p:sp>
-      <p:sp>
-        <p:nvSpPr>
-          <p:cNvPr id="3" name="Content Placeholder 2">
-            <a:extLst>
-              <a:ext uri="{FF2B5EF4-FFF2-40B4-BE49-F238E27FC236}">
-                <a16:creationId xmlns="" xmlns:a16="http://schemas.microsoft.com/office/drawing/2014/main" id="{85A8DFE2-096B-48CD-870F-5858DE613021}"/>
-              </a:ext>
-            </a:extLst>
-          </p:cNvPr>
+            <a:endParaRPr kumimoji="0" lang="en-US"/>
+          </a:p>
+        </p:txBody>
+      </p:sp>
+      <p:sp>
+        <p:nvSpPr>
+          <p:cNvPr id="3" name="Content Placeholder 2"/>
           <p:cNvSpPr>
             <a:spLocks noGrp="1"/>
           </p:cNvSpPr>
@@ -840,52 +761,46 @@
           <a:bodyPr/>
           <a:lstStyle/>
           <a:p>
-            <a:pPr lvl="0"/>
-            <a:r>
-              <a:rPr lang="en-US"/>
-              <a:t>Edit Master text styles</a:t>
-            </a:r>
-          </a:p>
-          <a:p>
-            <a:pPr lvl="1"/>
-            <a:r>
-              <a:rPr lang="en-US"/>
+            <a:pPr lvl="0" eaLnBrk="1" latinLnBrk="0" hangingPunct="1"/>
+            <a:r>
+              <a:rPr lang="en-US" smtClean="0"/>
+              <a:t>Click to edit Master text styles</a:t>
+            </a:r>
+          </a:p>
+          <a:p>
+            <a:pPr lvl="1" eaLnBrk="1" latinLnBrk="0" hangingPunct="1"/>
+            <a:r>
+              <a:rPr lang="en-US" smtClean="0"/>
               <a:t>Second level</a:t>
             </a:r>
           </a:p>
           <a:p>
-            <a:pPr lvl="2"/>
-            <a:r>
-              <a:rPr lang="en-US"/>
+            <a:pPr lvl="2" eaLnBrk="1" latinLnBrk="0" hangingPunct="1"/>
+            <a:r>
+              <a:rPr lang="en-US" smtClean="0"/>
               <a:t>Third level</a:t>
             </a:r>
           </a:p>
           <a:p>
-            <a:pPr lvl="3"/>
-            <a:r>
-              <a:rPr lang="en-US"/>
+            <a:pPr lvl="3" eaLnBrk="1" latinLnBrk="0" hangingPunct="1"/>
+            <a:r>
+              <a:rPr lang="en-US" smtClean="0"/>
               <a:t>Fourth level</a:t>
             </a:r>
           </a:p>
           <a:p>
-            <a:pPr lvl="4"/>
-            <a:r>
-              <a:rPr lang="en-US"/>
+            <a:pPr lvl="4" eaLnBrk="1" latinLnBrk="0" hangingPunct="1"/>
+            <a:r>
+              <a:rPr lang="en-US" smtClean="0"/>
               <a:t>Fifth level</a:t>
             </a:r>
-            <a:endParaRPr lang="en-GB"/>
-          </a:p>
-        </p:txBody>
-      </p:sp>
-      <p:sp>
-        <p:nvSpPr>
-          <p:cNvPr id="4" name="Date Placeholder 3">
-            <a:extLst>
-              <a:ext uri="{FF2B5EF4-FFF2-40B4-BE49-F238E27FC236}">
-                <a16:creationId xmlns="" xmlns:a16="http://schemas.microsoft.com/office/drawing/2014/main" id="{DEFAB27A-EFEC-42ED-B4DA-EE889934A682}"/>
-              </a:ext>
-            </a:extLst>
-          </p:cNvPr>
+            <a:endParaRPr kumimoji="0" lang="en-US"/>
+          </a:p>
+        </p:txBody>
+      </p:sp>
+      <p:sp>
+        <p:nvSpPr>
+          <p:cNvPr id="4" name="Date Placeholder 3"/>
           <p:cNvSpPr>
             <a:spLocks noGrp="1"/>
           </p:cNvSpPr>
@@ -908,13 +823,7 @@
       </p:sp>
       <p:sp>
         <p:nvSpPr>
-          <p:cNvPr id="5" name="Footer Placeholder 4">
-            <a:extLst>
-              <a:ext uri="{FF2B5EF4-FFF2-40B4-BE49-F238E27FC236}">
-                <a16:creationId xmlns="" xmlns:a16="http://schemas.microsoft.com/office/drawing/2014/main" id="{23961565-71C4-4F1B-A232-095A5EC1E28F}"/>
-              </a:ext>
-            </a:extLst>
-          </p:cNvPr>
+          <p:cNvPr id="5" name="Footer Placeholder 4"/>
           <p:cNvSpPr>
             <a:spLocks noGrp="1"/>
           </p:cNvSpPr>
@@ -933,13 +842,7 @@
       </p:sp>
       <p:sp>
         <p:nvSpPr>
-          <p:cNvPr id="6" name="Slide Number Placeholder 5">
-            <a:extLst>
-              <a:ext uri="{FF2B5EF4-FFF2-40B4-BE49-F238E27FC236}">
-                <a16:creationId xmlns="" xmlns:a16="http://schemas.microsoft.com/office/drawing/2014/main" id="{EFEF917E-E673-450E-9C96-4FED72AED499}"/>
-              </a:ext>
-            </a:extLst>
-          </p:cNvPr>
+          <p:cNvPr id="6" name="Slide Number Placeholder 5"/>
           <p:cNvSpPr>
             <a:spLocks noGrp="1"/>
           </p:cNvSpPr>
@@ -961,11 +864,6 @@
         </p:txBody>
       </p:sp>
     </p:spTree>
-    <p:extLst>
-      <p:ext uri="{BB962C8B-B14F-4D97-AF65-F5344CB8AC3E}">
-        <p14:creationId xmlns:p14="http://schemas.microsoft.com/office/powerpoint/2010/main" val="1575956071"/>
-      </p:ext>
-    </p:extLst>
   </p:cSld>
   <p:clrMapOvr>
     <a:masterClrMapping/>
@@ -976,6 +874,11 @@
 <file path=ppt/slideLayouts/slideLayout3.xml><?xml version="1.0" encoding="utf-8"?>
 <p:sldLayout xmlns:a="http://schemas.openxmlformats.org/drawingml/2006/main" xmlns:r="http://schemas.openxmlformats.org/officeDocument/2006/relationships" xmlns:p="http://schemas.openxmlformats.org/presentationml/2006/main" type="secHead" preserve="1">
   <p:cSld name="Section Header">
+    <p:bg>
+      <p:bgRef idx="1002">
+        <a:schemeClr val="bg2"/>
+      </p:bgRef>
+    </p:bg>
     <p:spTree>
       <p:nvGrpSpPr>
         <p:cNvPr id="1" name=""/>
@@ -992,13 +895,7 @@
       </p:grpSpPr>
       <p:sp>
         <p:nvSpPr>
-          <p:cNvPr id="2" name="Title 1">
-            <a:extLst>
-              <a:ext uri="{FF2B5EF4-FFF2-40B4-BE49-F238E27FC236}">
-                <a16:creationId xmlns="" xmlns:a16="http://schemas.microsoft.com/office/drawing/2014/main" id="{8BEE92BC-FE13-4A5E-B3EE-0D93C0C20AD4}"/>
-              </a:ext>
-            </a:extLst>
-          </p:cNvPr>
+          <p:cNvPr id="2" name="Title 1"/>
           <p:cNvSpPr>
             <a:spLocks noGrp="1"/>
           </p:cNvSpPr>
@@ -1008,64 +905,94 @@
         </p:nvSpPr>
         <p:spPr>
           <a:xfrm>
-            <a:off x="831850" y="1709738"/>
-            <a:ext cx="10515600" cy="2852737"/>
+            <a:off x="707136" y="1316736"/>
+            <a:ext cx="10363200" cy="1362456"/>
+          </a:xfrm>
+          <a:ln>
+            <a:noFill/>
+          </a:ln>
+        </p:spPr>
+        <p:txBody>
+          <a:bodyPr vert="horz" tIns="0" bIns="0" anchor="b">
+            <a:noAutofit/>
+            <a:scene3d>
+              <a:camera prst="orthographicFront"/>
+              <a:lightRig rig="freezing" dir="t">
+                <a:rot lat="0" lon="0" rev="5640000"/>
+              </a:lightRig>
+            </a:scene3d>
+            <a:sp3d prstMaterial="flat">
+              <a:bevelT w="38100" h="38100"/>
+            </a:sp3d>
+          </a:bodyPr>
+          <a:lstStyle>
+            <a:lvl1pPr algn="l" rtl="0">
+              <a:spcBef>
+                <a:spcPct val="0"/>
+              </a:spcBef>
+              <a:buNone/>
+              <a:defRPr lang="en-US" sz="5600" b="1" cap="none" baseline="0" dirty="0">
+                <a:ln w="635">
+                  <a:noFill/>
+                </a:ln>
+                <a:solidFill>
+                  <a:schemeClr val="accent4">
+                    <a:tint val="90000"/>
+                    <a:satMod val="125000"/>
+                  </a:schemeClr>
+                </a:solidFill>
+                <a:effectLst>
+                  <a:outerShdw blurRad="38100" dist="25400" dir="5400000" algn="tl" rotWithShape="0">
+                    <a:srgbClr val="000000">
+                      <a:alpha val="43000"/>
+                    </a:srgbClr>
+                  </a:outerShdw>
+                </a:effectLst>
+                <a:latin typeface="+mj-lt"/>
+                <a:ea typeface="+mj-ea"/>
+                <a:cs typeface="+mj-cs"/>
+              </a:defRPr>
+            </a:lvl1pPr>
+          </a:lstStyle>
+          <a:p>
+            <a:r>
+              <a:rPr kumimoji="0" lang="en-US" smtClean="0"/>
+              <a:t>Click to edit Master title style</a:t>
+            </a:r>
+            <a:endParaRPr kumimoji="0" lang="en-US"/>
+          </a:p>
+        </p:txBody>
+      </p:sp>
+      <p:sp>
+        <p:nvSpPr>
+          <p:cNvPr id="3" name="Text Placeholder 2"/>
+          <p:cNvSpPr>
+            <a:spLocks noGrp="1"/>
+          </p:cNvSpPr>
+          <p:nvPr>
+            <p:ph type="body" idx="1"/>
+          </p:nvPr>
+        </p:nvSpPr>
+        <p:spPr>
+          <a:xfrm>
+            <a:off x="707136" y="2704664"/>
+            <a:ext cx="10363200" cy="1509712"/>
           </a:xfrm>
         </p:spPr>
         <p:txBody>
-          <a:bodyPr anchor="b"/>
-          <a:lstStyle>
-            <a:lvl1pPr>
-              <a:defRPr sz="6000"/>
-            </a:lvl1pPr>
-          </a:lstStyle>
-          <a:p>
-            <a:r>
-              <a:rPr lang="en-US"/>
-              <a:t>Click to edit Master title style</a:t>
-            </a:r>
-            <a:endParaRPr lang="en-GB"/>
-          </a:p>
-        </p:txBody>
-      </p:sp>
-      <p:sp>
-        <p:nvSpPr>
-          <p:cNvPr id="3" name="Text Placeholder 2">
-            <a:extLst>
-              <a:ext uri="{FF2B5EF4-FFF2-40B4-BE49-F238E27FC236}">
-                <a16:creationId xmlns="" xmlns:a16="http://schemas.microsoft.com/office/drawing/2014/main" id="{40D45C7C-0743-430C-B4BC-71C3EFC50DB7}"/>
-              </a:ext>
-            </a:extLst>
-          </p:cNvPr>
-          <p:cNvSpPr>
-            <a:spLocks noGrp="1"/>
-          </p:cNvSpPr>
-          <p:nvPr>
-            <p:ph type="body" idx="1"/>
-          </p:nvPr>
-        </p:nvSpPr>
-        <p:spPr>
-          <a:xfrm>
-            <a:off x="831850" y="4589463"/>
-            <a:ext cx="10515600" cy="1500187"/>
-          </a:xfrm>
-        </p:spPr>
-        <p:txBody>
-          <a:bodyPr/>
+          <a:bodyPr lIns="45720" rIns="45720" anchor="t"/>
           <a:lstStyle>
             <a:lvl1pPr marL="0" indent="0">
               <a:buNone/>
-              <a:defRPr sz="2400">
+              <a:defRPr sz="2200">
                 <a:solidFill>
-                  <a:schemeClr val="tx1">
-                    <a:tint val="75000"/>
-                  </a:schemeClr>
+                  <a:schemeClr val="tx1"/>
                 </a:solidFill>
               </a:defRPr>
             </a:lvl1pPr>
-            <a:lvl2pPr marL="457200" indent="0">
-              <a:buNone/>
-              <a:defRPr sz="2000">
+            <a:lvl2pPr>
+              <a:buNone/>
+              <a:defRPr sz="1800">
                 <a:solidFill>
                   <a:schemeClr val="tx1">
                     <a:tint val="75000"/>
@@ -1073,9 +1000,9 @@
                 </a:solidFill>
               </a:defRPr>
             </a:lvl2pPr>
-            <a:lvl3pPr marL="914400" indent="0">
-              <a:buNone/>
-              <a:defRPr sz="1800">
+            <a:lvl3pPr>
+              <a:buNone/>
+              <a:defRPr sz="1600">
                 <a:solidFill>
                   <a:schemeClr val="tx1">
                     <a:tint val="75000"/>
@@ -1083,9 +1010,9 @@
                 </a:solidFill>
               </a:defRPr>
             </a:lvl3pPr>
-            <a:lvl4pPr marL="1371600" indent="0">
-              <a:buNone/>
-              <a:defRPr sz="1600">
+            <a:lvl4pPr>
+              <a:buNone/>
+              <a:defRPr sz="1400">
                 <a:solidFill>
                   <a:schemeClr val="tx1">
                     <a:tint val="75000"/>
@@ -1093,9 +1020,9 @@
                 </a:solidFill>
               </a:defRPr>
             </a:lvl4pPr>
-            <a:lvl5pPr marL="1828800" indent="0">
-              <a:buNone/>
-              <a:defRPr sz="1600">
+            <a:lvl5pPr>
+              <a:buNone/>
+              <a:defRPr sz="1400">
                 <a:solidFill>
                   <a:schemeClr val="tx1">
                     <a:tint val="75000"/>
@@ -1103,65 +1030,19 @@
                 </a:solidFill>
               </a:defRPr>
             </a:lvl5pPr>
-            <a:lvl6pPr marL="2286000" indent="0">
-              <a:buNone/>
-              <a:defRPr sz="1600">
-                <a:solidFill>
-                  <a:schemeClr val="tx1">
-                    <a:tint val="75000"/>
-                  </a:schemeClr>
-                </a:solidFill>
-              </a:defRPr>
-            </a:lvl6pPr>
-            <a:lvl7pPr marL="2743200" indent="0">
-              <a:buNone/>
-              <a:defRPr sz="1600">
-                <a:solidFill>
-                  <a:schemeClr val="tx1">
-                    <a:tint val="75000"/>
-                  </a:schemeClr>
-                </a:solidFill>
-              </a:defRPr>
-            </a:lvl7pPr>
-            <a:lvl8pPr marL="3200400" indent="0">
-              <a:buNone/>
-              <a:defRPr sz="1600">
-                <a:solidFill>
-                  <a:schemeClr val="tx1">
-                    <a:tint val="75000"/>
-                  </a:schemeClr>
-                </a:solidFill>
-              </a:defRPr>
-            </a:lvl8pPr>
-            <a:lvl9pPr marL="3657600" indent="0">
-              <a:buNone/>
-              <a:defRPr sz="1600">
-                <a:solidFill>
-                  <a:schemeClr val="tx1">
-                    <a:tint val="75000"/>
-                  </a:schemeClr>
-                </a:solidFill>
-              </a:defRPr>
-            </a:lvl9pPr>
           </a:lstStyle>
           <a:p>
-            <a:pPr lvl="0"/>
-            <a:r>
-              <a:rPr lang="en-US"/>
-              <a:t>Edit Master text styles</a:t>
-            </a:r>
-          </a:p>
-        </p:txBody>
-      </p:sp>
-      <p:sp>
-        <p:nvSpPr>
-          <p:cNvPr id="4" name="Date Placeholder 3">
-            <a:extLst>
-              <a:ext uri="{FF2B5EF4-FFF2-40B4-BE49-F238E27FC236}">
-                <a16:creationId xmlns="" xmlns:a16="http://schemas.microsoft.com/office/drawing/2014/main" id="{232C021F-54F6-4E1B-BF3D-B355B60793FD}"/>
-              </a:ext>
-            </a:extLst>
-          </p:cNvPr>
+            <a:pPr lvl="0" eaLnBrk="1" latinLnBrk="0" hangingPunct="1"/>
+            <a:r>
+              <a:rPr kumimoji="0" lang="en-US" smtClean="0"/>
+              <a:t>Click to edit Master text styles</a:t>
+            </a:r>
+          </a:p>
+        </p:txBody>
+      </p:sp>
+      <p:sp>
+        <p:nvSpPr>
+          <p:cNvPr id="4" name="Date Placeholder 3"/>
           <p:cNvSpPr>
             <a:spLocks noGrp="1"/>
           </p:cNvSpPr>
@@ -1184,13 +1065,7 @@
       </p:sp>
       <p:sp>
         <p:nvSpPr>
-          <p:cNvPr id="5" name="Footer Placeholder 4">
-            <a:extLst>
-              <a:ext uri="{FF2B5EF4-FFF2-40B4-BE49-F238E27FC236}">
-                <a16:creationId xmlns="" xmlns:a16="http://schemas.microsoft.com/office/drawing/2014/main" id="{0727C6C7-1E2A-44C5-990A-662712E3E117}"/>
-              </a:ext>
-            </a:extLst>
-          </p:cNvPr>
+          <p:cNvPr id="5" name="Footer Placeholder 4"/>
           <p:cNvSpPr>
             <a:spLocks noGrp="1"/>
           </p:cNvSpPr>
@@ -1209,13 +1084,7 @@
       </p:sp>
       <p:sp>
         <p:nvSpPr>
-          <p:cNvPr id="6" name="Slide Number Placeholder 5">
-            <a:extLst>
-              <a:ext uri="{FF2B5EF4-FFF2-40B4-BE49-F238E27FC236}">
-                <a16:creationId xmlns="" xmlns:a16="http://schemas.microsoft.com/office/drawing/2014/main" id="{F5F80590-B6E4-4685-AC30-E4E0312FF743}"/>
-              </a:ext>
-            </a:extLst>
-          </p:cNvPr>
+          <p:cNvPr id="6" name="Slide Number Placeholder 5"/>
           <p:cNvSpPr>
             <a:spLocks noGrp="1"/>
           </p:cNvSpPr>
@@ -1237,14 +1106,9 @@
         </p:txBody>
       </p:sp>
     </p:spTree>
-    <p:extLst>
-      <p:ext uri="{BB962C8B-B14F-4D97-AF65-F5344CB8AC3E}">
-        <p14:creationId xmlns:p14="http://schemas.microsoft.com/office/powerpoint/2010/main" val="2947299142"/>
-      </p:ext>
-    </p:extLst>
   </p:cSld>
   <p:clrMapOvr>
-    <a:masterClrMapping/>
+    <a:overrideClrMapping bg1="dk1" tx1="lt1" bg2="dk2" tx2="lt2" accent1="accent1" accent2="accent2" accent3="accent3" accent4="accent4" accent5="accent5" accent6="accent6" hlink="hlink" folHlink="folHlink"/>
   </p:clrMapOvr>
 </p:sldLayout>
 </file>
@@ -1268,168 +1132,181 @@
       </p:grpSpPr>
       <p:sp>
         <p:nvSpPr>
-          <p:cNvPr id="2" name="Title 1">
-            <a:extLst>
-              <a:ext uri="{FF2B5EF4-FFF2-40B4-BE49-F238E27FC236}">
-                <a16:creationId xmlns="" xmlns:a16="http://schemas.microsoft.com/office/drawing/2014/main" id="{F42A9FB5-C541-4137-B444-4D1F3C8CFB9F}"/>
-              </a:ext>
-            </a:extLst>
-          </p:cNvPr>
+          <p:cNvPr id="2" name="Title 1"/>
           <p:cNvSpPr>
             <a:spLocks noGrp="1"/>
           </p:cNvSpPr>
           <p:nvPr>
             <p:ph type="title"/>
-          </p:nvPr>
-        </p:nvSpPr>
-        <p:spPr/>
-        <p:txBody>
-          <a:bodyPr/>
-          <a:lstStyle/>
-          <a:p>
-            <a:r>
-              <a:rPr lang="en-US"/>
-              <a:t>Click to edit Master title style</a:t>
-            </a:r>
-            <a:endParaRPr lang="en-GB"/>
-          </a:p>
-        </p:txBody>
-      </p:sp>
-      <p:sp>
-        <p:nvSpPr>
-          <p:cNvPr id="3" name="Content Placeholder 2">
-            <a:extLst>
-              <a:ext uri="{FF2B5EF4-FFF2-40B4-BE49-F238E27FC236}">
-                <a16:creationId xmlns="" xmlns:a16="http://schemas.microsoft.com/office/drawing/2014/main" id="{5E7EE509-482A-44FD-9050-BD2449A4FAF7}"/>
-              </a:ext>
-            </a:extLst>
-          </p:cNvPr>
-          <p:cNvSpPr>
-            <a:spLocks noGrp="1"/>
-          </p:cNvSpPr>
-          <p:nvPr>
-            <p:ph sz="half" idx="1"/>
           </p:nvPr>
         </p:nvSpPr>
         <p:spPr>
           <a:xfrm>
-            <a:off x="838200" y="1825625"/>
-            <a:ext cx="5181600" cy="4351338"/>
+            <a:off x="609600" y="704088"/>
+            <a:ext cx="10972800" cy="1143000"/>
           </a:xfrm>
         </p:spPr>
         <p:txBody>
           <a:bodyPr/>
           <a:lstStyle/>
           <a:p>
-            <a:pPr lvl="0"/>
-            <a:r>
-              <a:rPr lang="en-US"/>
-              <a:t>Edit Master text styles</a:t>
-            </a:r>
-          </a:p>
-          <a:p>
-            <a:pPr lvl="1"/>
-            <a:r>
-              <a:rPr lang="en-US"/>
-              <a:t>Second level</a:t>
-            </a:r>
-          </a:p>
-          <a:p>
-            <a:pPr lvl="2"/>
-            <a:r>
-              <a:rPr lang="en-US"/>
-              <a:t>Third level</a:t>
-            </a:r>
-          </a:p>
-          <a:p>
-            <a:pPr lvl="3"/>
-            <a:r>
-              <a:rPr lang="en-US"/>
-              <a:t>Fourth level</a:t>
-            </a:r>
-          </a:p>
-          <a:p>
-            <a:pPr lvl="4"/>
-            <a:r>
-              <a:rPr lang="en-US"/>
-              <a:t>Fifth level</a:t>
-            </a:r>
-            <a:endParaRPr lang="en-GB"/>
-          </a:p>
-        </p:txBody>
-      </p:sp>
-      <p:sp>
-        <p:nvSpPr>
-          <p:cNvPr id="4" name="Content Placeholder 3">
-            <a:extLst>
-              <a:ext uri="{FF2B5EF4-FFF2-40B4-BE49-F238E27FC236}">
-                <a16:creationId xmlns="" xmlns:a16="http://schemas.microsoft.com/office/drawing/2014/main" id="{7B745421-D982-417D-8C98-B5244773578A}"/>
-              </a:ext>
-            </a:extLst>
-          </p:cNvPr>
-          <p:cNvSpPr>
-            <a:spLocks noGrp="1"/>
-          </p:cNvSpPr>
-          <p:nvPr>
-            <p:ph sz="half" idx="2"/>
+            <a:r>
+              <a:rPr kumimoji="0" lang="en-US" smtClean="0"/>
+              <a:t>Click to edit Master title style</a:t>
+            </a:r>
+            <a:endParaRPr kumimoji="0" lang="en-US"/>
+          </a:p>
+        </p:txBody>
+      </p:sp>
+      <p:sp>
+        <p:nvSpPr>
+          <p:cNvPr id="3" name="Content Placeholder 2"/>
+          <p:cNvSpPr>
+            <a:spLocks noGrp="1"/>
+          </p:cNvSpPr>
+          <p:nvPr>
+            <p:ph sz="half" idx="1"/>
           </p:nvPr>
         </p:nvSpPr>
         <p:spPr>
           <a:xfrm>
-            <a:off x="6172200" y="1825625"/>
-            <a:ext cx="5181600" cy="4351338"/>
+            <a:off x="609600" y="1920085"/>
+            <a:ext cx="5384800" cy="4434840"/>
           </a:xfrm>
         </p:spPr>
         <p:txBody>
           <a:bodyPr/>
-          <a:lstStyle/>
-          <a:p>
-            <a:pPr lvl="0"/>
-            <a:r>
-              <a:rPr lang="en-US"/>
-              <a:t>Edit Master text styles</a:t>
-            </a:r>
-          </a:p>
-          <a:p>
-            <a:pPr lvl="1"/>
-            <a:r>
-              <a:rPr lang="en-US"/>
+          <a:lstStyle>
+            <a:lvl1pPr>
+              <a:defRPr sz="2600"/>
+            </a:lvl1pPr>
+            <a:lvl2pPr>
+              <a:defRPr sz="2400"/>
+            </a:lvl2pPr>
+            <a:lvl3pPr>
+              <a:defRPr sz="2000"/>
+            </a:lvl3pPr>
+            <a:lvl4pPr>
+              <a:defRPr sz="1800"/>
+            </a:lvl4pPr>
+            <a:lvl5pPr>
+              <a:defRPr sz="1800"/>
+            </a:lvl5pPr>
+          </a:lstStyle>
+          <a:p>
+            <a:pPr lvl="0" eaLnBrk="1" latinLnBrk="0" hangingPunct="1"/>
+            <a:r>
+              <a:rPr lang="en-US" smtClean="0"/>
+              <a:t>Click to edit Master text styles</a:t>
+            </a:r>
+          </a:p>
+          <a:p>
+            <a:pPr lvl="1" eaLnBrk="1" latinLnBrk="0" hangingPunct="1"/>
+            <a:r>
+              <a:rPr lang="en-US" smtClean="0"/>
               <a:t>Second level</a:t>
             </a:r>
           </a:p>
           <a:p>
-            <a:pPr lvl="2"/>
-            <a:r>
-              <a:rPr lang="en-US"/>
+            <a:pPr lvl="2" eaLnBrk="1" latinLnBrk="0" hangingPunct="1"/>
+            <a:r>
+              <a:rPr lang="en-US" smtClean="0"/>
               <a:t>Third level</a:t>
             </a:r>
           </a:p>
           <a:p>
-            <a:pPr lvl="3"/>
-            <a:r>
-              <a:rPr lang="en-US"/>
+            <a:pPr lvl="3" eaLnBrk="1" latinLnBrk="0" hangingPunct="1"/>
+            <a:r>
+              <a:rPr lang="en-US" smtClean="0"/>
               <a:t>Fourth level</a:t>
             </a:r>
           </a:p>
           <a:p>
-            <a:pPr lvl="4"/>
-            <a:r>
-              <a:rPr lang="en-US"/>
+            <a:pPr lvl="4" eaLnBrk="1" latinLnBrk="0" hangingPunct="1"/>
+            <a:r>
+              <a:rPr lang="en-US" smtClean="0"/>
               <a:t>Fifth level</a:t>
             </a:r>
-            <a:endParaRPr lang="en-GB"/>
-          </a:p>
-        </p:txBody>
-      </p:sp>
-      <p:sp>
-        <p:nvSpPr>
-          <p:cNvPr id="5" name="Date Placeholder 4">
-            <a:extLst>
-              <a:ext uri="{FF2B5EF4-FFF2-40B4-BE49-F238E27FC236}">
-                <a16:creationId xmlns="" xmlns:a16="http://schemas.microsoft.com/office/drawing/2014/main" id="{163C5B35-6B16-4FA9-9ADA-1A58AE698F27}"/>
-              </a:ext>
-            </a:extLst>
-          </p:cNvPr>
+            <a:endParaRPr kumimoji="0" lang="en-US"/>
+          </a:p>
+        </p:txBody>
+      </p:sp>
+      <p:sp>
+        <p:nvSpPr>
+          <p:cNvPr id="4" name="Content Placeholder 3"/>
+          <p:cNvSpPr>
+            <a:spLocks noGrp="1"/>
+          </p:cNvSpPr>
+          <p:nvPr>
+            <p:ph sz="half" idx="2"/>
+          </p:nvPr>
+        </p:nvSpPr>
+        <p:spPr>
+          <a:xfrm>
+            <a:off x="6197600" y="1920085"/>
+            <a:ext cx="5384800" cy="4434840"/>
+          </a:xfrm>
+        </p:spPr>
+        <p:txBody>
+          <a:bodyPr/>
+          <a:lstStyle>
+            <a:lvl1pPr>
+              <a:defRPr sz="2600"/>
+            </a:lvl1pPr>
+            <a:lvl2pPr>
+              <a:defRPr sz="2400"/>
+            </a:lvl2pPr>
+            <a:lvl3pPr>
+              <a:defRPr sz="2000"/>
+            </a:lvl3pPr>
+            <a:lvl4pPr>
+              <a:defRPr sz="1800"/>
+            </a:lvl4pPr>
+            <a:lvl5pPr>
+              <a:defRPr sz="1800"/>
+            </a:lvl5pPr>
+          </a:lstStyle>
+          <a:p>
+            <a:pPr lvl="0" eaLnBrk="1" latinLnBrk="0" hangingPunct="1"/>
+            <a:r>
+              <a:rPr lang="en-US" smtClean="0"/>
+              <a:t>Click to edit Master text styles</a:t>
+            </a:r>
+          </a:p>
+          <a:p>
+            <a:pPr lvl="1" eaLnBrk="1" latinLnBrk="0" hangingPunct="1"/>
+            <a:r>
+              <a:rPr lang="en-US" smtClean="0"/>
+              <a:t>Second level</a:t>
+            </a:r>
+          </a:p>
+          <a:p>
+            <a:pPr lvl="2" eaLnBrk="1" latinLnBrk="0" hangingPunct="1"/>
+            <a:r>
+              <a:rPr lang="en-US" smtClean="0"/>
+              <a:t>Third level</a:t>
+            </a:r>
+          </a:p>
+          <a:p>
+            <a:pPr lvl="3" eaLnBrk="1" latinLnBrk="0" hangingPunct="1"/>
+            <a:r>
+              <a:rPr lang="en-US" smtClean="0"/>
+              <a:t>Fourth level</a:t>
+            </a:r>
+          </a:p>
+          <a:p>
+            <a:pPr lvl="4" eaLnBrk="1" latinLnBrk="0" hangingPunct="1"/>
+            <a:r>
+              <a:rPr lang="en-US" smtClean="0"/>
+              <a:t>Fifth level</a:t>
+            </a:r>
+            <a:endParaRPr kumimoji="0" lang="en-US"/>
+          </a:p>
+        </p:txBody>
+      </p:sp>
+      <p:sp>
+        <p:nvSpPr>
+          <p:cNvPr id="5" name="Date Placeholder 4"/>
           <p:cNvSpPr>
             <a:spLocks noGrp="1"/>
           </p:cNvSpPr>
@@ -1452,13 +1329,7 @@
       </p:sp>
       <p:sp>
         <p:nvSpPr>
-          <p:cNvPr id="6" name="Footer Placeholder 5">
-            <a:extLst>
-              <a:ext uri="{FF2B5EF4-FFF2-40B4-BE49-F238E27FC236}">
-                <a16:creationId xmlns="" xmlns:a16="http://schemas.microsoft.com/office/drawing/2014/main" id="{B9860CB2-5E9D-4D95-8099-D5CDBC8FA80A}"/>
-              </a:ext>
-            </a:extLst>
-          </p:cNvPr>
+          <p:cNvPr id="6" name="Footer Placeholder 5"/>
           <p:cNvSpPr>
             <a:spLocks noGrp="1"/>
           </p:cNvSpPr>
@@ -1477,13 +1348,7 @@
       </p:sp>
       <p:sp>
         <p:nvSpPr>
-          <p:cNvPr id="7" name="Slide Number Placeholder 6">
-            <a:extLst>
-              <a:ext uri="{FF2B5EF4-FFF2-40B4-BE49-F238E27FC236}">
-                <a16:creationId xmlns="" xmlns:a16="http://schemas.microsoft.com/office/drawing/2014/main" id="{22AEA4DD-EE16-4616-B33C-086399E30FCE}"/>
-              </a:ext>
-            </a:extLst>
-          </p:cNvPr>
+          <p:cNvPr id="7" name="Slide Number Placeholder 6"/>
           <p:cNvSpPr>
             <a:spLocks noGrp="1"/>
           </p:cNvSpPr>
@@ -1505,11 +1370,6 @@
         </p:txBody>
       </p:sp>
     </p:spTree>
-    <p:extLst>
-      <p:ext uri="{BB962C8B-B14F-4D97-AF65-F5344CB8AC3E}">
-        <p14:creationId xmlns:p14="http://schemas.microsoft.com/office/powerpoint/2010/main" val="1342775369"/>
-      </p:ext>
-    </p:extLst>
   </p:cSld>
   <p:clrMapOvr>
     <a:masterClrMapping/>
@@ -1536,13 +1396,7 @@
       </p:grpSpPr>
       <p:sp>
         <p:nvSpPr>
-          <p:cNvPr id="2" name="Title 1">
-            <a:extLst>
-              <a:ext uri="{FF2B5EF4-FFF2-40B4-BE49-F238E27FC236}">
-                <a16:creationId xmlns="" xmlns:a16="http://schemas.microsoft.com/office/drawing/2014/main" id="{AD88F16F-4EDF-4B5D-8D79-4A249C651A01}"/>
-              </a:ext>
-            </a:extLst>
-          </p:cNvPr>
+          <p:cNvPr id="2" name="Title 1"/>
           <p:cNvSpPr>
             <a:spLocks noGrp="1"/>
           </p:cNvSpPr>
@@ -1552,31 +1406,29 @@
         </p:nvSpPr>
         <p:spPr>
           <a:xfrm>
-            <a:off x="839788" y="365125"/>
-            <a:ext cx="10515600" cy="1325563"/>
+            <a:off x="609600" y="704088"/>
+            <a:ext cx="10972800" cy="1143000"/>
           </a:xfrm>
         </p:spPr>
         <p:txBody>
-          <a:bodyPr/>
-          <a:lstStyle/>
-          <a:p>
-            <a:r>
-              <a:rPr lang="en-US"/>
+          <a:bodyPr tIns="45720" anchor="b"/>
+          <a:lstStyle>
+            <a:lvl1pPr>
+              <a:defRPr/>
+            </a:lvl1pPr>
+          </a:lstStyle>
+          <a:p>
+            <a:r>
+              <a:rPr kumimoji="0" lang="en-US" smtClean="0"/>
               <a:t>Click to edit Master title style</a:t>
             </a:r>
-            <a:endParaRPr lang="en-GB"/>
-          </a:p>
-        </p:txBody>
-      </p:sp>
-      <p:sp>
-        <p:nvSpPr>
-          <p:cNvPr id="3" name="Text Placeholder 2">
-            <a:extLst>
-              <a:ext uri="{FF2B5EF4-FFF2-40B4-BE49-F238E27FC236}">
-                <a16:creationId xmlns="" xmlns:a16="http://schemas.microsoft.com/office/drawing/2014/main" id="{16FA4282-1F01-484B-AE8F-68A4C6FEE235}"/>
-              </a:ext>
-            </a:extLst>
-          </p:cNvPr>
+            <a:endParaRPr kumimoji="0" lang="en-US"/>
+          </a:p>
+        </p:txBody>
+      </p:sp>
+      <p:sp>
+        <p:nvSpPr>
+          <p:cNvPr id="3" name="Text Placeholder 2"/>
           <p:cNvSpPr>
             <a:spLocks noGrp="1"/>
           </p:cNvSpPr>
@@ -1586,202 +1438,180 @@
         </p:nvSpPr>
         <p:spPr>
           <a:xfrm>
-            <a:off x="839788" y="1681163"/>
-            <a:ext cx="5157787" cy="823912"/>
+            <a:off x="609600" y="1855248"/>
+            <a:ext cx="5386917" cy="659352"/>
           </a:xfrm>
         </p:spPr>
         <p:txBody>
-          <a:bodyPr anchor="b"/>
+          <a:bodyPr lIns="45720" tIns="0" rIns="45720" bIns="0" anchor="ctr">
+            <a:noAutofit/>
+          </a:bodyPr>
           <a:lstStyle>
             <a:lvl1pPr marL="0" indent="0">
               <a:buNone/>
-              <a:defRPr sz="2400" b="1"/>
+              <a:defRPr sz="2400" b="1" cap="none" baseline="0">
+                <a:solidFill>
+                  <a:schemeClr val="tx2"/>
+                </a:solidFill>
+                <a:effectLst/>
+              </a:defRPr>
             </a:lvl1pPr>
-            <a:lvl2pPr marL="457200" indent="0">
+            <a:lvl2pPr>
               <a:buNone/>
               <a:defRPr sz="2000" b="1"/>
             </a:lvl2pPr>
-            <a:lvl3pPr marL="914400" indent="0">
+            <a:lvl3pPr>
               <a:buNone/>
               <a:defRPr sz="1800" b="1"/>
             </a:lvl3pPr>
-            <a:lvl4pPr marL="1371600" indent="0">
+            <a:lvl4pPr>
               <a:buNone/>
               <a:defRPr sz="1600" b="1"/>
             </a:lvl4pPr>
-            <a:lvl5pPr marL="1828800" indent="0">
+            <a:lvl5pPr>
               <a:buNone/>
               <a:defRPr sz="1600" b="1"/>
             </a:lvl5pPr>
-            <a:lvl6pPr marL="2286000" indent="0">
-              <a:buNone/>
-              <a:defRPr sz="1600" b="1"/>
-            </a:lvl6pPr>
-            <a:lvl7pPr marL="2743200" indent="0">
-              <a:buNone/>
-              <a:defRPr sz="1600" b="1"/>
-            </a:lvl7pPr>
-            <a:lvl8pPr marL="3200400" indent="0">
-              <a:buNone/>
-              <a:defRPr sz="1600" b="1"/>
-            </a:lvl8pPr>
-            <a:lvl9pPr marL="3657600" indent="0">
-              <a:buNone/>
-              <a:defRPr sz="1600" b="1"/>
-            </a:lvl9pPr>
           </a:lstStyle>
           <a:p>
-            <a:pPr lvl="0"/>
-            <a:r>
-              <a:rPr lang="en-US"/>
-              <a:t>Edit Master text styles</a:t>
-            </a:r>
-          </a:p>
-        </p:txBody>
-      </p:sp>
-      <p:sp>
-        <p:nvSpPr>
-          <p:cNvPr id="4" name="Content Placeholder 3">
-            <a:extLst>
-              <a:ext uri="{FF2B5EF4-FFF2-40B4-BE49-F238E27FC236}">
-                <a16:creationId xmlns="" xmlns:a16="http://schemas.microsoft.com/office/drawing/2014/main" id="{5E3D8DF1-9BE9-4E3A-A0A5-DDD70CD7BAB0}"/>
-              </a:ext>
-            </a:extLst>
-          </p:cNvPr>
-          <p:cNvSpPr>
-            <a:spLocks noGrp="1"/>
-          </p:cNvSpPr>
-          <p:nvPr>
-            <p:ph sz="half" idx="2"/>
+            <a:pPr lvl="0" eaLnBrk="1" latinLnBrk="0" hangingPunct="1"/>
+            <a:r>
+              <a:rPr kumimoji="0" lang="en-US" smtClean="0"/>
+              <a:t>Click to edit Master text styles</a:t>
+            </a:r>
+          </a:p>
+        </p:txBody>
+      </p:sp>
+      <p:sp>
+        <p:nvSpPr>
+          <p:cNvPr id="4" name="Text Placeholder 3"/>
+          <p:cNvSpPr>
+            <a:spLocks noGrp="1"/>
+          </p:cNvSpPr>
+          <p:nvPr>
+            <p:ph type="body" sz="half" idx="3"/>
           </p:nvPr>
         </p:nvSpPr>
         <p:spPr>
           <a:xfrm>
-            <a:off x="839788" y="2505075"/>
-            <a:ext cx="5157787" cy="3684588"/>
+            <a:off x="6193368" y="1859758"/>
+            <a:ext cx="5389033" cy="654843"/>
           </a:xfrm>
         </p:spPr>
         <p:txBody>
-          <a:bodyPr/>
-          <a:lstStyle/>
-          <a:p>
-            <a:pPr lvl="0"/>
-            <a:r>
-              <a:rPr lang="en-US"/>
-              <a:t>Edit Master text styles</a:t>
-            </a:r>
-          </a:p>
-          <a:p>
-            <a:pPr lvl="1"/>
-            <a:r>
-              <a:rPr lang="en-US"/>
-              <a:t>Second level</a:t>
-            </a:r>
-          </a:p>
-          <a:p>
-            <a:pPr lvl="2"/>
-            <a:r>
-              <a:rPr lang="en-US"/>
-              <a:t>Third level</a:t>
-            </a:r>
-          </a:p>
-          <a:p>
-            <a:pPr lvl="3"/>
-            <a:r>
-              <a:rPr lang="en-US"/>
-              <a:t>Fourth level</a:t>
-            </a:r>
-          </a:p>
-          <a:p>
-            <a:pPr lvl="4"/>
-            <a:r>
-              <a:rPr lang="en-US"/>
-              <a:t>Fifth level</a:t>
-            </a:r>
-            <a:endParaRPr lang="en-GB"/>
-          </a:p>
-        </p:txBody>
-      </p:sp>
-      <p:sp>
-        <p:nvSpPr>
-          <p:cNvPr id="5" name="Text Placeholder 4">
-            <a:extLst>
-              <a:ext uri="{FF2B5EF4-FFF2-40B4-BE49-F238E27FC236}">
-                <a16:creationId xmlns="" xmlns:a16="http://schemas.microsoft.com/office/drawing/2014/main" id="{C1941768-2F8F-4F21-8DE2-053DA3EFF73E}"/>
-              </a:ext>
-            </a:extLst>
-          </p:cNvPr>
-          <p:cNvSpPr>
-            <a:spLocks noGrp="1"/>
-          </p:cNvSpPr>
-          <p:nvPr>
-            <p:ph type="body" sz="quarter" idx="3"/>
+          <a:bodyPr lIns="45720" tIns="0" rIns="45720" bIns="0" anchor="ctr"/>
+          <a:lstStyle>
+            <a:lvl1pPr marL="0" indent="0">
+              <a:buNone/>
+              <a:defRPr sz="2400" b="1" cap="none" baseline="0">
+                <a:solidFill>
+                  <a:schemeClr val="tx2"/>
+                </a:solidFill>
+                <a:effectLst/>
+              </a:defRPr>
+            </a:lvl1pPr>
+            <a:lvl2pPr>
+              <a:buNone/>
+              <a:defRPr sz="2000" b="1"/>
+            </a:lvl2pPr>
+            <a:lvl3pPr>
+              <a:buNone/>
+              <a:defRPr sz="1800" b="1"/>
+            </a:lvl3pPr>
+            <a:lvl4pPr>
+              <a:buNone/>
+              <a:defRPr sz="1600" b="1"/>
+            </a:lvl4pPr>
+            <a:lvl5pPr>
+              <a:buNone/>
+              <a:defRPr sz="1600" b="1"/>
+            </a:lvl5pPr>
+          </a:lstStyle>
+          <a:p>
+            <a:pPr lvl="0" eaLnBrk="1" latinLnBrk="0" hangingPunct="1"/>
+            <a:r>
+              <a:rPr kumimoji="0" lang="en-US" smtClean="0"/>
+              <a:t>Click to edit Master text styles</a:t>
+            </a:r>
+          </a:p>
+        </p:txBody>
+      </p:sp>
+      <p:sp>
+        <p:nvSpPr>
+          <p:cNvPr id="5" name="Content Placeholder 4"/>
+          <p:cNvSpPr>
+            <a:spLocks noGrp="1"/>
+          </p:cNvSpPr>
+          <p:nvPr>
+            <p:ph sz="quarter" idx="2"/>
           </p:nvPr>
         </p:nvSpPr>
         <p:spPr>
           <a:xfrm>
-            <a:off x="6172200" y="1681163"/>
-            <a:ext cx="5183188" cy="823912"/>
+            <a:off x="609600" y="2514600"/>
+            <a:ext cx="5386917" cy="3845720"/>
           </a:xfrm>
         </p:spPr>
         <p:txBody>
-          <a:bodyPr anchor="b"/>
+          <a:bodyPr tIns="0"/>
           <a:lstStyle>
-            <a:lvl1pPr marL="0" indent="0">
-              <a:buNone/>
-              <a:defRPr sz="2400" b="1"/>
+            <a:lvl1pPr>
+              <a:defRPr sz="2200"/>
             </a:lvl1pPr>
-            <a:lvl2pPr marL="457200" indent="0">
-              <a:buNone/>
-              <a:defRPr sz="2000" b="1"/>
+            <a:lvl2pPr>
+              <a:defRPr sz="2000"/>
             </a:lvl2pPr>
-            <a:lvl3pPr marL="914400" indent="0">
-              <a:buNone/>
-              <a:defRPr sz="1800" b="1"/>
+            <a:lvl3pPr>
+              <a:defRPr sz="1800"/>
             </a:lvl3pPr>
-            <a:lvl4pPr marL="1371600" indent="0">
-              <a:buNone/>
-              <a:defRPr sz="1600" b="1"/>
+            <a:lvl4pPr>
+              <a:defRPr sz="1600"/>
             </a:lvl4pPr>
-            <a:lvl5pPr marL="1828800" indent="0">
-              <a:buNone/>
-              <a:defRPr sz="1600" b="1"/>
+            <a:lvl5pPr>
+              <a:defRPr sz="1600"/>
             </a:lvl5pPr>
-            <a:lvl6pPr marL="2286000" indent="0">
-              <a:buNone/>
-              <a:defRPr sz="1600" b="1"/>
-            </a:lvl6pPr>
-            <a:lvl7pPr marL="2743200" indent="0">
-              <a:buNone/>
-              <a:defRPr sz="1600" b="1"/>
-            </a:lvl7pPr>
-            <a:lvl8pPr marL="3200400" indent="0">
-              <a:buNone/>
-              <a:defRPr sz="1600" b="1"/>
-            </a:lvl8pPr>
-            <a:lvl9pPr marL="3657600" indent="0">
-              <a:buNone/>
-              <a:defRPr sz="1600" b="1"/>
-            </a:lvl9pPr>
           </a:lstStyle>
           <a:p>
-            <a:pPr lvl="0"/>
-            <a:r>
-              <a:rPr lang="en-US"/>
-              <a:t>Edit Master text styles</a:t>
-            </a:r>
-          </a:p>
-        </p:txBody>
-      </p:sp>
-      <p:sp>
-        <p:nvSpPr>
-          <p:cNvPr id="6" name="Content Placeholder 5">
-            <a:extLst>
-              <a:ext uri="{FF2B5EF4-FFF2-40B4-BE49-F238E27FC236}">
-                <a16:creationId xmlns="" xmlns:a16="http://schemas.microsoft.com/office/drawing/2014/main" id="{DC01EAB6-498A-4335-B2C8-29428C5B429E}"/>
-              </a:ext>
-            </a:extLst>
-          </p:cNvPr>
+            <a:pPr lvl="0" eaLnBrk="1" latinLnBrk="0" hangingPunct="1"/>
+            <a:r>
+              <a:rPr lang="en-US" smtClean="0"/>
+              <a:t>Click to edit Master text styles</a:t>
+            </a:r>
+          </a:p>
+          <a:p>
+            <a:pPr lvl="1" eaLnBrk="1" latinLnBrk="0" hangingPunct="1"/>
+            <a:r>
+              <a:rPr lang="en-US" smtClean="0"/>
+              <a:t>Second level</a:t>
+            </a:r>
+          </a:p>
+          <a:p>
+            <a:pPr lvl="2" eaLnBrk="1" latinLnBrk="0" hangingPunct="1"/>
+            <a:r>
+              <a:rPr lang="en-US" smtClean="0"/>
+              <a:t>Third level</a:t>
+            </a:r>
+          </a:p>
+          <a:p>
+            <a:pPr lvl="3" eaLnBrk="1" latinLnBrk="0" hangingPunct="1"/>
+            <a:r>
+              <a:rPr lang="en-US" smtClean="0"/>
+              <a:t>Fourth level</a:t>
+            </a:r>
+          </a:p>
+          <a:p>
+            <a:pPr lvl="4" eaLnBrk="1" latinLnBrk="0" hangingPunct="1"/>
+            <a:r>
+              <a:rPr lang="en-US" smtClean="0"/>
+              <a:t>Fifth level</a:t>
+            </a:r>
+            <a:endParaRPr kumimoji="0" lang="en-US"/>
+          </a:p>
+        </p:txBody>
+      </p:sp>
+      <p:sp>
+        <p:nvSpPr>
+          <p:cNvPr id="6" name="Content Placeholder 5"/>
           <p:cNvSpPr>
             <a:spLocks noGrp="1"/>
           </p:cNvSpPr>
@@ -1791,60 +1621,70 @@
         </p:nvSpPr>
         <p:spPr>
           <a:xfrm>
-            <a:off x="6172200" y="2505075"/>
-            <a:ext cx="5183188" cy="3684588"/>
+            <a:off x="6193368" y="2514600"/>
+            <a:ext cx="5389033" cy="3845720"/>
           </a:xfrm>
         </p:spPr>
         <p:txBody>
-          <a:bodyPr/>
-          <a:lstStyle/>
-          <a:p>
-            <a:pPr lvl="0"/>
-            <a:r>
-              <a:rPr lang="en-US"/>
-              <a:t>Edit Master text styles</a:t>
-            </a:r>
-          </a:p>
-          <a:p>
-            <a:pPr lvl="1"/>
-            <a:r>
-              <a:rPr lang="en-US"/>
+          <a:bodyPr tIns="0"/>
+          <a:lstStyle>
+            <a:lvl1pPr>
+              <a:defRPr sz="2200"/>
+            </a:lvl1pPr>
+            <a:lvl2pPr>
+              <a:defRPr sz="2000"/>
+            </a:lvl2pPr>
+            <a:lvl3pPr>
+              <a:defRPr sz="1800"/>
+            </a:lvl3pPr>
+            <a:lvl4pPr>
+              <a:defRPr sz="1600"/>
+            </a:lvl4pPr>
+            <a:lvl5pPr>
+              <a:defRPr sz="1600"/>
+            </a:lvl5pPr>
+          </a:lstStyle>
+          <a:p>
+            <a:pPr lvl="0" eaLnBrk="1" latinLnBrk="0" hangingPunct="1"/>
+            <a:r>
+              <a:rPr lang="en-US" smtClean="0"/>
+              <a:t>Click to edit Master text styles</a:t>
+            </a:r>
+          </a:p>
+          <a:p>
+            <a:pPr lvl="1" eaLnBrk="1" latinLnBrk="0" hangingPunct="1"/>
+            <a:r>
+              <a:rPr lang="en-US" smtClean="0"/>
               <a:t>Second level</a:t>
             </a:r>
           </a:p>
           <a:p>
-            <a:pPr lvl="2"/>
-            <a:r>
-              <a:rPr lang="en-US"/>
+            <a:pPr lvl="2" eaLnBrk="1" latinLnBrk="0" hangingPunct="1"/>
+            <a:r>
+              <a:rPr lang="en-US" smtClean="0"/>
               <a:t>Third level</a:t>
             </a:r>
           </a:p>
           <a:p>
-            <a:pPr lvl="3"/>
-            <a:r>
-              <a:rPr lang="en-US"/>
+            <a:pPr lvl="3" eaLnBrk="1" latinLnBrk="0" hangingPunct="1"/>
+            <a:r>
+              <a:rPr lang="en-US" smtClean="0"/>
               <a:t>Fourth level</a:t>
             </a:r>
           </a:p>
           <a:p>
-            <a:pPr lvl="4"/>
-            <a:r>
-              <a:rPr lang="en-US"/>
+            <a:pPr lvl="4" eaLnBrk="1" latinLnBrk="0" hangingPunct="1"/>
+            <a:r>
+              <a:rPr lang="en-US" smtClean="0"/>
               <a:t>Fifth level</a:t>
             </a:r>
-            <a:endParaRPr lang="en-GB"/>
-          </a:p>
-        </p:txBody>
-      </p:sp>
-      <p:sp>
-        <p:nvSpPr>
-          <p:cNvPr id="7" name="Date Placeholder 6">
-            <a:extLst>
-              <a:ext uri="{FF2B5EF4-FFF2-40B4-BE49-F238E27FC236}">
-                <a16:creationId xmlns="" xmlns:a16="http://schemas.microsoft.com/office/drawing/2014/main" id="{3A25DBD3-920E-4A2A-8365-A404BE31D5CE}"/>
-              </a:ext>
-            </a:extLst>
-          </p:cNvPr>
+            <a:endParaRPr kumimoji="0" lang="en-US"/>
+          </a:p>
+        </p:txBody>
+      </p:sp>
+      <p:sp>
+        <p:nvSpPr>
+          <p:cNvPr id="7" name="Date Placeholder 6"/>
           <p:cNvSpPr>
             <a:spLocks noGrp="1"/>
           </p:cNvSpPr>
@@ -1867,13 +1707,7 @@
       </p:sp>
       <p:sp>
         <p:nvSpPr>
-          <p:cNvPr id="8" name="Footer Placeholder 7">
-            <a:extLst>
-              <a:ext uri="{FF2B5EF4-FFF2-40B4-BE49-F238E27FC236}">
-                <a16:creationId xmlns="" xmlns:a16="http://schemas.microsoft.com/office/drawing/2014/main" id="{83617971-B4CD-48C9-B3A4-CCA3EECC1C7A}"/>
-              </a:ext>
-            </a:extLst>
-          </p:cNvPr>
+          <p:cNvPr id="8" name="Footer Placeholder 7"/>
           <p:cNvSpPr>
             <a:spLocks noGrp="1"/>
           </p:cNvSpPr>
@@ -1892,13 +1726,7 @@
       </p:sp>
       <p:sp>
         <p:nvSpPr>
-          <p:cNvPr id="9" name="Slide Number Placeholder 8">
-            <a:extLst>
-              <a:ext uri="{FF2B5EF4-FFF2-40B4-BE49-F238E27FC236}">
-                <a16:creationId xmlns="" xmlns:a16="http://schemas.microsoft.com/office/drawing/2014/main" id="{0E1ED0C3-177D-4AC4-AE78-2D770A49440E}"/>
-              </a:ext>
-            </a:extLst>
-          </p:cNvPr>
+          <p:cNvPr id="9" name="Slide Number Placeholder 8"/>
           <p:cNvSpPr>
             <a:spLocks noGrp="1"/>
           </p:cNvSpPr>
@@ -1920,11 +1748,6 @@
         </p:txBody>
       </p:sp>
     </p:spTree>
-    <p:extLst>
-      <p:ext uri="{BB962C8B-B14F-4D97-AF65-F5344CB8AC3E}">
-        <p14:creationId xmlns:p14="http://schemas.microsoft.com/office/powerpoint/2010/main" val="29117529"/>
-      </p:ext>
-    </p:extLst>
   </p:cSld>
   <p:clrMapOvr>
     <a:masterClrMapping/>
@@ -1951,13 +1774,7 @@
       </p:grpSpPr>
       <p:sp>
         <p:nvSpPr>
-          <p:cNvPr id="2" name="Title 1">
-            <a:extLst>
-              <a:ext uri="{FF2B5EF4-FFF2-40B4-BE49-F238E27FC236}">
-                <a16:creationId xmlns="" xmlns:a16="http://schemas.microsoft.com/office/drawing/2014/main" id="{B44C4686-C4FA-47F2-B988-047FE32D8BE4}"/>
-              </a:ext>
-            </a:extLst>
-          </p:cNvPr>
+          <p:cNvPr id="2" name="Title 1"/>
           <p:cNvSpPr>
             <a:spLocks noGrp="1"/>
           </p:cNvSpPr>
@@ -1965,28 +1782,59 @@
             <p:ph type="title"/>
           </p:nvPr>
         </p:nvSpPr>
-        <p:spPr/>
-        <p:txBody>
-          <a:bodyPr/>
-          <a:lstStyle/>
-          <a:p>
-            <a:r>
-              <a:rPr lang="en-US"/>
+        <p:spPr>
+          <a:xfrm>
+            <a:off x="609600" y="704088"/>
+            <a:ext cx="11074400" cy="1143000"/>
+          </a:xfrm>
+        </p:spPr>
+        <p:txBody>
+          <a:bodyPr vert="horz" tIns="45720" bIns="0" anchor="b">
+            <a:normAutofit/>
+            <a:scene3d>
+              <a:camera prst="orthographicFront"/>
+              <a:lightRig rig="freezing" dir="t">
+                <a:rot lat="0" lon="0" rev="5640000"/>
+              </a:lightRig>
+            </a:scene3d>
+            <a:sp3d prstMaterial="flat">
+              <a:contourClr>
+                <a:schemeClr val="tx2"/>
+              </a:contourClr>
+            </a:sp3d>
+          </a:bodyPr>
+          <a:lstStyle>
+            <a:lvl1pPr algn="l" rtl="0">
+              <a:spcBef>
+                <a:spcPct val="0"/>
+              </a:spcBef>
+              <a:buNone/>
+              <a:defRPr sz="5000" b="0">
+                <a:ln>
+                  <a:noFill/>
+                </a:ln>
+                <a:solidFill>
+                  <a:schemeClr val="tx2"/>
+                </a:solidFill>
+                <a:effectLst/>
+                <a:latin typeface="+mj-lt"/>
+                <a:ea typeface="+mj-ea"/>
+                <a:cs typeface="+mj-cs"/>
+              </a:defRPr>
+            </a:lvl1pPr>
+          </a:lstStyle>
+          <a:p>
+            <a:r>
+              <a:rPr kumimoji="0" lang="en-US" smtClean="0"/>
               <a:t>Click to edit Master title style</a:t>
             </a:r>
-            <a:endParaRPr lang="en-GB"/>
-          </a:p>
-        </p:txBody>
-      </p:sp>
-      <p:sp>
-        <p:nvSpPr>
-          <p:cNvPr id="3" name="Date Placeholder 2">
-            <a:extLst>
-              <a:ext uri="{FF2B5EF4-FFF2-40B4-BE49-F238E27FC236}">
-                <a16:creationId xmlns="" xmlns:a16="http://schemas.microsoft.com/office/drawing/2014/main" id="{06C02481-605D-4696-872B-4F4A008BB106}"/>
-              </a:ext>
-            </a:extLst>
-          </p:cNvPr>
+            <a:endParaRPr kumimoji="0" lang="en-US"/>
+          </a:p>
+        </p:txBody>
+      </p:sp>
+      <p:sp>
+        <p:nvSpPr>
+          <p:cNvPr id="3" name="Date Placeholder 2"/>
           <p:cNvSpPr>
             <a:spLocks noGrp="1"/>
           </p:cNvSpPr>
@@ -2009,13 +1857,7 @@
       </p:sp>
       <p:sp>
         <p:nvSpPr>
-          <p:cNvPr id="4" name="Footer Placeholder 3">
-            <a:extLst>
-              <a:ext uri="{FF2B5EF4-FFF2-40B4-BE49-F238E27FC236}">
-                <a16:creationId xmlns="" xmlns:a16="http://schemas.microsoft.com/office/drawing/2014/main" id="{2CD58C10-8CD2-4A3B-A07C-D81DFA8A3412}"/>
-              </a:ext>
-            </a:extLst>
-          </p:cNvPr>
+          <p:cNvPr id="4" name="Footer Placeholder 3"/>
           <p:cNvSpPr>
             <a:spLocks noGrp="1"/>
           </p:cNvSpPr>
@@ -2034,13 +1876,7 @@
       </p:sp>
       <p:sp>
         <p:nvSpPr>
-          <p:cNvPr id="5" name="Slide Number Placeholder 4">
-            <a:extLst>
-              <a:ext uri="{FF2B5EF4-FFF2-40B4-BE49-F238E27FC236}">
-                <a16:creationId xmlns="" xmlns:a16="http://schemas.microsoft.com/office/drawing/2014/main" id="{ED2DE83C-E57D-4059-96E4-687337DB0781}"/>
-              </a:ext>
-            </a:extLst>
-          </p:cNvPr>
+          <p:cNvPr id="5" name="Slide Number Placeholder 4"/>
           <p:cNvSpPr>
             <a:spLocks noGrp="1"/>
           </p:cNvSpPr>
@@ -2062,11 +1898,6 @@
         </p:txBody>
       </p:sp>
     </p:spTree>
-    <p:extLst>
-      <p:ext uri="{BB962C8B-B14F-4D97-AF65-F5344CB8AC3E}">
-        <p14:creationId xmlns:p14="http://schemas.microsoft.com/office/powerpoint/2010/main" val="1501360074"/>
-      </p:ext>
-    </p:extLst>
   </p:cSld>
   <p:clrMapOvr>
     <a:masterClrMapping/>
@@ -2093,13 +1924,7 @@
       </p:grpSpPr>
       <p:sp>
         <p:nvSpPr>
-          <p:cNvPr id="2" name="Date Placeholder 1">
-            <a:extLst>
-              <a:ext uri="{FF2B5EF4-FFF2-40B4-BE49-F238E27FC236}">
-                <a16:creationId xmlns="" xmlns:a16="http://schemas.microsoft.com/office/drawing/2014/main" id="{9371B724-0002-4B21-9E9A-A3EAF38B31E2}"/>
-              </a:ext>
-            </a:extLst>
-          </p:cNvPr>
+          <p:cNvPr id="2" name="Date Placeholder 1"/>
           <p:cNvSpPr>
             <a:spLocks noGrp="1"/>
           </p:cNvSpPr>
@@ -2122,13 +1947,7 @@
       </p:sp>
       <p:sp>
         <p:nvSpPr>
-          <p:cNvPr id="3" name="Footer Placeholder 2">
-            <a:extLst>
-              <a:ext uri="{FF2B5EF4-FFF2-40B4-BE49-F238E27FC236}">
-                <a16:creationId xmlns="" xmlns:a16="http://schemas.microsoft.com/office/drawing/2014/main" id="{1B87F4CB-B7A8-4EBE-A823-72DB69A6A9C5}"/>
-              </a:ext>
-            </a:extLst>
-          </p:cNvPr>
+          <p:cNvPr id="3" name="Footer Placeholder 2"/>
           <p:cNvSpPr>
             <a:spLocks noGrp="1"/>
           </p:cNvSpPr>
@@ -2147,13 +1966,7 @@
       </p:sp>
       <p:sp>
         <p:nvSpPr>
-          <p:cNvPr id="4" name="Slide Number Placeholder 3">
-            <a:extLst>
-              <a:ext uri="{FF2B5EF4-FFF2-40B4-BE49-F238E27FC236}">
-                <a16:creationId xmlns="" xmlns:a16="http://schemas.microsoft.com/office/drawing/2014/main" id="{B7F11BFC-7C05-4AF1-9878-CA08692DE23B}"/>
-              </a:ext>
-            </a:extLst>
-          </p:cNvPr>
+          <p:cNvPr id="4" name="Slide Number Placeholder 3"/>
           <p:cNvSpPr>
             <a:spLocks noGrp="1"/>
           </p:cNvSpPr>
@@ -2175,11 +1988,6 @@
         </p:txBody>
       </p:sp>
     </p:spTree>
-    <p:extLst>
-      <p:ext uri="{BB962C8B-B14F-4D97-AF65-F5344CB8AC3E}">
-        <p14:creationId xmlns:p14="http://schemas.microsoft.com/office/powerpoint/2010/main" val="3984720520"/>
-      </p:ext>
-    </p:extLst>
   </p:cSld>
   <p:clrMapOvr>
     <a:masterClrMapping/>
@@ -2206,13 +2014,7 @@
       </p:grpSpPr>
       <p:sp>
         <p:nvSpPr>
-          <p:cNvPr id="2" name="Title 1">
-            <a:extLst>
-              <a:ext uri="{FF2B5EF4-FFF2-40B4-BE49-F238E27FC236}">
-                <a16:creationId xmlns="" xmlns:a16="http://schemas.microsoft.com/office/drawing/2014/main" id="{1A7A1763-3463-417D-B179-034B09897C7C}"/>
-              </a:ext>
-            </a:extLst>
-          </p:cNvPr>
+          <p:cNvPr id="2" name="Title 1"/>
           <p:cNvSpPr>
             <a:spLocks noGrp="1"/>
           </p:cNvSpPr>
@@ -2222,56 +2024,116 @@
         </p:nvSpPr>
         <p:spPr>
           <a:xfrm>
-            <a:off x="839788" y="457200"/>
-            <a:ext cx="3932237" cy="1600200"/>
+            <a:off x="914400" y="514352"/>
+            <a:ext cx="3657600" cy="1162050"/>
           </a:xfrm>
         </p:spPr>
         <p:txBody>
-          <a:bodyPr anchor="b"/>
+          <a:bodyPr lIns="0" anchor="b">
+            <a:noAutofit/>
+          </a:bodyPr>
+          <a:lstStyle>
+            <a:lvl1pPr algn="l" rtl="0">
+              <a:spcBef>
+                <a:spcPct val="0"/>
+              </a:spcBef>
+              <a:buNone/>
+              <a:defRPr sz="2600" b="0">
+                <a:ln>
+                  <a:noFill/>
+                </a:ln>
+                <a:solidFill>
+                  <a:schemeClr val="tx2"/>
+                </a:solidFill>
+                <a:effectLst/>
+                <a:latin typeface="+mj-lt"/>
+                <a:ea typeface="+mj-ea"/>
+                <a:cs typeface="+mj-cs"/>
+              </a:defRPr>
+            </a:lvl1pPr>
+          </a:lstStyle>
+          <a:p>
+            <a:r>
+              <a:rPr kumimoji="0" lang="en-US" smtClean="0"/>
+              <a:t>Click to edit Master title style</a:t>
+            </a:r>
+            <a:endParaRPr kumimoji="0" lang="en-US"/>
+          </a:p>
+        </p:txBody>
+      </p:sp>
+      <p:sp>
+        <p:nvSpPr>
+          <p:cNvPr id="3" name="Text Placeholder 2"/>
+          <p:cNvSpPr>
+            <a:spLocks noGrp="1"/>
+          </p:cNvSpPr>
+          <p:nvPr>
+            <p:ph type="body" idx="2"/>
+          </p:nvPr>
+        </p:nvSpPr>
+        <p:spPr>
+          <a:xfrm>
+            <a:off x="914400" y="1676400"/>
+            <a:ext cx="3657600" cy="4572000"/>
+          </a:xfrm>
+        </p:spPr>
+        <p:txBody>
+          <a:bodyPr lIns="18288" rIns="18288"/>
+          <a:lstStyle>
+            <a:lvl1pPr marL="0" indent="0" algn="l">
+              <a:buNone/>
+              <a:defRPr sz="1400"/>
+            </a:lvl1pPr>
+            <a:lvl2pPr indent="0" algn="l">
+              <a:buNone/>
+              <a:defRPr sz="1200"/>
+            </a:lvl2pPr>
+            <a:lvl3pPr indent="0" algn="l">
+              <a:buNone/>
+              <a:defRPr sz="1000"/>
+            </a:lvl3pPr>
+            <a:lvl4pPr indent="0" algn="l">
+              <a:buNone/>
+              <a:defRPr sz="900"/>
+            </a:lvl4pPr>
+            <a:lvl5pPr indent="0" algn="l">
+              <a:buNone/>
+              <a:defRPr sz="900"/>
+            </a:lvl5pPr>
+          </a:lstStyle>
+          <a:p>
+            <a:pPr lvl="0" eaLnBrk="1" latinLnBrk="0" hangingPunct="1"/>
+            <a:r>
+              <a:rPr kumimoji="0" lang="en-US" smtClean="0"/>
+              <a:t>Click to edit Master text styles</a:t>
+            </a:r>
+          </a:p>
+        </p:txBody>
+      </p:sp>
+      <p:sp>
+        <p:nvSpPr>
+          <p:cNvPr id="4" name="Content Placeholder 3"/>
+          <p:cNvSpPr>
+            <a:spLocks noGrp="1"/>
+          </p:cNvSpPr>
+          <p:nvPr>
+            <p:ph sz="half" idx="1"/>
+          </p:nvPr>
+        </p:nvSpPr>
+        <p:spPr>
+          <a:xfrm>
+            <a:off x="4766733" y="1676400"/>
+            <a:ext cx="6815667" cy="4572000"/>
+          </a:xfrm>
+        </p:spPr>
+        <p:txBody>
+          <a:bodyPr tIns="0"/>
           <a:lstStyle>
             <a:lvl1pPr>
-              <a:defRPr sz="3200"/>
-            </a:lvl1pPr>
-          </a:lstStyle>
-          <a:p>
-            <a:r>
-              <a:rPr lang="en-US"/>
-              <a:t>Click to edit Master title style</a:t>
-            </a:r>
-            <a:endParaRPr lang="en-GB"/>
-          </a:p>
-        </p:txBody>
-      </p:sp>
-      <p:sp>
-        <p:nvSpPr>
-          <p:cNvPr id="3" name="Content Placeholder 2">
-            <a:extLst>
-              <a:ext uri="{FF2B5EF4-FFF2-40B4-BE49-F238E27FC236}">
-                <a16:creationId xmlns="" xmlns:a16="http://schemas.microsoft.com/office/drawing/2014/main" id="{74A64292-4C56-4521-B21E-77857492257D}"/>
-              </a:ext>
-            </a:extLst>
-          </p:cNvPr>
-          <p:cNvSpPr>
-            <a:spLocks noGrp="1"/>
-          </p:cNvSpPr>
-          <p:nvPr>
-            <p:ph idx="1"/>
-          </p:nvPr>
-        </p:nvSpPr>
-        <p:spPr>
-          <a:xfrm>
-            <a:off x="5183188" y="987425"/>
-            <a:ext cx="6172200" cy="4873625"/>
-          </a:xfrm>
-        </p:spPr>
-        <p:txBody>
-          <a:bodyPr/>
-          <a:lstStyle>
-            <a:lvl1pPr>
-              <a:defRPr sz="3200"/>
+              <a:defRPr sz="2800"/>
             </a:lvl1pPr>
             <a:lvl2pPr>
-              <a:defRPr sz="2800"/>
+              <a:defRPr sz="2600"/>
             </a:lvl2pPr>
             <a:lvl3pPr>
               <a:defRPr sz="2400"/>
@@ -2280,139 +2142,50 @@
               <a:defRPr sz="2000"/>
             </a:lvl4pPr>
             <a:lvl5pPr>
-              <a:defRPr sz="2000"/>
+              <a:defRPr sz="1800"/>
             </a:lvl5pPr>
-            <a:lvl6pPr>
-              <a:defRPr sz="2000"/>
-            </a:lvl6pPr>
-            <a:lvl7pPr>
-              <a:defRPr sz="2000"/>
-            </a:lvl7pPr>
-            <a:lvl8pPr>
-              <a:defRPr sz="2000"/>
-            </a:lvl8pPr>
-            <a:lvl9pPr>
-              <a:defRPr sz="2000"/>
-            </a:lvl9pPr>
           </a:lstStyle>
           <a:p>
-            <a:pPr lvl="0"/>
-            <a:r>
-              <a:rPr lang="en-US"/>
-              <a:t>Edit Master text styles</a:t>
-            </a:r>
-          </a:p>
-          <a:p>
-            <a:pPr lvl="1"/>
-            <a:r>
-              <a:rPr lang="en-US"/>
+            <a:pPr lvl="0" eaLnBrk="1" latinLnBrk="0" hangingPunct="1"/>
+            <a:r>
+              <a:rPr lang="en-US" smtClean="0"/>
+              <a:t>Click to edit Master text styles</a:t>
+            </a:r>
+          </a:p>
+          <a:p>
+            <a:pPr lvl="1" eaLnBrk="1" latinLnBrk="0" hangingPunct="1"/>
+            <a:r>
+              <a:rPr lang="en-US" smtClean="0"/>
               <a:t>Second level</a:t>
             </a:r>
           </a:p>
           <a:p>
-            <a:pPr lvl="2"/>
-            <a:r>
-              <a:rPr lang="en-US"/>
+            <a:pPr lvl="2" eaLnBrk="1" latinLnBrk="0" hangingPunct="1"/>
+            <a:r>
+              <a:rPr lang="en-US" smtClean="0"/>
               <a:t>Third level</a:t>
             </a:r>
           </a:p>
           <a:p>
-            <a:pPr lvl="3"/>
-            <a:r>
-              <a:rPr lang="en-US"/>
+            <a:pPr lvl="3" eaLnBrk="1" latinLnBrk="0" hangingPunct="1"/>
+            <a:r>
+              <a:rPr lang="en-US" smtClean="0"/>
               <a:t>Fourth level</a:t>
             </a:r>
           </a:p>
           <a:p>
-            <a:pPr lvl="4"/>
-            <a:r>
-              <a:rPr lang="en-US"/>
+            <a:pPr lvl="4" eaLnBrk="1" latinLnBrk="0" hangingPunct="1"/>
+            <a:r>
+              <a:rPr lang="en-US" smtClean="0"/>
               <a:t>Fifth level</a:t>
             </a:r>
-            <a:endParaRPr lang="en-GB"/>
-          </a:p>
-        </p:txBody>
-      </p:sp>
-      <p:sp>
-        <p:nvSpPr>
-          <p:cNvPr id="4" name="Text Placeholder 3">
-            <a:extLst>
-              <a:ext uri="{FF2B5EF4-FFF2-40B4-BE49-F238E27FC236}">
-                <a16:creationId xmlns="" xmlns:a16="http://schemas.microsoft.com/office/drawing/2014/main" id="{2661E3CA-B561-428C-8BDC-9AD6FA1157B8}"/>
-              </a:ext>
-            </a:extLst>
-          </p:cNvPr>
-          <p:cNvSpPr>
-            <a:spLocks noGrp="1"/>
-          </p:cNvSpPr>
-          <p:nvPr>
-            <p:ph type="body" sz="half" idx="2"/>
-          </p:nvPr>
-        </p:nvSpPr>
-        <p:spPr>
-          <a:xfrm>
-            <a:off x="839788" y="2057400"/>
-            <a:ext cx="3932237" cy="3811588"/>
-          </a:xfrm>
-        </p:spPr>
-        <p:txBody>
-          <a:bodyPr/>
-          <a:lstStyle>
-            <a:lvl1pPr marL="0" indent="0">
-              <a:buNone/>
-              <a:defRPr sz="1600"/>
-            </a:lvl1pPr>
-            <a:lvl2pPr marL="457200" indent="0">
-              <a:buNone/>
-              <a:defRPr sz="1400"/>
-            </a:lvl2pPr>
-            <a:lvl3pPr marL="914400" indent="0">
-              <a:buNone/>
-              <a:defRPr sz="1200"/>
-            </a:lvl3pPr>
-            <a:lvl4pPr marL="1371600" indent="0">
-              <a:buNone/>
-              <a:defRPr sz="1000"/>
-            </a:lvl4pPr>
-            <a:lvl5pPr marL="1828800" indent="0">
-              <a:buNone/>
-              <a:defRPr sz="1000"/>
-            </a:lvl5pPr>
-            <a:lvl6pPr marL="2286000" indent="0">
-              <a:buNone/>
-              <a:defRPr sz="1000"/>
-            </a:lvl6pPr>
-            <a:lvl7pPr marL="2743200" indent="0">
-              <a:buNone/>
-              <a:defRPr sz="1000"/>
-            </a:lvl7pPr>
-            <a:lvl8pPr marL="3200400" indent="0">
-              <a:buNone/>
-              <a:defRPr sz="1000"/>
-            </a:lvl8pPr>
-            <a:lvl9pPr marL="3657600" indent="0">
-              <a:buNone/>
-              <a:defRPr sz="1000"/>
-            </a:lvl9pPr>
-          </a:lstStyle>
-          <a:p>
-            <a:pPr lvl="0"/>
-            <a:r>
-              <a:rPr lang="en-US"/>
-              <a:t>Edit Master text styles</a:t>
-            </a:r>
-          </a:p>
-        </p:txBody>
-      </p:sp>
-      <p:sp>
-        <p:nvSpPr>
-          <p:cNvPr id="5" name="Date Placeholder 4">
-            <a:extLst>
-              <a:ext uri="{FF2B5EF4-FFF2-40B4-BE49-F238E27FC236}">
-                <a16:creationId xmlns="" xmlns:a16="http://schemas.microsoft.com/office/drawing/2014/main" id="{863DD1B8-8919-4B63-9605-52C18801AE14}"/>
-              </a:ext>
-            </a:extLst>
-          </p:cNvPr>
+            <a:endParaRPr kumimoji="0" lang="en-US"/>
+          </a:p>
+        </p:txBody>
+      </p:sp>
+      <p:sp>
+        <p:nvSpPr>
+          <p:cNvPr id="5" name="Date Placeholder 4"/>
           <p:cNvSpPr>
             <a:spLocks noGrp="1"/>
           </p:cNvSpPr>
@@ -2435,13 +2208,7 @@
       </p:sp>
       <p:sp>
         <p:nvSpPr>
-          <p:cNvPr id="6" name="Footer Placeholder 5">
-            <a:extLst>
-              <a:ext uri="{FF2B5EF4-FFF2-40B4-BE49-F238E27FC236}">
-                <a16:creationId xmlns="" xmlns:a16="http://schemas.microsoft.com/office/drawing/2014/main" id="{353900E7-7015-4F84-BE66-B92949CF607B}"/>
-              </a:ext>
-            </a:extLst>
-          </p:cNvPr>
+          <p:cNvPr id="6" name="Footer Placeholder 5"/>
           <p:cNvSpPr>
             <a:spLocks noGrp="1"/>
           </p:cNvSpPr>
@@ -2460,13 +2227,7 @@
       </p:sp>
       <p:sp>
         <p:nvSpPr>
-          <p:cNvPr id="7" name="Slide Number Placeholder 6">
-            <a:extLst>
-              <a:ext uri="{FF2B5EF4-FFF2-40B4-BE49-F238E27FC236}">
-                <a16:creationId xmlns="" xmlns:a16="http://schemas.microsoft.com/office/drawing/2014/main" id="{6763EED9-7350-460C-993C-6B59A722536B}"/>
-              </a:ext>
-            </a:extLst>
-          </p:cNvPr>
+          <p:cNvPr id="7" name="Slide Number Placeholder 6"/>
           <p:cNvSpPr>
             <a:spLocks noGrp="1"/>
           </p:cNvSpPr>
@@ -2488,11 +2249,6 @@
         </p:txBody>
       </p:sp>
     </p:spTree>
-    <p:extLst>
-      <p:ext uri="{BB962C8B-B14F-4D97-AF65-F5344CB8AC3E}">
-        <p14:creationId xmlns:p14="http://schemas.microsoft.com/office/powerpoint/2010/main" val="1235109270"/>
-      </p:ext>
-    </p:extLst>
   </p:cSld>
   <p:clrMapOvr>
     <a:masterClrMapping/>
@@ -2501,7 +2257,7 @@
 </file>
 
 <file path=ppt/slideLayouts/slideLayout9.xml><?xml version="1.0" encoding="utf-8"?>
-<p:sldLayout xmlns:a="http://schemas.openxmlformats.org/drawingml/2006/main" xmlns:r="http://schemas.openxmlformats.org/officeDocument/2006/relationships" xmlns:p="http://schemas.openxmlformats.org/presentationml/2006/main" type="picTx" preserve="1">
+<p:sldLayout xmlns:a="http://schemas.openxmlformats.org/drawingml/2006/main" xmlns:r="http://schemas.openxmlformats.org/officeDocument/2006/relationships" xmlns:p="http://schemas.openxmlformats.org/presentationml/2006/main" showMasterSp="0" type="picTx" preserve="1">
   <p:cSld name="Picture with Caption">
     <p:spTree>
       <p:nvGrpSpPr>
@@ -2519,13 +2275,119 @@
       </p:grpSpPr>
       <p:sp>
         <p:nvSpPr>
-          <p:cNvPr id="2" name="Title 1">
-            <a:extLst>
-              <a:ext uri="{FF2B5EF4-FFF2-40B4-BE49-F238E27FC236}">
-                <a16:creationId xmlns="" xmlns:a16="http://schemas.microsoft.com/office/drawing/2014/main" id="{31B45106-32A0-45DD-83B2-AA8D1B99B835}"/>
-              </a:ext>
-            </a:extLst>
-          </p:cNvPr>
+          <p:cNvPr id="9" name="Snip and Round Single Corner Rectangle 8"/>
+          <p:cNvSpPr/>
+          <p:nvPr/>
+        </p:nvSpPr>
+        <p:spPr>
+          <a:xfrm rot="420000" flipV="1">
+            <a:off x="4221004" y="1108077"/>
+            <a:ext cx="7010400" cy="4114800"/>
+          </a:xfrm>
+          <a:prstGeom prst="snipRoundRect">
+            <a:avLst>
+              <a:gd name="adj1" fmla="val 0"/>
+              <a:gd name="adj2" fmla="val 3646"/>
+            </a:avLst>
+          </a:prstGeom>
+          <a:solidFill>
+            <a:srgbClr val="FFFFFF"/>
+          </a:solidFill>
+          <a:ln w="3175" cap="rnd" cmpd="sng" algn="ctr">
+            <a:solidFill>
+              <a:srgbClr val="C0C0C0"/>
+            </a:solidFill>
+            <a:prstDash val="solid"/>
+          </a:ln>
+          <a:effectLst>
+            <a:outerShdw blurRad="63500" dist="38500" dir="7500000" sx="98500" sy="100080" kx="100000" algn="tl" rotWithShape="0">
+              <a:srgbClr val="000000">
+                <a:alpha val="25000"/>
+              </a:srgbClr>
+            </a:outerShdw>
+          </a:effectLst>
+        </p:spPr>
+        <p:style>
+          <a:lnRef idx="2">
+            <a:schemeClr val="accent1"/>
+          </a:lnRef>
+          <a:fillRef idx="1">
+            <a:schemeClr val="accent1"/>
+          </a:fillRef>
+          <a:effectRef idx="0">
+            <a:schemeClr val="accent1"/>
+          </a:effectRef>
+          <a:fontRef idx="minor">
+            <a:schemeClr val="lt1"/>
+          </a:fontRef>
+        </p:style>
+        <p:txBody>
+          <a:bodyPr rtlCol="0" anchor="ctr"/>
+          <a:lstStyle/>
+          <a:p>
+            <a:pPr algn="ctr" eaLnBrk="1" latinLnBrk="0" hangingPunct="1"/>
+            <a:endParaRPr kumimoji="0" lang="en-US"/>
+          </a:p>
+        </p:txBody>
+      </p:sp>
+      <p:sp>
+        <p:nvSpPr>
+          <p:cNvPr id="12" name="Right Triangle 11"/>
+          <p:cNvSpPr/>
+          <p:nvPr/>
+        </p:nvSpPr>
+        <p:spPr>
+          <a:xfrm rot="420000" flipV="1">
+            <a:off x="10672179" y="5359769"/>
+            <a:ext cx="207264" cy="155448"/>
+          </a:xfrm>
+          <a:prstGeom prst="rtTriangle">
+            <a:avLst/>
+          </a:prstGeom>
+          <a:solidFill>
+            <a:srgbClr val="FFFFFF"/>
+          </a:solidFill>
+          <a:ln w="12700" cap="flat" cmpd="sng" algn="ctr">
+            <a:solidFill>
+              <a:srgbClr val="FFFFFF"/>
+            </a:solidFill>
+            <a:prstDash val="solid"/>
+            <a:bevel/>
+          </a:ln>
+          <a:effectLst>
+            <a:outerShdw blurRad="19685" dist="6350" dir="12900000" algn="tl" rotWithShape="0">
+              <a:srgbClr val="000000">
+                <a:alpha val="47000"/>
+              </a:srgbClr>
+            </a:outerShdw>
+          </a:effectLst>
+        </p:spPr>
+        <p:style>
+          <a:lnRef idx="2">
+            <a:schemeClr val="accent1"/>
+          </a:lnRef>
+          <a:fillRef idx="1">
+            <a:schemeClr val="accent1"/>
+          </a:fillRef>
+          <a:effectRef idx="0">
+            <a:schemeClr val="accent1"/>
+          </a:effectRef>
+          <a:fontRef idx="minor">
+            <a:schemeClr val="lt1"/>
+          </a:fontRef>
+        </p:style>
+        <p:txBody>
+          <a:bodyPr rtlCol="0" anchor="ctr"/>
+          <a:lstStyle/>
+          <a:p>
+            <a:pPr algn="ctr" eaLnBrk="1" latinLnBrk="0" hangingPunct="1"/>
+            <a:endParaRPr kumimoji="0" lang="en-US"/>
+          </a:p>
+        </p:txBody>
+      </p:sp>
+      <p:sp>
+        <p:nvSpPr>
+          <p:cNvPr id="2" name="Title 1"/>
           <p:cNvSpPr>
             <a:spLocks noGrp="1"/>
           </p:cNvSpPr>
@@ -2535,173 +2397,83 @@
         </p:nvSpPr>
         <p:spPr>
           <a:xfrm>
-            <a:off x="839788" y="457200"/>
-            <a:ext cx="3932237" cy="1600200"/>
+            <a:off x="812800" y="1176997"/>
+            <a:ext cx="2950464" cy="1582621"/>
           </a:xfrm>
         </p:spPr>
         <p:txBody>
-          <a:bodyPr anchor="b"/>
+          <a:bodyPr vert="horz" lIns="45720" tIns="45720" rIns="45720" bIns="45720" anchor="b"/>
           <a:lstStyle>
-            <a:lvl1pPr>
-              <a:defRPr sz="3200"/>
+            <a:lvl1pPr algn="l">
+              <a:buNone/>
+              <a:defRPr sz="2000" b="1">
+                <a:solidFill>
+                  <a:schemeClr val="tx2"/>
+                </a:solidFill>
+              </a:defRPr>
             </a:lvl1pPr>
           </a:lstStyle>
           <a:p>
             <a:r>
-              <a:rPr lang="en-US"/>
+              <a:rPr kumimoji="0" lang="en-US" smtClean="0"/>
               <a:t>Click to edit Master title style</a:t>
             </a:r>
-            <a:endParaRPr lang="en-GB"/>
-          </a:p>
-        </p:txBody>
-      </p:sp>
-      <p:sp>
-        <p:nvSpPr>
-          <p:cNvPr id="3" name="Picture Placeholder 2">
-            <a:extLst>
-              <a:ext uri="{FF2B5EF4-FFF2-40B4-BE49-F238E27FC236}">
-                <a16:creationId xmlns="" xmlns:a16="http://schemas.microsoft.com/office/drawing/2014/main" id="{BB9C246F-3E03-4C90-A943-9C9BEF82BE2C}"/>
-              </a:ext>
-            </a:extLst>
-          </p:cNvPr>
-          <p:cNvSpPr>
-            <a:spLocks noGrp="1"/>
-          </p:cNvSpPr>
-          <p:nvPr>
-            <p:ph type="pic" idx="1"/>
+            <a:endParaRPr kumimoji="0" lang="en-US"/>
+          </a:p>
+        </p:txBody>
+      </p:sp>
+      <p:sp>
+        <p:nvSpPr>
+          <p:cNvPr id="4" name="Text Placeholder 3"/>
+          <p:cNvSpPr>
+            <a:spLocks noGrp="1"/>
+          </p:cNvSpPr>
+          <p:nvPr>
+            <p:ph type="body" sz="half" idx="2"/>
           </p:nvPr>
         </p:nvSpPr>
         <p:spPr>
           <a:xfrm>
-            <a:off x="5183188" y="987425"/>
-            <a:ext cx="6172200" cy="4873625"/>
+            <a:off x="812800" y="2828785"/>
+            <a:ext cx="2946400" cy="2179320"/>
           </a:xfrm>
         </p:spPr>
         <p:txBody>
-          <a:bodyPr/>
+          <a:bodyPr lIns="64008" rIns="45720" bIns="45720" anchor="t"/>
           <a:lstStyle>
-            <a:lvl1pPr marL="0" indent="0">
-              <a:buNone/>
-              <a:defRPr sz="3200"/>
+            <a:lvl1pPr marL="0" indent="0" algn="l">
+              <a:spcBef>
+                <a:spcPts val="250"/>
+              </a:spcBef>
+              <a:buFontTx/>
+              <a:buNone/>
+              <a:defRPr sz="1300"/>
             </a:lvl1pPr>
-            <a:lvl2pPr marL="457200" indent="0">
-              <a:buNone/>
-              <a:defRPr sz="2800"/>
+            <a:lvl2pPr>
+              <a:defRPr sz="1200"/>
             </a:lvl2pPr>
-            <a:lvl3pPr marL="914400" indent="0">
-              <a:buNone/>
-              <a:defRPr sz="2400"/>
+            <a:lvl3pPr>
+              <a:defRPr sz="1000"/>
             </a:lvl3pPr>
-            <a:lvl4pPr marL="1371600" indent="0">
-              <a:buNone/>
-              <a:defRPr sz="2000"/>
+            <a:lvl4pPr>
+              <a:defRPr sz="900"/>
             </a:lvl4pPr>
-            <a:lvl5pPr marL="1828800" indent="0">
-              <a:buNone/>
-              <a:defRPr sz="2000"/>
+            <a:lvl5pPr>
+              <a:defRPr sz="900"/>
             </a:lvl5pPr>
-            <a:lvl6pPr marL="2286000" indent="0">
-              <a:buNone/>
-              <a:defRPr sz="2000"/>
-            </a:lvl6pPr>
-            <a:lvl7pPr marL="2743200" indent="0">
-              <a:buNone/>
-              <a:defRPr sz="2000"/>
-            </a:lvl7pPr>
-            <a:lvl8pPr marL="3200400" indent="0">
-              <a:buNone/>
-              <a:defRPr sz="2000"/>
-            </a:lvl8pPr>
-            <a:lvl9pPr marL="3657600" indent="0">
-              <a:buNone/>
-              <a:defRPr sz="2000"/>
-            </a:lvl9pPr>
           </a:lstStyle>
           <a:p>
-            <a:endParaRPr lang="en-GB"/>
-          </a:p>
-        </p:txBody>
-      </p:sp>
-      <p:sp>
-        <p:nvSpPr>
-          <p:cNvPr id="4" name="Text Placeholder 3">
-            <a:extLst>
-              <a:ext uri="{FF2B5EF4-FFF2-40B4-BE49-F238E27FC236}">
-                <a16:creationId xmlns="" xmlns:a16="http://schemas.microsoft.com/office/drawing/2014/main" id="{43C5BBD6-6B8D-455F-8370-A0ECB348756A}"/>
-              </a:ext>
-            </a:extLst>
-          </p:cNvPr>
-          <p:cNvSpPr>
-            <a:spLocks noGrp="1"/>
-          </p:cNvSpPr>
-          <p:nvPr>
-            <p:ph type="body" sz="half" idx="2"/>
-          </p:nvPr>
-        </p:nvSpPr>
-        <p:spPr>
-          <a:xfrm>
-            <a:off x="839788" y="2057400"/>
-            <a:ext cx="3932237" cy="3811588"/>
-          </a:xfrm>
-        </p:spPr>
-        <p:txBody>
-          <a:bodyPr/>
-          <a:lstStyle>
-            <a:lvl1pPr marL="0" indent="0">
-              <a:buNone/>
-              <a:defRPr sz="1600"/>
-            </a:lvl1pPr>
-            <a:lvl2pPr marL="457200" indent="0">
-              <a:buNone/>
-              <a:defRPr sz="1400"/>
-            </a:lvl2pPr>
-            <a:lvl3pPr marL="914400" indent="0">
-              <a:buNone/>
-              <a:defRPr sz="1200"/>
-            </a:lvl3pPr>
-            <a:lvl4pPr marL="1371600" indent="0">
-              <a:buNone/>
-              <a:defRPr sz="1000"/>
-            </a:lvl4pPr>
-            <a:lvl5pPr marL="1828800" indent="0">
-              <a:buNone/>
-              <a:defRPr sz="1000"/>
-            </a:lvl5pPr>
-            <a:lvl6pPr marL="2286000" indent="0">
-              <a:buNone/>
-              <a:defRPr sz="1000"/>
-            </a:lvl6pPr>
-            <a:lvl7pPr marL="2743200" indent="0">
-              <a:buNone/>
-              <a:defRPr sz="1000"/>
-            </a:lvl7pPr>
-            <a:lvl8pPr marL="3200400" indent="0">
-              <a:buNone/>
-              <a:defRPr sz="1000"/>
-            </a:lvl8pPr>
-            <a:lvl9pPr marL="3657600" indent="0">
-              <a:buNone/>
-              <a:defRPr sz="1000"/>
-            </a:lvl9pPr>
-          </a:lstStyle>
-          <a:p>
-            <a:pPr lvl="0"/>
-            <a:r>
-              <a:rPr lang="en-US"/>
-              <a:t>Edit Master text styles</a:t>
-            </a:r>
-          </a:p>
-        </p:txBody>
-      </p:sp>
-      <p:sp>
-        <p:nvSpPr>
-          <p:cNvPr id="5" name="Date Placeholder 4">
-            <a:extLst>
-              <a:ext uri="{FF2B5EF4-FFF2-40B4-BE49-F238E27FC236}">
-                <a16:creationId xmlns="" xmlns:a16="http://schemas.microsoft.com/office/drawing/2014/main" id="{8404D6B4-D452-4E37-9ABA-74029C455F7C}"/>
-              </a:ext>
-            </a:extLst>
-          </p:cNvPr>
+            <a:pPr lvl="0" eaLnBrk="1" latinLnBrk="0" hangingPunct="1"/>
+            <a:r>
+              <a:rPr kumimoji="0" lang="en-US" smtClean="0"/>
+              <a:t>Click to edit Master text styles</a:t>
+            </a:r>
+          </a:p>
+        </p:txBody>
+      </p:sp>
+      <p:sp>
+        <p:nvSpPr>
+          <p:cNvPr id="5" name="Date Placeholder 4"/>
           <p:cNvSpPr>
             <a:spLocks noGrp="1"/>
           </p:cNvSpPr>
@@ -2724,13 +2496,7 @@
       </p:sp>
       <p:sp>
         <p:nvSpPr>
-          <p:cNvPr id="6" name="Footer Placeholder 5">
-            <a:extLst>
-              <a:ext uri="{FF2B5EF4-FFF2-40B4-BE49-F238E27FC236}">
-                <a16:creationId xmlns="" xmlns:a16="http://schemas.microsoft.com/office/drawing/2014/main" id="{0A9935BF-1B98-4184-A9C1-137FE4D74E82}"/>
-              </a:ext>
-            </a:extLst>
-          </p:cNvPr>
+          <p:cNvPr id="6" name="Footer Placeholder 5"/>
           <p:cNvSpPr>
             <a:spLocks noGrp="1"/>
           </p:cNvSpPr>
@@ -2749,13 +2515,7 @@
       </p:sp>
       <p:sp>
         <p:nvSpPr>
-          <p:cNvPr id="7" name="Slide Number Placeholder 6">
-            <a:extLst>
-              <a:ext uri="{FF2B5EF4-FFF2-40B4-BE49-F238E27FC236}">
-                <a16:creationId xmlns="" xmlns:a16="http://schemas.microsoft.com/office/drawing/2014/main" id="{21EB7211-3D2E-4BC4-85C8-ABF2A67FFA1F}"/>
-              </a:ext>
-            </a:extLst>
-          </p:cNvPr>
+          <p:cNvPr id="7" name="Slide Number Placeholder 6"/>
           <p:cNvSpPr>
             <a:spLocks noGrp="1"/>
           </p:cNvSpPr>
@@ -2763,7 +2523,12 @@
             <p:ph type="sldNum" sz="quarter" idx="12"/>
           </p:nvPr>
         </p:nvSpPr>
-        <p:spPr/>
+        <p:spPr>
+          <a:xfrm>
+            <a:off x="10769600" y="6356351"/>
+            <a:ext cx="812800" cy="365125"/>
+          </a:xfrm>
+        </p:spPr>
         <p:txBody>
           <a:bodyPr/>
           <a:lstStyle/>
@@ -2776,12 +2541,309 @@
           </a:p>
         </p:txBody>
       </p:sp>
+      <p:sp>
+        <p:nvSpPr>
+          <p:cNvPr id="3" name="Picture Placeholder 2"/>
+          <p:cNvSpPr>
+            <a:spLocks noGrp="1"/>
+          </p:cNvSpPr>
+          <p:nvPr>
+            <p:ph type="pic" idx="1"/>
+          </p:nvPr>
+        </p:nvSpPr>
+        <p:spPr>
+          <a:xfrm rot="420000">
+            <a:off x="4647724" y="1199517"/>
+            <a:ext cx="6156960" cy="3931920"/>
+          </a:xfrm>
+          <a:prstGeom prst="rect">
+            <a:avLst/>
+          </a:prstGeom>
+          <a:solidFill>
+            <a:schemeClr val="bg2"/>
+          </a:solidFill>
+          <a:ln w="3000" cap="rnd">
+            <a:solidFill>
+              <a:srgbClr val="C0C0C0"/>
+            </a:solidFill>
+            <a:round/>
+          </a:ln>
+          <a:effectLst/>
+        </p:spPr>
+        <p:txBody>
+          <a:bodyPr/>
+          <a:lstStyle>
+            <a:lvl1pPr marL="0" indent="0">
+              <a:buNone/>
+              <a:defRPr sz="3200"/>
+            </a:lvl1pPr>
+          </a:lstStyle>
+          <a:p>
+            <a:r>
+              <a:rPr kumimoji="0" lang="en-US" smtClean="0"/>
+              <a:t>Click icon to add picture</a:t>
+            </a:r>
+            <a:endParaRPr kumimoji="0" lang="en-US" dirty="0"/>
+          </a:p>
+        </p:txBody>
+      </p:sp>
+      <p:sp>
+        <p:nvSpPr>
+          <p:cNvPr id="10" name="Freeform 9"/>
+          <p:cNvSpPr>
+            <a:spLocks/>
+          </p:cNvSpPr>
+          <p:nvPr/>
+        </p:nvSpPr>
+        <p:spPr bwMode="auto">
+          <a:xfrm flipV="1">
+            <a:off x="-12700" y="5816600"/>
+            <a:ext cx="12217400" cy="1041400"/>
+          </a:xfrm>
+          <a:custGeom>
+            <a:avLst>
+              <a:gd name="A1" fmla="val 0"/>
+              <a:gd name="A2" fmla="val 0"/>
+              <a:gd name="A3" fmla="val 0"/>
+              <a:gd name="A4" fmla="val 0"/>
+              <a:gd name="A5" fmla="val 0"/>
+              <a:gd name="A6" fmla="val 0"/>
+              <a:gd name="A7" fmla="val 0"/>
+              <a:gd name="A8" fmla="val 0"/>
+            </a:avLst>
+            <a:gdLst/>
+            <a:ahLst/>
+            <a:cxnLst>
+              <a:cxn ang="0">
+                <a:pos x="6" y="2"/>
+              </a:cxn>
+              <a:cxn ang="0">
+                <a:pos x="2542" y="0"/>
+              </a:cxn>
+              <a:cxn ang="0">
+                <a:pos x="4374" y="367"/>
+              </a:cxn>
+              <a:cxn ang="0">
+                <a:pos x="5766" y="55"/>
+              </a:cxn>
+              <a:cxn ang="0">
+                <a:pos x="5772" y="213"/>
+              </a:cxn>
+              <a:cxn ang="0">
+                <a:pos x="4302" y="439"/>
+              </a:cxn>
+              <a:cxn ang="0">
+                <a:pos x="1488" y="201"/>
+              </a:cxn>
+              <a:cxn ang="0">
+                <a:pos x="0" y="656"/>
+              </a:cxn>
+              <a:cxn ang="0">
+                <a:pos x="6" y="2"/>
+              </a:cxn>
+            </a:cxnLst>
+            <a:rect l="0" t="0" r="0" b="0"/>
+            <a:pathLst>
+              <a:path w="5772" h="656">
+                <a:moveTo>
+                  <a:pt x="6" y="2"/>
+                </a:moveTo>
+                <a:lnTo>
+                  <a:pt x="2542" y="0"/>
+                </a:lnTo>
+                <a:cubicBezTo>
+                  <a:pt x="2746" y="101"/>
+                  <a:pt x="3828" y="367"/>
+                  <a:pt x="4374" y="367"/>
+                </a:cubicBezTo>
+                <a:cubicBezTo>
+                  <a:pt x="4920" y="367"/>
+                  <a:pt x="5526" y="152"/>
+                  <a:pt x="5766" y="55"/>
+                </a:cubicBezTo>
+                <a:lnTo>
+                  <a:pt x="5772" y="213"/>
+                </a:lnTo>
+                <a:cubicBezTo>
+                  <a:pt x="5670" y="257"/>
+                  <a:pt x="5016" y="441"/>
+                  <a:pt x="4302" y="439"/>
+                </a:cubicBezTo>
+                <a:cubicBezTo>
+                  <a:pt x="3588" y="437"/>
+                  <a:pt x="2205" y="165"/>
+                  <a:pt x="1488" y="201"/>
+                </a:cubicBezTo>
+                <a:cubicBezTo>
+                  <a:pt x="750" y="209"/>
+                  <a:pt x="270" y="482"/>
+                  <a:pt x="0" y="656"/>
+                </a:cubicBezTo>
+                <a:lnTo>
+                  <a:pt x="6" y="2"/>
+                </a:lnTo>
+                <a:close/>
+              </a:path>
+            </a:pathLst>
+          </a:custGeom>
+          <a:gradFill>
+            <a:gsLst>
+              <a:gs pos="0">
+                <a:schemeClr val="accent2">
+                  <a:shade val="50000"/>
+                  <a:alpha val="45000"/>
+                  <a:satMod val="120000"/>
+                </a:schemeClr>
+              </a:gs>
+              <a:gs pos="100000">
+                <a:schemeClr val="accent3">
+                  <a:shade val="80000"/>
+                  <a:alpha val="55000"/>
+                  <a:satMod val="155000"/>
+                </a:schemeClr>
+              </a:gs>
+            </a:gsLst>
+            <a:lin ang="5400000" scaled="1"/>
+          </a:gradFill>
+          <a:ln w="9525" cap="flat" cmpd="sng" algn="ctr">
+            <a:noFill/>
+            <a:prstDash val="solid"/>
+            <a:round/>
+            <a:headEnd type="none" w="med" len="med"/>
+            <a:tailEnd type="none" w="med" len="med"/>
+          </a:ln>
+          <a:effectLst/>
+        </p:spPr>
+        <p:txBody>
+          <a:bodyPr vert="horz" wrap="square" lIns="91440" tIns="45720" rIns="91440" bIns="45720" anchor="t" compatLnSpc="1"/>
+          <a:lstStyle/>
+          <a:p>
+            <a:pPr marL="0" algn="l" rtl="0" eaLnBrk="1" latinLnBrk="0" hangingPunct="1"/>
+            <a:endParaRPr kumimoji="0" lang="en-US">
+              <a:solidFill>
+                <a:schemeClr val="tx1"/>
+              </a:solidFill>
+              <a:latin typeface="+mn-lt"/>
+              <a:ea typeface="+mn-ea"/>
+              <a:cs typeface="+mn-cs"/>
+            </a:endParaRPr>
+          </a:p>
+        </p:txBody>
+      </p:sp>
+      <p:sp>
+        <p:nvSpPr>
+          <p:cNvPr id="11" name="Freeform 10"/>
+          <p:cNvSpPr>
+            <a:spLocks/>
+          </p:cNvSpPr>
+          <p:nvPr/>
+        </p:nvSpPr>
+        <p:spPr bwMode="auto">
+          <a:xfrm flipV="1">
+            <a:off x="5842000" y="6219826"/>
+            <a:ext cx="6350000" cy="638175"/>
+          </a:xfrm>
+          <a:custGeom>
+            <a:avLst>
+              <a:gd name="A1" fmla="val 0"/>
+              <a:gd name="A2" fmla="val 0"/>
+              <a:gd name="A3" fmla="val 0"/>
+              <a:gd name="A4" fmla="val 0"/>
+              <a:gd name="A5" fmla="val 0"/>
+              <a:gd name="A6" fmla="val 0"/>
+              <a:gd name="A7" fmla="val 0"/>
+              <a:gd name="A8" fmla="val 0"/>
+            </a:avLst>
+            <a:gdLst/>
+            <a:ahLst/>
+            <a:cxnLst>
+              <a:cxn ang="0">
+                <a:pos x="0" y="0"/>
+              </a:cxn>
+              <a:cxn ang="0">
+                <a:pos x="1668" y="564"/>
+              </a:cxn>
+              <a:cxn ang="0">
+                <a:pos x="3000" y="186"/>
+              </a:cxn>
+              <a:cxn ang="0">
+                <a:pos x="3000" y="6"/>
+              </a:cxn>
+              <a:cxn ang="0">
+                <a:pos x="0" y="0"/>
+              </a:cxn>
+            </a:cxnLst>
+            <a:rect l="0" t="0" r="0" b="0"/>
+            <a:pathLst>
+              <a:path w="3000" h="595">
+                <a:moveTo>
+                  <a:pt x="0" y="0"/>
+                </a:moveTo>
+                <a:cubicBezTo>
+                  <a:pt x="174" y="102"/>
+                  <a:pt x="1168" y="533"/>
+                  <a:pt x="1668" y="564"/>
+                </a:cubicBezTo>
+                <a:cubicBezTo>
+                  <a:pt x="2168" y="595"/>
+                  <a:pt x="2778" y="279"/>
+                  <a:pt x="3000" y="186"/>
+                </a:cubicBezTo>
+                <a:lnTo>
+                  <a:pt x="3000" y="6"/>
+                </a:lnTo>
+                <a:lnTo>
+                  <a:pt x="0" y="0"/>
+                </a:lnTo>
+                <a:close/>
+              </a:path>
+            </a:pathLst>
+          </a:custGeom>
+          <a:gradFill>
+            <a:gsLst>
+              <a:gs pos="0">
+                <a:schemeClr val="accent3">
+                  <a:shade val="50000"/>
+                  <a:alpha val="30000"/>
+                  <a:satMod val="130000"/>
+                </a:schemeClr>
+              </a:gs>
+              <a:gs pos="80000">
+                <a:schemeClr val="accent2">
+                  <a:shade val="75000"/>
+                  <a:alpha val="45000"/>
+                  <a:satMod val="140000"/>
+                </a:schemeClr>
+              </a:gs>
+            </a:gsLst>
+            <a:lin ang="5400000" scaled="1"/>
+          </a:gradFill>
+          <a:ln w="9525" cap="flat" cmpd="sng" algn="ctr">
+            <a:noFill/>
+            <a:prstDash val="solid"/>
+            <a:round/>
+            <a:headEnd type="none" w="med" len="med"/>
+            <a:tailEnd type="none" w="med" len="med"/>
+          </a:ln>
+          <a:effectLst/>
+        </p:spPr>
+        <p:txBody>
+          <a:bodyPr vert="horz" wrap="square" lIns="91440" tIns="45720" rIns="91440" bIns="45720" anchor="t" compatLnSpc="1"/>
+          <a:lstStyle/>
+          <a:p>
+            <a:pPr marL="0" algn="l" rtl="0" eaLnBrk="1" latinLnBrk="0" hangingPunct="1"/>
+            <a:endParaRPr kumimoji="0" lang="en-US">
+              <a:solidFill>
+                <a:schemeClr val="tx1"/>
+              </a:solidFill>
+              <a:latin typeface="+mn-lt"/>
+              <a:ea typeface="+mn-ea"/>
+              <a:cs typeface="+mn-cs"/>
+            </a:endParaRPr>
+          </a:p>
+        </p:txBody>
+      </p:sp>
     </p:spTree>
-    <p:extLst>
-      <p:ext uri="{BB962C8B-B14F-4D97-AF65-F5344CB8AC3E}">
-        <p14:creationId xmlns:p14="http://schemas.microsoft.com/office/powerpoint/2010/main" val="2350138437"/>
-      </p:ext>
-    </p:extLst>
   </p:cSld>
   <p:clrMapOvr>
     <a:masterClrMapping/>
@@ -2793,7 +2855,7 @@
 <p:sldMaster xmlns:a="http://schemas.openxmlformats.org/drawingml/2006/main" xmlns:r="http://schemas.openxmlformats.org/officeDocument/2006/relationships" xmlns:p="http://schemas.openxmlformats.org/presentationml/2006/main">
   <p:cSld>
     <p:bg>
-      <p:bgRef idx="1001">
+      <p:bgRef idx="1003">
         <a:schemeClr val="bg1"/>
       </p:bgRef>
     </p:bg>
@@ -2813,13 +2875,263 @@
       </p:grpSpPr>
       <p:sp>
         <p:nvSpPr>
-          <p:cNvPr id="2" name="Title Placeholder 1">
-            <a:extLst>
-              <a:ext uri="{FF2B5EF4-FFF2-40B4-BE49-F238E27FC236}">
-                <a16:creationId xmlns="" xmlns:a16="http://schemas.microsoft.com/office/drawing/2014/main" id="{A35FB351-CF98-46BE-BB30-E8FDBBA36121}"/>
-              </a:ext>
-            </a:extLst>
-          </p:cNvPr>
+          <p:cNvPr id="7" name="Freeform 6"/>
+          <p:cNvSpPr>
+            <a:spLocks/>
+          </p:cNvSpPr>
+          <p:nvPr/>
+        </p:nvSpPr>
+        <p:spPr bwMode="auto">
+          <a:xfrm>
+            <a:off x="-12700" y="-7144"/>
+            <a:ext cx="12217400" cy="1041400"/>
+          </a:xfrm>
+          <a:custGeom>
+            <a:avLst>
+              <a:gd name="A1" fmla="val 0"/>
+              <a:gd name="A2" fmla="val 0"/>
+              <a:gd name="A3" fmla="val 0"/>
+              <a:gd name="A4" fmla="val 0"/>
+              <a:gd name="A5" fmla="val 0"/>
+              <a:gd name="A6" fmla="val 0"/>
+              <a:gd name="A7" fmla="val 0"/>
+              <a:gd name="A8" fmla="val 0"/>
+            </a:avLst>
+            <a:gdLst/>
+            <a:ahLst/>
+            <a:cxnLst>
+              <a:cxn ang="0">
+                <a:pos x="6" y="2"/>
+              </a:cxn>
+              <a:cxn ang="0">
+                <a:pos x="2542" y="0"/>
+              </a:cxn>
+              <a:cxn ang="0">
+                <a:pos x="4374" y="367"/>
+              </a:cxn>
+              <a:cxn ang="0">
+                <a:pos x="5766" y="55"/>
+              </a:cxn>
+              <a:cxn ang="0">
+                <a:pos x="5772" y="213"/>
+              </a:cxn>
+              <a:cxn ang="0">
+                <a:pos x="4302" y="439"/>
+              </a:cxn>
+              <a:cxn ang="0">
+                <a:pos x="1488" y="201"/>
+              </a:cxn>
+              <a:cxn ang="0">
+                <a:pos x="0" y="656"/>
+              </a:cxn>
+              <a:cxn ang="0">
+                <a:pos x="6" y="2"/>
+              </a:cxn>
+            </a:cxnLst>
+            <a:rect l="0" t="0" r="0" b="0"/>
+            <a:pathLst>
+              <a:path w="5772" h="656">
+                <a:moveTo>
+                  <a:pt x="6" y="2"/>
+                </a:moveTo>
+                <a:lnTo>
+                  <a:pt x="2542" y="0"/>
+                </a:lnTo>
+                <a:cubicBezTo>
+                  <a:pt x="2746" y="101"/>
+                  <a:pt x="3828" y="367"/>
+                  <a:pt x="4374" y="367"/>
+                </a:cubicBezTo>
+                <a:cubicBezTo>
+                  <a:pt x="4920" y="367"/>
+                  <a:pt x="5526" y="152"/>
+                  <a:pt x="5766" y="55"/>
+                </a:cubicBezTo>
+                <a:lnTo>
+                  <a:pt x="5772" y="213"/>
+                </a:lnTo>
+                <a:cubicBezTo>
+                  <a:pt x="5670" y="257"/>
+                  <a:pt x="5016" y="441"/>
+                  <a:pt x="4302" y="439"/>
+                </a:cubicBezTo>
+                <a:cubicBezTo>
+                  <a:pt x="3588" y="437"/>
+                  <a:pt x="2205" y="165"/>
+                  <a:pt x="1488" y="201"/>
+                </a:cubicBezTo>
+                <a:cubicBezTo>
+                  <a:pt x="750" y="209"/>
+                  <a:pt x="270" y="482"/>
+                  <a:pt x="0" y="656"/>
+                </a:cubicBezTo>
+                <a:lnTo>
+                  <a:pt x="6" y="2"/>
+                </a:lnTo>
+                <a:close/>
+              </a:path>
+            </a:pathLst>
+          </a:custGeom>
+          <a:gradFill>
+            <a:gsLst>
+              <a:gs pos="0">
+                <a:schemeClr val="accent2">
+                  <a:shade val="50000"/>
+                  <a:alpha val="45000"/>
+                  <a:satMod val="120000"/>
+                </a:schemeClr>
+              </a:gs>
+              <a:gs pos="100000">
+                <a:schemeClr val="accent3">
+                  <a:shade val="80000"/>
+                  <a:alpha val="55000"/>
+                  <a:satMod val="155000"/>
+                </a:schemeClr>
+              </a:gs>
+            </a:gsLst>
+            <a:lin ang="5400000" scaled="1"/>
+          </a:gradFill>
+          <a:ln w="9525" cap="flat" cmpd="sng" algn="ctr">
+            <a:noFill/>
+            <a:prstDash val="solid"/>
+            <a:round/>
+            <a:headEnd type="none" w="med" len="med"/>
+            <a:tailEnd type="none" w="med" len="med"/>
+          </a:ln>
+          <a:effectLst/>
+        </p:spPr>
+        <p:txBody>
+          <a:bodyPr vert="horz" wrap="square" lIns="91440" tIns="45720" rIns="91440" bIns="45720" anchor="t" compatLnSpc="1"/>
+          <a:lstStyle/>
+          <a:p>
+            <a:pPr marL="0" algn="l" rtl="0" eaLnBrk="1" latinLnBrk="0" hangingPunct="1"/>
+            <a:endParaRPr kumimoji="0" lang="en-US">
+              <a:solidFill>
+                <a:schemeClr val="tx1"/>
+              </a:solidFill>
+              <a:latin typeface="+mn-lt"/>
+              <a:ea typeface="+mn-ea"/>
+              <a:cs typeface="+mn-cs"/>
+            </a:endParaRPr>
+          </a:p>
+        </p:txBody>
+      </p:sp>
+      <p:sp>
+        <p:nvSpPr>
+          <p:cNvPr id="8" name="Freeform 7"/>
+          <p:cNvSpPr>
+            <a:spLocks/>
+          </p:cNvSpPr>
+          <p:nvPr/>
+        </p:nvSpPr>
+        <p:spPr bwMode="auto">
+          <a:xfrm>
+            <a:off x="5842000" y="-7144"/>
+            <a:ext cx="6350000" cy="638175"/>
+          </a:xfrm>
+          <a:custGeom>
+            <a:avLst>
+              <a:gd name="A1" fmla="val 0"/>
+              <a:gd name="A2" fmla="val 0"/>
+              <a:gd name="A3" fmla="val 0"/>
+              <a:gd name="A4" fmla="val 0"/>
+              <a:gd name="A5" fmla="val 0"/>
+              <a:gd name="A6" fmla="val 0"/>
+              <a:gd name="A7" fmla="val 0"/>
+              <a:gd name="A8" fmla="val 0"/>
+            </a:avLst>
+            <a:gdLst/>
+            <a:ahLst/>
+            <a:cxnLst>
+              <a:cxn ang="0">
+                <a:pos x="0" y="0"/>
+              </a:cxn>
+              <a:cxn ang="0">
+                <a:pos x="1668" y="564"/>
+              </a:cxn>
+              <a:cxn ang="0">
+                <a:pos x="3000" y="186"/>
+              </a:cxn>
+              <a:cxn ang="0">
+                <a:pos x="3000" y="6"/>
+              </a:cxn>
+              <a:cxn ang="0">
+                <a:pos x="0" y="0"/>
+              </a:cxn>
+            </a:cxnLst>
+            <a:rect l="0" t="0" r="0" b="0"/>
+            <a:pathLst>
+              <a:path w="3000" h="595">
+                <a:moveTo>
+                  <a:pt x="0" y="0"/>
+                </a:moveTo>
+                <a:cubicBezTo>
+                  <a:pt x="174" y="102"/>
+                  <a:pt x="1168" y="533"/>
+                  <a:pt x="1668" y="564"/>
+                </a:cubicBezTo>
+                <a:cubicBezTo>
+                  <a:pt x="2168" y="595"/>
+                  <a:pt x="2778" y="279"/>
+                  <a:pt x="3000" y="186"/>
+                </a:cubicBezTo>
+                <a:lnTo>
+                  <a:pt x="3000" y="6"/>
+                </a:lnTo>
+                <a:lnTo>
+                  <a:pt x="0" y="0"/>
+                </a:lnTo>
+                <a:close/>
+              </a:path>
+            </a:pathLst>
+          </a:custGeom>
+          <a:gradFill>
+            <a:gsLst>
+              <a:gs pos="0">
+                <a:schemeClr val="accent3">
+                  <a:shade val="50000"/>
+                  <a:alpha val="30000"/>
+                  <a:satMod val="130000"/>
+                </a:schemeClr>
+              </a:gs>
+              <a:gs pos="80000">
+                <a:schemeClr val="accent2">
+                  <a:shade val="75000"/>
+                  <a:alpha val="45000"/>
+                  <a:satMod val="140000"/>
+                </a:schemeClr>
+              </a:gs>
+            </a:gsLst>
+            <a:lin ang="5400000" scaled="1"/>
+          </a:gradFill>
+          <a:ln w="9525" cap="flat" cmpd="sng" algn="ctr">
+            <a:noFill/>
+            <a:prstDash val="solid"/>
+            <a:round/>
+            <a:headEnd type="none" w="med" len="med"/>
+            <a:tailEnd type="none" w="med" len="med"/>
+          </a:ln>
+          <a:effectLst/>
+        </p:spPr>
+        <p:txBody>
+          <a:bodyPr vert="horz" wrap="square" lIns="91440" tIns="45720" rIns="91440" bIns="45720" anchor="t" compatLnSpc="1"/>
+          <a:lstStyle/>
+          <a:p>
+            <a:pPr marL="0" algn="l" rtl="0" eaLnBrk="1" latinLnBrk="0" hangingPunct="1"/>
+            <a:endParaRPr kumimoji="0" lang="en-US">
+              <a:solidFill>
+                <a:schemeClr val="tx1"/>
+              </a:solidFill>
+              <a:latin typeface="+mn-lt"/>
+              <a:ea typeface="+mn-ea"/>
+              <a:cs typeface="+mn-cs"/>
+            </a:endParaRPr>
+          </a:p>
+        </p:txBody>
+      </p:sp>
+      <p:sp>
+        <p:nvSpPr>
+          <p:cNvPr id="9" name="Title Placeholder 8"/>
           <p:cNvSpPr>
             <a:spLocks noGrp="1"/>
           </p:cNvSpPr>
@@ -2829,36 +3141,30 @@
         </p:nvSpPr>
         <p:spPr>
           <a:xfrm>
-            <a:off x="838200" y="365125"/>
-            <a:ext cx="10515600" cy="1325563"/>
+            <a:off x="609600" y="704088"/>
+            <a:ext cx="10972800" cy="1143000"/>
           </a:xfrm>
           <a:prstGeom prst="rect">
             <a:avLst/>
           </a:prstGeom>
         </p:spPr>
         <p:txBody>
-          <a:bodyPr vert="horz" lIns="91440" tIns="45720" rIns="91440" bIns="45720" rtlCol="0" anchor="ctr">
+          <a:bodyPr vert="horz" lIns="0" rIns="0" bIns="0" anchor="b">
             <a:normAutofit/>
           </a:bodyPr>
           <a:lstStyle/>
           <a:p>
             <a:r>
-              <a:rPr lang="en-US"/>
+              <a:rPr kumimoji="0" lang="en-US" smtClean="0"/>
               <a:t>Click to edit Master title style</a:t>
             </a:r>
-            <a:endParaRPr lang="en-GB"/>
-          </a:p>
-        </p:txBody>
-      </p:sp>
-      <p:sp>
-        <p:nvSpPr>
-          <p:cNvPr id="3" name="Text Placeholder 2">
-            <a:extLst>
-              <a:ext uri="{FF2B5EF4-FFF2-40B4-BE49-F238E27FC236}">
-                <a16:creationId xmlns="" xmlns:a16="http://schemas.microsoft.com/office/drawing/2014/main" id="{2A31BABB-3A3F-47BE-8359-A63A226C4577}"/>
-              </a:ext>
-            </a:extLst>
-          </p:cNvPr>
+            <a:endParaRPr kumimoji="0" lang="en-US"/>
+          </a:p>
+        </p:txBody>
+      </p:sp>
+      <p:sp>
+        <p:nvSpPr>
+          <p:cNvPr id="30" name="Text Placeholder 29"/>
           <p:cNvSpPr>
             <a:spLocks noGrp="1"/>
           </p:cNvSpPr>
@@ -2868,65 +3174,59 @@
         </p:nvSpPr>
         <p:spPr>
           <a:xfrm>
-            <a:off x="838200" y="1825625"/>
-            <a:ext cx="10515600" cy="4351338"/>
+            <a:off x="609600" y="1935480"/>
+            <a:ext cx="10972800" cy="4389120"/>
           </a:xfrm>
           <a:prstGeom prst="rect">
             <a:avLst/>
           </a:prstGeom>
         </p:spPr>
         <p:txBody>
-          <a:bodyPr vert="horz" lIns="91440" tIns="45720" rIns="91440" bIns="45720" rtlCol="0">
+          <a:bodyPr vert="horz">
             <a:normAutofit/>
           </a:bodyPr>
           <a:lstStyle/>
           <a:p>
-            <a:pPr lvl="0"/>
-            <a:r>
-              <a:rPr lang="en-US"/>
-              <a:t>Edit Master text styles</a:t>
-            </a:r>
-          </a:p>
-          <a:p>
-            <a:pPr lvl="1"/>
-            <a:r>
-              <a:rPr lang="en-US"/>
+            <a:pPr lvl="0" eaLnBrk="1" latinLnBrk="0" hangingPunct="1"/>
+            <a:r>
+              <a:rPr kumimoji="0" lang="en-US" smtClean="0"/>
+              <a:t>Click to edit Master text styles</a:t>
+            </a:r>
+          </a:p>
+          <a:p>
+            <a:pPr lvl="1" eaLnBrk="1" latinLnBrk="0" hangingPunct="1"/>
+            <a:r>
+              <a:rPr kumimoji="0" lang="en-US" smtClean="0"/>
               <a:t>Second level</a:t>
             </a:r>
           </a:p>
           <a:p>
-            <a:pPr lvl="2"/>
-            <a:r>
-              <a:rPr lang="en-US"/>
+            <a:pPr lvl="2" eaLnBrk="1" latinLnBrk="0" hangingPunct="1"/>
+            <a:r>
+              <a:rPr kumimoji="0" lang="en-US" smtClean="0"/>
               <a:t>Third level</a:t>
             </a:r>
           </a:p>
           <a:p>
-            <a:pPr lvl="3"/>
-            <a:r>
-              <a:rPr lang="en-US"/>
+            <a:pPr lvl="3" eaLnBrk="1" latinLnBrk="0" hangingPunct="1"/>
+            <a:r>
+              <a:rPr kumimoji="0" lang="en-US" smtClean="0"/>
               <a:t>Fourth level</a:t>
             </a:r>
           </a:p>
           <a:p>
-            <a:pPr lvl="4"/>
-            <a:r>
-              <a:rPr lang="en-US"/>
+            <a:pPr lvl="4" eaLnBrk="1" latinLnBrk="0" hangingPunct="1"/>
+            <a:r>
+              <a:rPr kumimoji="0" lang="en-US" smtClean="0"/>
               <a:t>Fifth level</a:t>
             </a:r>
-            <a:endParaRPr lang="en-GB"/>
-          </a:p>
-        </p:txBody>
-      </p:sp>
-      <p:sp>
-        <p:nvSpPr>
-          <p:cNvPr id="4" name="Date Placeholder 3">
-            <a:extLst>
-              <a:ext uri="{FF2B5EF4-FFF2-40B4-BE49-F238E27FC236}">
-                <a16:creationId xmlns="" xmlns:a16="http://schemas.microsoft.com/office/drawing/2014/main" id="{2C33FCDA-995F-4C6C-BBCA-FA6C6E378A03}"/>
-              </a:ext>
-            </a:extLst>
-          </p:cNvPr>
+            <a:endParaRPr kumimoji="0" lang="en-US"/>
+          </a:p>
+        </p:txBody>
+      </p:sp>
+      <p:sp>
+        <p:nvSpPr>
+          <p:cNvPr id="10" name="Date Placeholder 9"/>
           <p:cNvSpPr>
             <a:spLocks noGrp="1"/>
           </p:cNvSpPr>
@@ -2936,21 +3236,21 @@
         </p:nvSpPr>
         <p:spPr>
           <a:xfrm>
-            <a:off x="838200" y="6356350"/>
-            <a:ext cx="2743200" cy="365125"/>
+            <a:off x="609600" y="6356351"/>
+            <a:ext cx="2844800" cy="365125"/>
           </a:xfrm>
           <a:prstGeom prst="rect">
             <a:avLst/>
           </a:prstGeom>
         </p:spPr>
         <p:txBody>
-          <a:bodyPr vert="horz" lIns="91440" tIns="45720" rIns="91440" bIns="45720" rtlCol="0" anchor="ctr"/>
+          <a:bodyPr vert="horz" lIns="0" tIns="0" rIns="0" bIns="0" anchor="b"/>
           <a:lstStyle>
-            <a:lvl1pPr algn="l">
-              <a:defRPr sz="1200">
+            <a:lvl1pPr algn="l" eaLnBrk="1" latinLnBrk="0" hangingPunct="1">
+              <a:defRPr kumimoji="0" sz="1200">
                 <a:solidFill>
-                  <a:schemeClr val="tx1">
-                    <a:tint val="75000"/>
+                  <a:schemeClr val="tx2">
+                    <a:shade val="90000"/>
                   </a:schemeClr>
                 </a:solidFill>
               </a:defRPr>
@@ -2967,13 +3267,7 @@
       </p:sp>
       <p:sp>
         <p:nvSpPr>
-          <p:cNvPr id="5" name="Footer Placeholder 4">
-            <a:extLst>
-              <a:ext uri="{FF2B5EF4-FFF2-40B4-BE49-F238E27FC236}">
-                <a16:creationId xmlns="" xmlns:a16="http://schemas.microsoft.com/office/drawing/2014/main" id="{43341427-A897-44B3-93E3-B2B91148F2ED}"/>
-              </a:ext>
-            </a:extLst>
-          </p:cNvPr>
+          <p:cNvPr id="22" name="Footer Placeholder 21"/>
           <p:cNvSpPr>
             <a:spLocks noGrp="1"/>
           </p:cNvSpPr>
@@ -2983,21 +3277,21 @@
         </p:nvSpPr>
         <p:spPr>
           <a:xfrm>
-            <a:off x="4038600" y="6356350"/>
-            <a:ext cx="4114800" cy="365125"/>
+            <a:off x="3556000" y="6356351"/>
+            <a:ext cx="4470400" cy="365125"/>
           </a:xfrm>
           <a:prstGeom prst="rect">
             <a:avLst/>
           </a:prstGeom>
         </p:spPr>
         <p:txBody>
-          <a:bodyPr vert="horz" lIns="91440" tIns="45720" rIns="91440" bIns="45720" rtlCol="0" anchor="ctr"/>
+          <a:bodyPr vert="horz" lIns="0" tIns="0" rIns="0" bIns="0" anchor="b"/>
           <a:lstStyle>
-            <a:lvl1pPr algn="ctr">
-              <a:defRPr sz="1200">
+            <a:lvl1pPr algn="l" eaLnBrk="1" latinLnBrk="0" hangingPunct="1">
+              <a:defRPr kumimoji="0" sz="1200">
                 <a:solidFill>
-                  <a:schemeClr val="tx1">
-                    <a:tint val="75000"/>
+                  <a:schemeClr val="tx2">
+                    <a:shade val="90000"/>
                   </a:schemeClr>
                 </a:solidFill>
               </a:defRPr>
@@ -3010,13 +3304,7 @@
       </p:sp>
       <p:sp>
         <p:nvSpPr>
-          <p:cNvPr id="6" name="Slide Number Placeholder 5">
-            <a:extLst>
-              <a:ext uri="{FF2B5EF4-FFF2-40B4-BE49-F238E27FC236}">
-                <a16:creationId xmlns="" xmlns:a16="http://schemas.microsoft.com/office/drawing/2014/main" id="{ADEFBA30-99F1-4123-8C87-167E16DAB6B9}"/>
-              </a:ext>
-            </a:extLst>
-          </p:cNvPr>
+          <p:cNvPr id="18" name="Slide Number Placeholder 17"/>
           <p:cNvSpPr>
             <a:spLocks noGrp="1"/>
           </p:cNvSpPr>
@@ -3026,21 +3314,21 @@
         </p:nvSpPr>
         <p:spPr>
           <a:xfrm>
-            <a:off x="8610600" y="6356350"/>
-            <a:ext cx="2743200" cy="365125"/>
+            <a:off x="10566400" y="6356351"/>
+            <a:ext cx="1016000" cy="365125"/>
           </a:xfrm>
           <a:prstGeom prst="rect">
             <a:avLst/>
           </a:prstGeom>
         </p:spPr>
         <p:txBody>
-          <a:bodyPr vert="horz" lIns="91440" tIns="45720" rIns="91440" bIns="45720" rtlCol="0" anchor="ctr"/>
+          <a:bodyPr vert="horz" lIns="0" tIns="0" rIns="0" bIns="0" anchor="b"/>
           <a:lstStyle>
-            <a:lvl1pPr algn="r">
-              <a:defRPr sz="1200">
+            <a:lvl1pPr algn="r" eaLnBrk="1" latinLnBrk="0" hangingPunct="1">
+              <a:defRPr kumimoji="0" sz="1200">
                 <a:solidFill>
-                  <a:schemeClr val="tx1">
-                    <a:tint val="75000"/>
+                  <a:schemeClr val="tx2">
+                    <a:shade val="90000"/>
                   </a:schemeClr>
                 </a:solidFill>
               </a:defRPr>
@@ -3055,41 +3343,251 @@
           </a:p>
         </p:txBody>
       </p:sp>
+      <p:grpSp>
+        <p:nvGrpSpPr>
+          <p:cNvPr id="2" name="Group 1"/>
+          <p:cNvGrpSpPr/>
+          <p:nvPr/>
+        </p:nvGrpSpPr>
+        <p:grpSpPr>
+          <a:xfrm>
+            <a:off x="-25356" y="202408"/>
+            <a:ext cx="12240731" cy="649224"/>
+            <a:chOff x="-19045" y="216550"/>
+            <a:chExt cx="9180548" cy="649224"/>
+          </a:xfrm>
+        </p:grpSpPr>
+        <p:sp>
+          <p:nvSpPr>
+            <p:cNvPr id="12" name="Freeform 11"/>
+            <p:cNvSpPr>
+              <a:spLocks/>
+            </p:cNvSpPr>
+            <p:nvPr/>
+          </p:nvSpPr>
+          <p:spPr bwMode="auto">
+            <a:xfrm rot="21435692">
+              <a:off x="-19045" y="216550"/>
+              <a:ext cx="9163050" cy="649224"/>
+            </a:xfrm>
+            <a:custGeom>
+              <a:avLst>
+                <a:gd name="A1" fmla="val 0"/>
+                <a:gd name="A2" fmla="val 0"/>
+                <a:gd name="A3" fmla="val 0"/>
+                <a:gd name="A4" fmla="val 0"/>
+                <a:gd name="A5" fmla="val 0"/>
+                <a:gd name="A6" fmla="val 0"/>
+                <a:gd name="A7" fmla="val 0"/>
+                <a:gd name="A8" fmla="val 0"/>
+              </a:avLst>
+              <a:gdLst/>
+              <a:ahLst/>
+              <a:cxnLst>
+                <a:cxn ang="0">
+                  <a:pos x="0" y="966"/>
+                </a:cxn>
+                <a:cxn ang="0">
+                  <a:pos x="1608" y="282"/>
+                </a:cxn>
+                <a:cxn ang="0">
+                  <a:pos x="4110" y="1008"/>
+                </a:cxn>
+                <a:cxn ang="0">
+                  <a:pos x="5772" y="0"/>
+                </a:cxn>
+              </a:cxnLst>
+              <a:rect l="0" t="0" r="0" b="0"/>
+              <a:pathLst>
+                <a:path w="5772" h="1055">
+                  <a:moveTo>
+                    <a:pt x="0" y="966"/>
+                  </a:moveTo>
+                  <a:cubicBezTo>
+                    <a:pt x="282" y="738"/>
+                    <a:pt x="923" y="275"/>
+                    <a:pt x="1608" y="282"/>
+                  </a:cubicBezTo>
+                  <a:cubicBezTo>
+                    <a:pt x="2293" y="289"/>
+                    <a:pt x="3416" y="1055"/>
+                    <a:pt x="4110" y="1008"/>
+                  </a:cubicBezTo>
+                  <a:cubicBezTo>
+                    <a:pt x="4804" y="961"/>
+                    <a:pt x="5426" y="210"/>
+                    <a:pt x="5772" y="0"/>
+                  </a:cubicBezTo>
+                </a:path>
+              </a:pathLst>
+            </a:custGeom>
+            <a:noFill/>
+            <a:ln w="10795" cap="flat" cmpd="sng" algn="ctr">
+              <a:gradFill>
+                <a:gsLst>
+                  <a:gs pos="74000">
+                    <a:schemeClr val="accent3">
+                      <a:shade val="75000"/>
+                    </a:schemeClr>
+                  </a:gs>
+                  <a:gs pos="86000">
+                    <a:schemeClr val="tx1">
+                      <a:alpha val="29000"/>
+                    </a:schemeClr>
+                  </a:gs>
+                  <a:gs pos="16000">
+                    <a:schemeClr val="accent2">
+                      <a:shade val="75000"/>
+                      <a:alpha val="56000"/>
+                    </a:schemeClr>
+                  </a:gs>
+                </a:gsLst>
+                <a:lin ang="5400000" scaled="1"/>
+              </a:gradFill>
+              <a:prstDash val="solid"/>
+              <a:round/>
+              <a:headEnd type="none" w="med" len="med"/>
+              <a:tailEnd type="none" w="med" len="med"/>
+            </a:ln>
+            <a:effectLst/>
+          </p:spPr>
+          <p:txBody>
+            <a:bodyPr vert="horz" wrap="square" lIns="91440" tIns="45720" rIns="91440" bIns="45720" anchor="t" compatLnSpc="1"/>
+            <a:lstStyle/>
+            <a:p>
+              <a:endParaRPr kumimoji="0" lang="en-US"/>
+            </a:p>
+          </p:txBody>
+        </p:sp>
+        <p:sp>
+          <p:nvSpPr>
+            <p:cNvPr id="13" name="Freeform 12"/>
+            <p:cNvSpPr>
+              <a:spLocks/>
+            </p:cNvSpPr>
+            <p:nvPr/>
+          </p:nvSpPr>
+          <p:spPr bwMode="auto">
+            <a:xfrm rot="21435692">
+              <a:off x="-14309" y="290003"/>
+              <a:ext cx="9175812" cy="530352"/>
+            </a:xfrm>
+            <a:custGeom>
+              <a:avLst>
+                <a:gd name="A1" fmla="val 0"/>
+                <a:gd name="A2" fmla="val 0"/>
+                <a:gd name="A3" fmla="val 0"/>
+                <a:gd name="A4" fmla="val 0"/>
+                <a:gd name="A5" fmla="val 0"/>
+                <a:gd name="A6" fmla="val 0"/>
+                <a:gd name="A7" fmla="val 0"/>
+                <a:gd name="A8" fmla="val 0"/>
+              </a:avLst>
+              <a:gdLst/>
+              <a:ahLst/>
+              <a:cxnLst>
+                <a:cxn ang="0">
+                  <a:pos x="0" y="732"/>
+                </a:cxn>
+                <a:cxn ang="0">
+                  <a:pos x="1638" y="228"/>
+                </a:cxn>
+                <a:cxn ang="0">
+                  <a:pos x="4122" y="816"/>
+                </a:cxn>
+                <a:cxn ang="0">
+                  <a:pos x="5766" y="0"/>
+                </a:cxn>
+              </a:cxnLst>
+              <a:rect l="0" t="0" r="0" b="0"/>
+              <a:pathLst>
+                <a:path w="5766" h="854">
+                  <a:moveTo>
+                    <a:pt x="0" y="732"/>
+                  </a:moveTo>
+                  <a:cubicBezTo>
+                    <a:pt x="273" y="647"/>
+                    <a:pt x="951" y="214"/>
+                    <a:pt x="1638" y="228"/>
+                  </a:cubicBezTo>
+                  <a:cubicBezTo>
+                    <a:pt x="2325" y="242"/>
+                    <a:pt x="3434" y="854"/>
+                    <a:pt x="4122" y="816"/>
+                  </a:cubicBezTo>
+                  <a:cubicBezTo>
+                    <a:pt x="4810" y="778"/>
+                    <a:pt x="5424" y="170"/>
+                    <a:pt x="5766" y="0"/>
+                  </a:cubicBezTo>
+                </a:path>
+              </a:pathLst>
+            </a:custGeom>
+            <a:noFill/>
+            <a:ln w="9525" cap="flat" cmpd="sng" algn="ctr">
+              <a:gradFill>
+                <a:gsLst>
+                  <a:gs pos="74000">
+                    <a:schemeClr val="accent4"/>
+                  </a:gs>
+                  <a:gs pos="44000">
+                    <a:schemeClr val="accent1"/>
+                  </a:gs>
+                  <a:gs pos="33000">
+                    <a:schemeClr val="accent2">
+                      <a:alpha val="56000"/>
+                    </a:schemeClr>
+                  </a:gs>
+                </a:gsLst>
+                <a:lin ang="5400000" scaled="1"/>
+              </a:gradFill>
+              <a:prstDash val="solid"/>
+              <a:round/>
+              <a:headEnd type="none" w="med" len="med"/>
+              <a:tailEnd type="none" w="med" len="med"/>
+            </a:ln>
+            <a:effectLst/>
+          </p:spPr>
+          <p:txBody>
+            <a:bodyPr vert="horz" wrap="square" lIns="91440" tIns="45720" rIns="91440" bIns="45720" anchor="t" compatLnSpc="1"/>
+            <a:lstStyle/>
+            <a:p>
+              <a:endParaRPr kumimoji="0" lang="en-US"/>
+            </a:p>
+          </p:txBody>
+        </p:sp>
+      </p:grpSp>
     </p:spTree>
-    <p:extLst>
-      <p:ext uri="{BB962C8B-B14F-4D97-AF65-F5344CB8AC3E}">
-        <p14:creationId xmlns:p14="http://schemas.microsoft.com/office/powerpoint/2010/main" val="2948951634"/>
-      </p:ext>
-    </p:extLst>
   </p:cSld>
   <p:clrMap bg1="lt1" tx1="dk1" bg2="lt2" tx2="dk2" accent1="accent1" accent2="accent2" accent3="accent3" accent4="accent4" accent5="accent5" accent6="accent6" hlink="hlink" folHlink="folHlink"/>
   <p:sldLayoutIdLst>
-    <p:sldLayoutId id="2147483649" r:id="rId1"/>
-    <p:sldLayoutId id="2147483650" r:id="rId2"/>
-    <p:sldLayoutId id="2147483651" r:id="rId3"/>
-    <p:sldLayoutId id="2147483652" r:id="rId4"/>
-    <p:sldLayoutId id="2147483653" r:id="rId5"/>
-    <p:sldLayoutId id="2147483654" r:id="rId6"/>
-    <p:sldLayoutId id="2147483655" r:id="rId7"/>
-    <p:sldLayoutId id="2147483656" r:id="rId8"/>
-    <p:sldLayoutId id="2147483657" r:id="rId9"/>
-    <p:sldLayoutId id="2147483658" r:id="rId10"/>
-    <p:sldLayoutId id="2147483659" r:id="rId11"/>
+    <p:sldLayoutId id="2147483817" r:id="rId1"/>
+    <p:sldLayoutId id="2147483818" r:id="rId2"/>
+    <p:sldLayoutId id="2147483819" r:id="rId3"/>
+    <p:sldLayoutId id="2147483820" r:id="rId4"/>
+    <p:sldLayoutId id="2147483821" r:id="rId5"/>
+    <p:sldLayoutId id="2147483822" r:id="rId6"/>
+    <p:sldLayoutId id="2147483823" r:id="rId7"/>
+    <p:sldLayoutId id="2147483824" r:id="rId8"/>
+    <p:sldLayoutId id="2147483825" r:id="rId9"/>
+    <p:sldLayoutId id="2147483826" r:id="rId10"/>
+    <p:sldLayoutId id="2147483827" r:id="rId11"/>
   </p:sldLayoutIdLst>
   <p:txStyles>
     <p:titleStyle>
-      <a:lvl1pPr algn="l" defTabSz="914400" rtl="0" eaLnBrk="1" latinLnBrk="0" hangingPunct="1">
-        <a:lnSpc>
-          <a:spcPct val="90000"/>
-        </a:lnSpc>
+      <a:lvl1pPr algn="l" rtl="0" eaLnBrk="1" latinLnBrk="0" hangingPunct="1">
         <a:spcBef>
           <a:spcPct val="0"/>
         </a:spcBef>
         <a:buNone/>
-        <a:defRPr sz="4400" kern="1200">
+        <a:defRPr kumimoji="0" sz="5000" b="0" kern="1200">
+          <a:ln>
+            <a:noFill/>
+          </a:ln>
           <a:solidFill>
-            <a:schemeClr val="tx1"/>
+            <a:schemeClr val="tx2"/>
           </a:solidFill>
+          <a:effectLst/>
           <a:latin typeface="+mj-lt"/>
           <a:ea typeface="+mj-ea"/>
           <a:cs typeface="+mj-cs"/>
@@ -3097,16 +3595,17 @@
       </a:lvl1pPr>
     </p:titleStyle>
     <p:bodyStyle>
-      <a:lvl1pPr marL="228600" indent="-228600" algn="l" defTabSz="914400" rtl="0" eaLnBrk="1" latinLnBrk="0" hangingPunct="1">
-        <a:lnSpc>
-          <a:spcPct val="90000"/>
-        </a:lnSpc>
+      <a:lvl1pPr marL="274320" indent="-274320" algn="l" rtl="0" eaLnBrk="1" latinLnBrk="0" hangingPunct="1">
         <a:spcBef>
-          <a:spcPts val="1000"/>
+          <a:spcPct val="20000"/>
         </a:spcBef>
-        <a:buFont typeface="Arial" panose="020B0604020202020204" pitchFamily="34" charset="0"/>
-        <a:buChar char="•"/>
-        <a:defRPr sz="2800" kern="1200">
+        <a:buClr>
+          <a:schemeClr val="accent3"/>
+        </a:buClr>
+        <a:buSzPct val="95000"/>
+        <a:buFont typeface="Wingdings 2"/>
+        <a:buChar char=""/>
+        <a:defRPr kumimoji="0" sz="2600" kern="1200">
           <a:solidFill>
             <a:schemeClr val="tx1"/>
           </a:solidFill>
@@ -3115,16 +3614,17 @@
           <a:cs typeface="+mn-cs"/>
         </a:defRPr>
       </a:lvl1pPr>
-      <a:lvl2pPr marL="685800" indent="-228600" algn="l" defTabSz="914400" rtl="0" eaLnBrk="1" latinLnBrk="0" hangingPunct="1">
-        <a:lnSpc>
-          <a:spcPct val="90000"/>
-        </a:lnSpc>
+      <a:lvl2pPr marL="640080" indent="-246888" algn="l" rtl="0" eaLnBrk="1" latinLnBrk="0" hangingPunct="1">
         <a:spcBef>
-          <a:spcPts val="500"/>
+          <a:spcPct val="20000"/>
         </a:spcBef>
-        <a:buFont typeface="Arial" panose="020B0604020202020204" pitchFamily="34" charset="0"/>
-        <a:buChar char="•"/>
-        <a:defRPr sz="2400" kern="1200">
+        <a:buClr>
+          <a:schemeClr val="accent1"/>
+        </a:buClr>
+        <a:buSzPct val="85000"/>
+        <a:buFont typeface="Wingdings 2"/>
+        <a:buChar char=""/>
+        <a:defRPr kumimoji="0" sz="2400" kern="1200">
           <a:solidFill>
             <a:schemeClr val="tx1"/>
           </a:solidFill>
@@ -3133,16 +3633,17 @@
           <a:cs typeface="+mn-cs"/>
         </a:defRPr>
       </a:lvl2pPr>
-      <a:lvl3pPr marL="1143000" indent="-228600" algn="l" defTabSz="914400" rtl="0" eaLnBrk="1" latinLnBrk="0" hangingPunct="1">
-        <a:lnSpc>
-          <a:spcPct val="90000"/>
-        </a:lnSpc>
+      <a:lvl3pPr marL="914400" indent="-246888" algn="l" rtl="0" eaLnBrk="1" latinLnBrk="0" hangingPunct="1">
         <a:spcBef>
-          <a:spcPts val="500"/>
+          <a:spcPct val="20000"/>
         </a:spcBef>
-        <a:buFont typeface="Arial" panose="020B0604020202020204" pitchFamily="34" charset="0"/>
-        <a:buChar char="•"/>
-        <a:defRPr sz="2000" kern="1200">
+        <a:buClr>
+          <a:schemeClr val="accent2"/>
+        </a:buClr>
+        <a:buSzPct val="70000"/>
+        <a:buFont typeface="Wingdings 2"/>
+        <a:buChar char=""/>
+        <a:defRPr kumimoji="0" sz="2100" kern="1200">
           <a:solidFill>
             <a:schemeClr val="tx1"/>
           </a:solidFill>
@@ -3151,16 +3652,17 @@
           <a:cs typeface="+mn-cs"/>
         </a:defRPr>
       </a:lvl3pPr>
-      <a:lvl4pPr marL="1600200" indent="-228600" algn="l" defTabSz="914400" rtl="0" eaLnBrk="1" latinLnBrk="0" hangingPunct="1">
-        <a:lnSpc>
-          <a:spcPct val="90000"/>
-        </a:lnSpc>
+      <a:lvl4pPr marL="1188720" indent="-210312" algn="l" rtl="0" eaLnBrk="1" latinLnBrk="0" hangingPunct="1">
         <a:spcBef>
-          <a:spcPts val="500"/>
+          <a:spcPct val="20000"/>
         </a:spcBef>
-        <a:buFont typeface="Arial" panose="020B0604020202020204" pitchFamily="34" charset="0"/>
-        <a:buChar char="•"/>
-        <a:defRPr sz="1800" kern="1200">
+        <a:buClr>
+          <a:schemeClr val="accent3"/>
+        </a:buClr>
+        <a:buSzPct val="65000"/>
+        <a:buFont typeface="Wingdings 2"/>
+        <a:buChar char=""/>
+        <a:defRPr kumimoji="0" sz="2000" kern="1200">
           <a:solidFill>
             <a:schemeClr val="tx1"/>
           </a:solidFill>
@@ -3169,16 +3671,17 @@
           <a:cs typeface="+mn-cs"/>
         </a:defRPr>
       </a:lvl4pPr>
-      <a:lvl5pPr marL="2057400" indent="-228600" algn="l" defTabSz="914400" rtl="0" eaLnBrk="1" latinLnBrk="0" hangingPunct="1">
-        <a:lnSpc>
-          <a:spcPct val="90000"/>
-        </a:lnSpc>
+      <a:lvl5pPr marL="1463040" indent="-210312" algn="l" rtl="0" eaLnBrk="1" latinLnBrk="0" hangingPunct="1">
         <a:spcBef>
-          <a:spcPts val="500"/>
+          <a:spcPct val="20000"/>
         </a:spcBef>
-        <a:buFont typeface="Arial" panose="020B0604020202020204" pitchFamily="34" charset="0"/>
-        <a:buChar char="•"/>
-        <a:defRPr sz="1800" kern="1200">
+        <a:buClr>
+          <a:schemeClr val="accent4"/>
+        </a:buClr>
+        <a:buSzPct val="65000"/>
+        <a:buFont typeface="Wingdings 2"/>
+        <a:buChar char=""/>
+        <a:defRPr kumimoji="0" sz="2000" kern="1200">
           <a:solidFill>
             <a:schemeClr val="tx1"/>
           </a:solidFill>
@@ -3187,16 +3690,17 @@
           <a:cs typeface="+mn-cs"/>
         </a:defRPr>
       </a:lvl5pPr>
-      <a:lvl6pPr marL="2514600" indent="-228600" algn="l" defTabSz="914400" rtl="0" eaLnBrk="1" latinLnBrk="0" hangingPunct="1">
-        <a:lnSpc>
-          <a:spcPct val="90000"/>
-        </a:lnSpc>
+      <a:lvl6pPr marL="1737360" indent="-210312" algn="l" rtl="0" eaLnBrk="1" latinLnBrk="0" hangingPunct="1">
         <a:spcBef>
-          <a:spcPts val="500"/>
+          <a:spcPct val="20000"/>
         </a:spcBef>
-        <a:buFont typeface="Arial" panose="020B0604020202020204" pitchFamily="34" charset="0"/>
-        <a:buChar char="•"/>
-        <a:defRPr sz="1800" kern="1200">
+        <a:buClr>
+          <a:schemeClr val="accent5"/>
+        </a:buClr>
+        <a:buSzPct val="80000"/>
+        <a:buFont typeface="Wingdings 2"/>
+        <a:buChar char=""/>
+        <a:defRPr kumimoji="0" sz="1800" kern="1200">
           <a:solidFill>
             <a:schemeClr val="tx1"/>
           </a:solidFill>
@@ -3205,16 +3709,17 @@
           <a:cs typeface="+mn-cs"/>
         </a:defRPr>
       </a:lvl6pPr>
-      <a:lvl7pPr marL="2971800" indent="-228600" algn="l" defTabSz="914400" rtl="0" eaLnBrk="1" latinLnBrk="0" hangingPunct="1">
-        <a:lnSpc>
-          <a:spcPct val="90000"/>
-        </a:lnSpc>
+      <a:lvl7pPr marL="1920240" indent="-182880" algn="l" rtl="0" eaLnBrk="1" latinLnBrk="0" hangingPunct="1">
         <a:spcBef>
-          <a:spcPts val="500"/>
+          <a:spcPct val="20000"/>
         </a:spcBef>
-        <a:buFont typeface="Arial" panose="020B0604020202020204" pitchFamily="34" charset="0"/>
-        <a:buChar char="•"/>
-        <a:defRPr sz="1800" kern="1200">
+        <a:buClr>
+          <a:schemeClr val="accent6"/>
+        </a:buClr>
+        <a:buSzPct val="80000"/>
+        <a:buFont typeface="Wingdings 2"/>
+        <a:buChar char=""/>
+        <a:defRPr kumimoji="0" sz="1600" kern="1200" baseline="0">
           <a:solidFill>
             <a:schemeClr val="tx1"/>
           </a:solidFill>
@@ -3223,16 +3728,15 @@
           <a:cs typeface="+mn-cs"/>
         </a:defRPr>
       </a:lvl7pPr>
-      <a:lvl8pPr marL="3429000" indent="-228600" algn="l" defTabSz="914400" rtl="0" eaLnBrk="1" latinLnBrk="0" hangingPunct="1">
-        <a:lnSpc>
-          <a:spcPct val="90000"/>
-        </a:lnSpc>
+      <a:lvl8pPr marL="2194560" indent="-182880" algn="l" rtl="0" eaLnBrk="1" latinLnBrk="0" hangingPunct="1">
         <a:spcBef>
-          <a:spcPts val="500"/>
+          <a:spcPct val="20000"/>
         </a:spcBef>
-        <a:buFont typeface="Arial" panose="020B0604020202020204" pitchFamily="34" charset="0"/>
+        <a:buClr>
+          <a:schemeClr val="tx2"/>
+        </a:buClr>
         <a:buChar char="•"/>
-        <a:defRPr sz="1800" kern="1200">
+        <a:defRPr kumimoji="0" sz="1600" kern="1200">
           <a:solidFill>
             <a:schemeClr val="tx1"/>
           </a:solidFill>
@@ -3241,16 +3745,16 @@
           <a:cs typeface="+mn-cs"/>
         </a:defRPr>
       </a:lvl8pPr>
-      <a:lvl9pPr marL="3886200" indent="-228600" algn="l" defTabSz="914400" rtl="0" eaLnBrk="1" latinLnBrk="0" hangingPunct="1">
-        <a:lnSpc>
-          <a:spcPct val="90000"/>
-        </a:lnSpc>
+      <a:lvl9pPr marL="2468880" indent="-182880" algn="l" rtl="0" eaLnBrk="1" latinLnBrk="0" hangingPunct="1">
         <a:spcBef>
-          <a:spcPts val="500"/>
+          <a:spcPct val="20000"/>
         </a:spcBef>
-        <a:buFont typeface="Arial" panose="020B0604020202020204" pitchFamily="34" charset="0"/>
+        <a:buClr>
+          <a:schemeClr val="tx2"/>
+        </a:buClr>
+        <a:buFontTx/>
         <a:buChar char="•"/>
-        <a:defRPr sz="1800" kern="1200">
+        <a:defRPr kumimoji="0" sz="1400" kern="1200" baseline="0">
           <a:solidFill>
             <a:schemeClr val="tx1"/>
           </a:solidFill>
@@ -3261,11 +3765,8 @@
       </a:lvl9pPr>
     </p:bodyStyle>
     <p:otherStyle>
-      <a:defPPr>
-        <a:defRPr lang="en-US"/>
-      </a:defPPr>
-      <a:lvl1pPr marL="0" algn="l" defTabSz="914400" rtl="0" eaLnBrk="1" latinLnBrk="0" hangingPunct="1">
-        <a:defRPr sz="1800" kern="1200">
+      <a:lvl1pPr marL="0" algn="l" rtl="0" eaLnBrk="1" latinLnBrk="0" hangingPunct="1">
+        <a:defRPr kumimoji="0" kern="1200">
           <a:solidFill>
             <a:schemeClr val="tx1"/>
           </a:solidFill>
@@ -3274,8 +3775,8 @@
           <a:cs typeface="+mn-cs"/>
         </a:defRPr>
       </a:lvl1pPr>
-      <a:lvl2pPr marL="457200" algn="l" defTabSz="914400" rtl="0" eaLnBrk="1" latinLnBrk="0" hangingPunct="1">
-        <a:defRPr sz="1800" kern="1200">
+      <a:lvl2pPr marL="457200" algn="l" rtl="0" eaLnBrk="1" latinLnBrk="0" hangingPunct="1">
+        <a:defRPr kumimoji="0" kern="1200">
           <a:solidFill>
             <a:schemeClr val="tx1"/>
           </a:solidFill>
@@ -3284,8 +3785,8 @@
           <a:cs typeface="+mn-cs"/>
         </a:defRPr>
       </a:lvl2pPr>
-      <a:lvl3pPr marL="914400" algn="l" defTabSz="914400" rtl="0" eaLnBrk="1" latinLnBrk="0" hangingPunct="1">
-        <a:defRPr sz="1800" kern="1200">
+      <a:lvl3pPr marL="914400" algn="l" rtl="0" eaLnBrk="1" latinLnBrk="0" hangingPunct="1">
+        <a:defRPr kumimoji="0" kern="1200">
           <a:solidFill>
             <a:schemeClr val="tx1"/>
           </a:solidFill>
@@ -3294,8 +3795,8 @@
           <a:cs typeface="+mn-cs"/>
         </a:defRPr>
       </a:lvl3pPr>
-      <a:lvl4pPr marL="1371600" algn="l" defTabSz="914400" rtl="0" eaLnBrk="1" latinLnBrk="0" hangingPunct="1">
-        <a:defRPr sz="1800" kern="1200">
+      <a:lvl4pPr marL="1371600" algn="l" rtl="0" eaLnBrk="1" latinLnBrk="0" hangingPunct="1">
+        <a:defRPr kumimoji="0" kern="1200">
           <a:solidFill>
             <a:schemeClr val="tx1"/>
           </a:solidFill>
@@ -3304,8 +3805,8 @@
           <a:cs typeface="+mn-cs"/>
         </a:defRPr>
       </a:lvl4pPr>
-      <a:lvl5pPr marL="1828800" algn="l" defTabSz="914400" rtl="0" eaLnBrk="1" latinLnBrk="0" hangingPunct="1">
-        <a:defRPr sz="1800" kern="1200">
+      <a:lvl5pPr marL="1828800" algn="l" rtl="0" eaLnBrk="1" latinLnBrk="0" hangingPunct="1">
+        <a:defRPr kumimoji="0" kern="1200">
           <a:solidFill>
             <a:schemeClr val="tx1"/>
           </a:solidFill>
@@ -3314,8 +3815,8 @@
           <a:cs typeface="+mn-cs"/>
         </a:defRPr>
       </a:lvl5pPr>
-      <a:lvl6pPr marL="2286000" algn="l" defTabSz="914400" rtl="0" eaLnBrk="1" latinLnBrk="0" hangingPunct="1">
-        <a:defRPr sz="1800" kern="1200">
+      <a:lvl6pPr marL="2286000" algn="l" rtl="0" eaLnBrk="1" latinLnBrk="0" hangingPunct="1">
+        <a:defRPr kumimoji="0" kern="1200">
           <a:solidFill>
             <a:schemeClr val="tx1"/>
           </a:solidFill>
@@ -3324,8 +3825,8 @@
           <a:cs typeface="+mn-cs"/>
         </a:defRPr>
       </a:lvl6pPr>
-      <a:lvl7pPr marL="2743200" algn="l" defTabSz="914400" rtl="0" eaLnBrk="1" latinLnBrk="0" hangingPunct="1">
-        <a:defRPr sz="1800" kern="1200">
+      <a:lvl7pPr marL="2743200" algn="l" rtl="0" eaLnBrk="1" latinLnBrk="0" hangingPunct="1">
+        <a:defRPr kumimoji="0" kern="1200">
           <a:solidFill>
             <a:schemeClr val="tx1"/>
           </a:solidFill>
@@ -3334,8 +3835,8 @@
           <a:cs typeface="+mn-cs"/>
         </a:defRPr>
       </a:lvl7pPr>
-      <a:lvl8pPr marL="3200400" algn="l" defTabSz="914400" rtl="0" eaLnBrk="1" latinLnBrk="0" hangingPunct="1">
-        <a:defRPr sz="1800" kern="1200">
+      <a:lvl8pPr marL="3200400" algn="l" rtl="0" eaLnBrk="1" latinLnBrk="0" hangingPunct="1">
+        <a:defRPr kumimoji="0" kern="1200">
           <a:solidFill>
             <a:schemeClr val="tx1"/>
           </a:solidFill>
@@ -3344,8 +3845,8 @@
           <a:cs typeface="+mn-cs"/>
         </a:defRPr>
       </a:lvl8pPr>
-      <a:lvl9pPr marL="3657600" algn="l" defTabSz="914400" rtl="0" eaLnBrk="1" latinLnBrk="0" hangingPunct="1">
-        <a:defRPr sz="1800" kern="1200">
+      <a:lvl9pPr marL="3657600" algn="l" rtl="0" eaLnBrk="1" latinLnBrk="0" hangingPunct="1">
+        <a:defRPr kumimoji="0" kern="1200">
           <a:solidFill>
             <a:schemeClr val="tx1"/>
           </a:solidFill>
@@ -3429,7 +3930,11 @@
           <a:bodyPr/>
           <a:lstStyle/>
           <a:p>
-            <a:endParaRPr lang="en-GB"/>
+            <a:r>
+              <a:rPr lang="en-GB" dirty="0" smtClean="0"/>
+              <a:t>Deep dive</a:t>
+            </a:r>
+            <a:endParaRPr lang="en-GB" dirty="0"/>
           </a:p>
         </p:txBody>
       </p:sp>
@@ -3511,7 +4016,7 @@
         <p:spPr/>
         <p:txBody>
           <a:bodyPr>
-            <a:normAutofit fontScale="62500" lnSpcReduction="20000"/>
+            <a:normAutofit fontScale="85000" lnSpcReduction="20000"/>
           </a:bodyPr>
           <a:lstStyle/>
           <a:p>
@@ -4085,7 +4590,7 @@
         <p:spPr/>
         <p:txBody>
           <a:bodyPr>
-            <a:normAutofit lnSpcReduction="10000"/>
+            <a:normAutofit/>
           </a:bodyPr>
           <a:lstStyle/>
           <a:p>
@@ -4317,7 +4822,7 @@
         <p:spPr/>
         <p:txBody>
           <a:bodyPr>
-            <a:normAutofit fontScale="85000" lnSpcReduction="20000"/>
+            <a:normAutofit fontScale="92500" lnSpcReduction="20000"/>
           </a:bodyPr>
           <a:lstStyle/>
           <a:p>
@@ -4610,7 +5115,7 @@
         <p:spPr/>
         <p:txBody>
           <a:bodyPr>
-            <a:normAutofit fontScale="92500" lnSpcReduction="20000"/>
+            <a:normAutofit fontScale="92500" lnSpcReduction="10000"/>
           </a:bodyPr>
           <a:lstStyle/>
           <a:p>
@@ -5636,7 +6141,15 @@
             </a:r>
             <a:r>
               <a:rPr lang="en-GB" dirty="0" smtClean="0"/>
-              <a:t>, status : = m[“S1”] // status indicating that key exists/not exists</a:t>
+              <a:t>, status : = m[“S1”] // status indicating </a:t>
+            </a:r>
+            <a:r>
+              <a:rPr lang="en-GB" dirty="0" smtClean="0"/>
+              <a:t>that the </a:t>
+            </a:r>
+            <a:r>
+              <a:rPr lang="en-GB" dirty="0" smtClean="0"/>
+              <a:t>key exists/not exists</a:t>
             </a:r>
             <a:endParaRPr lang="en-GB" dirty="0"/>
           </a:p>
@@ -5720,7 +6233,7 @@
         <p:spPr/>
         <p:txBody>
           <a:bodyPr>
-            <a:normAutofit fontScale="92500" lnSpcReduction="20000"/>
+            <a:normAutofit fontScale="92500" lnSpcReduction="10000"/>
           </a:bodyPr>
           <a:lstStyle/>
           <a:p>
@@ -6090,9 +6603,32 @@
             </a:r>
             <a:r>
               <a:rPr lang="en-US" dirty="0"/>
-              <a:t> technologies. It is a global collaboration including leaders in finance, banking, Internet of Things, supply chains, manufacturing and Technology. </a:t>
-            </a:r>
-            <a:endParaRPr lang="en-US" dirty="0" smtClean="0"/>
+              <a:t> technologies</a:t>
+            </a:r>
+            <a:r>
+              <a:rPr lang="en-US" dirty="0" smtClean="0"/>
+              <a:t>.</a:t>
+            </a:r>
+          </a:p>
+          <a:p>
+            <a:r>
+              <a:rPr lang="en-US" dirty="0" smtClean="0"/>
+              <a:t>It involves leader companies from finance, technology, internet of things</a:t>
+            </a:r>
+          </a:p>
+          <a:p>
+            <a:r>
+              <a:rPr lang="en-US" dirty="0" smtClean="0"/>
+              <a:t>It is called “</a:t>
+            </a:r>
+            <a:r>
+              <a:rPr lang="en-US" dirty="0" err="1" smtClean="0"/>
+              <a:t>Blockchain</a:t>
+            </a:r>
+            <a:r>
+              <a:rPr lang="en-US" dirty="0" smtClean="0"/>
+              <a:t> for business”</a:t>
+            </a:r>
           </a:p>
           <a:p>
             <a:r>
@@ -6119,8 +6655,27 @@
           <a:p>
             <a:r>
               <a:rPr lang="en-US" dirty="0" smtClean="0"/>
-              <a:t>Many frameworks</a:t>
-            </a:r>
+              <a:t>Many tools (</a:t>
+            </a:r>
+            <a:r>
+              <a:rPr lang="en-US" dirty="0" err="1" smtClean="0"/>
+              <a:t>Iroha</a:t>
+            </a:r>
+            <a:r>
+              <a:rPr lang="en-US" dirty="0" smtClean="0"/>
+              <a:t>, </a:t>
+            </a:r>
+            <a:r>
+              <a:rPr lang="en-US" dirty="0" err="1" smtClean="0"/>
+              <a:t>Sawtooth</a:t>
+            </a:r>
+            <a:r>
+              <a:rPr lang="en-US" dirty="0" smtClean="0"/>
+              <a:t>, Burrow, Fabric) and frameworks like Composer</a:t>
+            </a:r>
+          </a:p>
+          <a:p>
+            <a:endParaRPr lang="en-US" dirty="0" smtClean="0"/>
           </a:p>
         </p:txBody>
       </p:sp>
@@ -6210,7 +6765,15 @@
           <a:p>
             <a:r>
               <a:rPr lang="en-US" dirty="0"/>
-              <a:t>Java Code						Go code</a:t>
+              <a:t>Java </a:t>
+            </a:r>
+            <a:r>
+              <a:rPr lang="en-US" dirty="0" smtClean="0"/>
+              <a:t>code</a:t>
+            </a:r>
+            <a:r>
+              <a:rPr lang="en-US" dirty="0"/>
+              <a:t>						Go code</a:t>
             </a:r>
             <a:endParaRPr lang="en-GB" dirty="0"/>
           </a:p>
@@ -6251,7 +6814,7 @@
           <p:cNvPr id="2" name="Title 1">
             <a:extLst>
               <a:ext uri="{FF2B5EF4-FFF2-40B4-BE49-F238E27FC236}">
-                <a16:creationId xmlns="" xmlns:a16="http://schemas.microsoft.com/office/drawing/2014/main" id="{B6E4590F-1864-4860-85BA-4FB0338C1963}"/>
+                <a16:creationId xmlns="" xmlns:a16="http://schemas.microsoft.com/office/drawing/2014/main" id="{419D9084-0683-41C8-B5C3-2259BF45DC3A}"/>
               </a:ext>
             </a:extLst>
           </p:cNvPr>
@@ -6267,7 +6830,11 @@
           <a:bodyPr/>
           <a:lstStyle/>
           <a:p>
-            <a:endParaRPr lang="en-GB"/>
+            <a:r>
+              <a:rPr lang="en-US" dirty="0"/>
+              <a:t>Hyperledger Fabric and Go</a:t>
+            </a:r>
+            <a:endParaRPr lang="en-GB" dirty="0"/>
           </a:p>
         </p:txBody>
       </p:sp>
@@ -6276,7 +6843,7 @@
           <p:cNvPr id="3" name="Content Placeholder 2">
             <a:extLst>
               <a:ext uri="{FF2B5EF4-FFF2-40B4-BE49-F238E27FC236}">
-                <a16:creationId xmlns="" xmlns:a16="http://schemas.microsoft.com/office/drawing/2014/main" id="{03449760-11A9-46F3-8E8E-2677FDABC07E}"/>
+                <a16:creationId xmlns="" xmlns:a16="http://schemas.microsoft.com/office/drawing/2014/main" id="{F4C1B49C-12FD-4102-94D2-D2F3B1111108}"/>
               </a:ext>
             </a:extLst>
           </p:cNvPr>
@@ -6292,14 +6859,95 @@
           <a:bodyPr/>
           <a:lstStyle/>
           <a:p>
-            <a:endParaRPr lang="en-GB"/>
+            <a:r>
+              <a:rPr lang="en-GB" dirty="0" smtClean="0"/>
+              <a:t>Using Shim package to access </a:t>
+            </a:r>
+            <a:r>
+              <a:rPr lang="en-GB" dirty="0" err="1" smtClean="0"/>
+              <a:t>blockchain</a:t>
+            </a:r>
+            <a:r>
+              <a:rPr lang="en-GB" dirty="0" smtClean="0"/>
+              <a:t> data</a:t>
+            </a:r>
+          </a:p>
+          <a:p>
+            <a:pPr lvl="1"/>
+            <a:r>
+              <a:rPr lang="en-GB" dirty="0" smtClean="0"/>
+              <a:t>Write into the ledger</a:t>
+            </a:r>
+          </a:p>
+          <a:p>
+            <a:pPr lvl="1"/>
+            <a:r>
+              <a:rPr lang="en-GB" dirty="0" smtClean="0"/>
+              <a:t>Read from the ledger</a:t>
+            </a:r>
+          </a:p>
+          <a:p>
+            <a:pPr lvl="1"/>
+            <a:endParaRPr lang="en-GB" dirty="0" smtClean="0">
+              <a:hlinkClick r:id="rId2"/>
+            </a:endParaRPr>
+          </a:p>
+          <a:p>
+            <a:r>
+              <a:rPr lang="en-GB" dirty="0"/>
+              <a:t>Full </a:t>
+            </a:r>
+            <a:r>
+              <a:rPr lang="en-GB" dirty="0" smtClean="0"/>
+              <a:t>documentation</a:t>
+            </a:r>
+            <a:endParaRPr lang="en-GB" dirty="0" smtClean="0">
+              <a:hlinkClick r:id="rId2"/>
+            </a:endParaRPr>
+          </a:p>
+          <a:p>
+            <a:pPr lvl="1"/>
+            <a:r>
+              <a:rPr lang="en-GB" dirty="0" smtClean="0">
+                <a:hlinkClick r:id="rId2"/>
+              </a:rPr>
+              <a:t>https</a:t>
+            </a:r>
+            <a:r>
+              <a:rPr lang="en-GB" dirty="0">
+                <a:hlinkClick r:id="rId2"/>
+              </a:rPr>
+              <a:t>://</a:t>
+            </a:r>
+            <a:r>
+              <a:rPr lang="en-GB" dirty="0" smtClean="0">
+                <a:hlinkClick r:id="rId2"/>
+              </a:rPr>
+              <a:t>godoc.org/github.com/hyperledger/fabric/core/chaincode/shim</a:t>
+            </a:r>
+            <a:endParaRPr lang="en-GB" dirty="0" smtClean="0"/>
+          </a:p>
+          <a:p>
+            <a:pPr marL="393192" lvl="1" indent="0">
+              <a:buNone/>
+            </a:pPr>
+            <a:endParaRPr lang="en-GB" dirty="0" smtClean="0"/>
+          </a:p>
+          <a:p>
+            <a:pPr marL="393192" lvl="1" indent="0">
+              <a:buNone/>
+            </a:pPr>
+            <a:endParaRPr lang="en-GB" dirty="0"/>
+          </a:p>
+          <a:p>
+            <a:endParaRPr lang="en-GB" dirty="0"/>
           </a:p>
         </p:txBody>
       </p:sp>
     </p:spTree>
     <p:extLst>
       <p:ext uri="{BB962C8B-B14F-4D97-AF65-F5344CB8AC3E}">
-        <p14:creationId xmlns:p14="http://schemas.microsoft.com/office/powerpoint/2010/main" val="531566794"/>
+        <p14:creationId xmlns:p14="http://schemas.microsoft.com/office/powerpoint/2010/main" val="3301732613"/>
       </p:ext>
     </p:extLst>
   </p:cSld>
@@ -6331,7 +6979,7 @@
           <p:cNvPr id="2" name="Title 1">
             <a:extLst>
               <a:ext uri="{FF2B5EF4-FFF2-40B4-BE49-F238E27FC236}">
-                <a16:creationId xmlns="" xmlns:a16="http://schemas.microsoft.com/office/drawing/2014/main" id="{419D9084-0683-41C8-B5C3-2259BF45DC3A}"/>
+                <a16:creationId xmlns="" xmlns:a16="http://schemas.microsoft.com/office/drawing/2014/main" id="{54D9D846-DFBD-4416-BE78-353D0BAC3663}"/>
               </a:ext>
             </a:extLst>
           </p:cNvPr>
@@ -6348,8 +6996,8 @@
           <a:lstStyle/>
           <a:p>
             <a:r>
-              <a:rPr lang="en-US" dirty="0"/>
-              <a:t>Hyperledger Fabric and Go</a:t>
+              <a:rPr lang="en-GB" dirty="0" smtClean="0"/>
+              <a:t>Working with ledger</a:t>
             </a:r>
             <a:endParaRPr lang="en-GB" dirty="0"/>
           </a:p>
@@ -6360,7 +7008,7 @@
           <p:cNvPr id="3" name="Content Placeholder 2">
             <a:extLst>
               <a:ext uri="{FF2B5EF4-FFF2-40B4-BE49-F238E27FC236}">
-                <a16:creationId xmlns="" xmlns:a16="http://schemas.microsoft.com/office/drawing/2014/main" id="{F4C1B49C-12FD-4102-94D2-D2F3B1111108}"/>
+                <a16:creationId xmlns="" xmlns:a16="http://schemas.microsoft.com/office/drawing/2014/main" id="{36F30A2B-D7B1-4241-84FC-20BD41987C53}"/>
               </a:ext>
             </a:extLst>
           </p:cNvPr>
@@ -6376,6 +7024,87 @@
           <a:bodyPr/>
           <a:lstStyle/>
           <a:p>
+            <a:r>
+              <a:rPr lang="en-US" dirty="0" err="1" smtClean="0"/>
+              <a:t>GetState</a:t>
+            </a:r>
+            <a:r>
+              <a:rPr lang="en-US" dirty="0" smtClean="0"/>
+              <a:t>		// get asset value from the Fabric World State</a:t>
+            </a:r>
+            <a:endParaRPr lang="en-US" dirty="0"/>
+          </a:p>
+          <a:p>
+            <a:r>
+              <a:rPr lang="en-US" dirty="0" err="1" smtClean="0"/>
+              <a:t>PutState</a:t>
+            </a:r>
+            <a:r>
+              <a:rPr lang="en-US" dirty="0" smtClean="0"/>
+              <a:t>		// put asset value in the Fabric World State</a:t>
+            </a:r>
+            <a:endParaRPr lang="en-US" dirty="0"/>
+          </a:p>
+          <a:p>
+            <a:r>
+              <a:rPr lang="en-US" dirty="0" err="1" smtClean="0"/>
+              <a:t>GetHistoryForKey</a:t>
+            </a:r>
+            <a:r>
+              <a:rPr lang="en-US" dirty="0" smtClean="0"/>
+              <a:t> // query ledger to see all transactions for a certain 				//asset</a:t>
+            </a:r>
+            <a:endParaRPr lang="en-US" dirty="0"/>
+          </a:p>
+          <a:p>
+            <a:r>
+              <a:rPr lang="en-US" dirty="0" err="1" smtClean="0"/>
+              <a:t>DelState</a:t>
+            </a:r>
+            <a:r>
+              <a:rPr lang="en-US" dirty="0" smtClean="0"/>
+              <a:t>		// put special “deleted” flag in a World State for a 				//certain asset</a:t>
+            </a:r>
+            <a:endParaRPr lang="en-US" dirty="0"/>
+          </a:p>
+          <a:p>
+            <a:r>
+              <a:rPr lang="en-US" dirty="0" err="1" smtClean="0"/>
+              <a:t>GetQueryResult</a:t>
+            </a:r>
+            <a:r>
+              <a:rPr lang="en-US" dirty="0" smtClean="0"/>
+              <a:t>	//get iterator for the query result</a:t>
+            </a:r>
+            <a:endParaRPr lang="en-US" dirty="0"/>
+          </a:p>
+          <a:p>
+            <a:r>
+              <a:rPr lang="en-US" dirty="0" err="1" smtClean="0"/>
+              <a:t>GetStateByRange</a:t>
+            </a:r>
+            <a:r>
+              <a:rPr lang="en-US" dirty="0"/>
+              <a:t> </a:t>
+            </a:r>
+            <a:r>
+              <a:rPr lang="en-US" dirty="0" smtClean="0"/>
+              <a:t>//get iterator </a:t>
+            </a:r>
+            <a:r>
+              <a:rPr lang="en-US" dirty="0"/>
+              <a:t>for the query </a:t>
+            </a:r>
+            <a:r>
+              <a:rPr lang="en-US" dirty="0" smtClean="0"/>
+              <a:t>result where the key is in 			//specified range</a:t>
+            </a:r>
+            <a:endParaRPr lang="en-US" dirty="0"/>
+          </a:p>
+          <a:p>
+            <a:pPr marL="0" indent="0">
+              <a:buNone/>
+            </a:pPr>
             <a:endParaRPr lang="en-GB" dirty="0"/>
           </a:p>
         </p:txBody>
@@ -6383,7 +7112,7 @@
     </p:spTree>
     <p:extLst>
       <p:ext uri="{BB962C8B-B14F-4D97-AF65-F5344CB8AC3E}">
-        <p14:creationId xmlns:p14="http://schemas.microsoft.com/office/powerpoint/2010/main" val="3301732613"/>
+        <p14:creationId xmlns:p14="http://schemas.microsoft.com/office/powerpoint/2010/main" val="2098541625"/>
       </p:ext>
     </p:extLst>
   </p:cSld>
@@ -6415,7 +7144,7 @@
           <p:cNvPr id="2" name="Title 1">
             <a:extLst>
               <a:ext uri="{FF2B5EF4-FFF2-40B4-BE49-F238E27FC236}">
-                <a16:creationId xmlns="" xmlns:a16="http://schemas.microsoft.com/office/drawing/2014/main" id="{B20E21D5-2610-4C23-88C2-45E755781520}"/>
+                <a16:creationId xmlns="" xmlns:a16="http://schemas.microsoft.com/office/drawing/2014/main" id="{641DFEF8-E268-47F9-88FF-B15DCAD0EB07}"/>
               </a:ext>
             </a:extLst>
           </p:cNvPr>
@@ -6432,8 +7161,8 @@
           <a:lstStyle/>
           <a:p>
             <a:r>
-              <a:rPr lang="en-US" dirty="0"/>
-              <a:t>Go – Shim Package</a:t>
+              <a:rPr lang="en-GB" dirty="0"/>
+              <a:t>Working with ledger</a:t>
             </a:r>
             <a:endParaRPr lang="en-GB" dirty="0"/>
           </a:p>
@@ -6444,7 +7173,7 @@
           <p:cNvPr id="3" name="Content Placeholder 2">
             <a:extLst>
               <a:ext uri="{FF2B5EF4-FFF2-40B4-BE49-F238E27FC236}">
-                <a16:creationId xmlns="" xmlns:a16="http://schemas.microsoft.com/office/drawing/2014/main" id="{BF155178-4B85-45EC-84FD-DC2E490DDC37}"/>
+                <a16:creationId xmlns="" xmlns:a16="http://schemas.microsoft.com/office/drawing/2014/main" id="{DE900F6E-1830-4D6C-BAD7-B5184B78F5A8}"/>
               </a:ext>
             </a:extLst>
           </p:cNvPr>
@@ -6461,14 +7190,137 @@
           <a:lstStyle/>
           <a:p>
             <a:r>
-              <a:rPr lang="en-GB" dirty="0">
-                <a:hlinkClick r:id="rId2"/>
-              </a:rPr>
-              <a:t>https://godoc.org/github.com/hyperledger/fabric/core/chaincode/shim</a:t>
-            </a:r>
-            <a:endParaRPr lang="en-GB" dirty="0"/>
-          </a:p>
-          <a:p>
+              <a:rPr lang="en-US" dirty="0" err="1" smtClean="0"/>
+              <a:t>retVal</a:t>
+            </a:r>
+            <a:r>
+              <a:rPr lang="en-US" dirty="0" smtClean="0"/>
+              <a:t>, </a:t>
+            </a:r>
+            <a:r>
+              <a:rPr lang="en-US" dirty="0"/>
+              <a:t>err := </a:t>
+            </a:r>
+            <a:r>
+              <a:rPr lang="en-US" dirty="0" err="1" smtClean="0"/>
+              <a:t>APIstub.GetState</a:t>
+            </a:r>
+            <a:r>
+              <a:rPr lang="en-US" dirty="0" smtClean="0"/>
+              <a:t>(</a:t>
+            </a:r>
+            <a:r>
+              <a:rPr lang="en-US" dirty="0" err="1" smtClean="0"/>
+              <a:t>assetID</a:t>
+            </a:r>
+            <a:r>
+              <a:rPr lang="en-US" dirty="0" smtClean="0"/>
+              <a:t>)</a:t>
+            </a:r>
+          </a:p>
+          <a:p>
+            <a:pPr marL="457200" lvl="1" indent="0">
+              <a:buNone/>
+            </a:pPr>
+            <a:r>
+              <a:rPr lang="en-US" dirty="0" smtClean="0"/>
+              <a:t>	// </a:t>
+            </a:r>
+            <a:r>
+              <a:rPr lang="en-US" dirty="0" err="1" smtClean="0"/>
+              <a:t>retVal</a:t>
+            </a:r>
+            <a:r>
+              <a:rPr lang="en-US" dirty="0" smtClean="0"/>
+              <a:t> = value with the key “</a:t>
+            </a:r>
+            <a:r>
+              <a:rPr lang="en-US" dirty="0" err="1" smtClean="0"/>
+              <a:t>assetID</a:t>
+            </a:r>
+            <a:r>
+              <a:rPr lang="en-US" dirty="0" smtClean="0"/>
+              <a:t>”</a:t>
+            </a:r>
+          </a:p>
+          <a:p>
+            <a:pPr marL="457200" lvl="1" indent="0">
+              <a:buNone/>
+            </a:pPr>
+            <a:r>
+              <a:rPr lang="en-US" dirty="0" smtClean="0"/>
+              <a:t>	// if such </a:t>
+            </a:r>
+            <a:r>
+              <a:rPr lang="en-US" dirty="0" err="1" smtClean="0"/>
+              <a:t>assetID</a:t>
+            </a:r>
+            <a:r>
+              <a:rPr lang="en-US" dirty="0" smtClean="0"/>
+              <a:t> is found as a key in the world state</a:t>
+            </a:r>
+          </a:p>
+          <a:p>
+            <a:pPr lvl="1"/>
+            <a:endParaRPr lang="en-US" dirty="0"/>
+          </a:p>
+          <a:p>
+            <a:pPr lvl="1"/>
+            <a:endParaRPr lang="en-US" dirty="0" smtClean="0"/>
+          </a:p>
+          <a:p>
+            <a:r>
+              <a:rPr lang="en-US" dirty="0"/>
+              <a:t>err = </a:t>
+            </a:r>
+            <a:r>
+              <a:rPr lang="en-US" dirty="0" err="1" smtClean="0"/>
+              <a:t>APIstub.PutState</a:t>
+            </a:r>
+            <a:r>
+              <a:rPr lang="en-US" dirty="0" smtClean="0"/>
+              <a:t>(</a:t>
+            </a:r>
+            <a:r>
+              <a:rPr lang="en-US" dirty="0" err="1" smtClean="0"/>
+              <a:t>assetID</a:t>
+            </a:r>
+            <a:r>
+              <a:rPr lang="en-US" dirty="0" smtClean="0"/>
+              <a:t>, asset)</a:t>
+            </a:r>
+            <a:endParaRPr lang="en-US" dirty="0"/>
+          </a:p>
+          <a:p>
+            <a:pPr marL="0" indent="0">
+              <a:buNone/>
+            </a:pPr>
+            <a:r>
+              <a:rPr lang="en-US" dirty="0" smtClean="0"/>
+              <a:t>	//</a:t>
+            </a:r>
+            <a:r>
+              <a:rPr lang="en-US" dirty="0" err="1" smtClean="0"/>
+              <a:t>assetID</a:t>
+            </a:r>
+            <a:r>
+              <a:rPr lang="en-US" dirty="0" smtClean="0"/>
+              <a:t> is a key and asset represents the value which is stored 	//under the key “</a:t>
+            </a:r>
+            <a:r>
+              <a:rPr lang="en-US" dirty="0" err="1" smtClean="0"/>
+              <a:t>assetID</a:t>
+            </a:r>
+            <a:r>
+              <a:rPr lang="en-US" dirty="0" smtClean="0"/>
+              <a:t>”</a:t>
+            </a:r>
+            <a:endParaRPr lang="en-US" dirty="0"/>
+          </a:p>
+          <a:p>
+            <a:pPr marL="0" indent="0">
+              <a:buNone/>
+            </a:pPr>
             <a:endParaRPr lang="en-GB" dirty="0"/>
           </a:p>
         </p:txBody>
@@ -6476,7 +7328,7 @@
     </p:spTree>
     <p:extLst>
       <p:ext uri="{BB962C8B-B14F-4D97-AF65-F5344CB8AC3E}">
-        <p14:creationId xmlns:p14="http://schemas.microsoft.com/office/powerpoint/2010/main" val="3490167686"/>
+        <p14:creationId xmlns:p14="http://schemas.microsoft.com/office/powerpoint/2010/main" val="3810681381"/>
       </p:ext>
     </p:extLst>
   </p:cSld>
@@ -6508,7 +7360,7 @@
           <p:cNvPr id="2" name="Title 1">
             <a:extLst>
               <a:ext uri="{FF2B5EF4-FFF2-40B4-BE49-F238E27FC236}">
-                <a16:creationId xmlns="" xmlns:a16="http://schemas.microsoft.com/office/drawing/2014/main" id="{54D9D846-DFBD-4416-BE78-353D0BAC3663}"/>
+                <a16:creationId xmlns="" xmlns:a16="http://schemas.microsoft.com/office/drawing/2014/main" id="{2F2BD4F0-2806-4385-9B76-4E942B3DE19C}"/>
               </a:ext>
             </a:extLst>
           </p:cNvPr>
@@ -6525,7 +7377,7 @@
           <a:lstStyle/>
           <a:p>
             <a:r>
-              <a:rPr lang="en-GB" dirty="0" smtClean="0"/>
+              <a:rPr lang="en-GB" dirty="0"/>
               <a:t>Working with ledger</a:t>
             </a:r>
             <a:endParaRPr lang="en-GB" dirty="0"/>
@@ -6537,7 +7389,7 @@
           <p:cNvPr id="3" name="Content Placeholder 2">
             <a:extLst>
               <a:ext uri="{FF2B5EF4-FFF2-40B4-BE49-F238E27FC236}">
-                <a16:creationId xmlns="" xmlns:a16="http://schemas.microsoft.com/office/drawing/2014/main" id="{36F30A2B-D7B1-4241-84FC-20BD41987C53}"/>
+                <a16:creationId xmlns="" xmlns:a16="http://schemas.microsoft.com/office/drawing/2014/main" id="{AD74FB3E-1619-460D-B52B-27EFCFED9219}"/>
               </a:ext>
             </a:extLst>
           </p:cNvPr>
@@ -6553,95 +7405,107 @@
           <a:bodyPr/>
           <a:lstStyle/>
           <a:p>
+            <a:pPr marL="0" indent="0">
+              <a:buNone/>
+            </a:pPr>
+            <a:r>
+              <a:rPr lang="en-US" dirty="0" err="1"/>
+              <a:t>resultsIterator</a:t>
+            </a:r>
+            <a:r>
+              <a:rPr lang="en-US" dirty="0"/>
+              <a:t>, err := </a:t>
+            </a:r>
             <a:r>
               <a:rPr lang="en-US" dirty="0" err="1" smtClean="0"/>
-              <a:t>GetState</a:t>
-            </a:r>
-            <a:r>
-              <a:rPr lang="en-US" dirty="0" smtClean="0"/>
-              <a:t>		// get asset value from the Fabric World State</a:t>
+              <a:t>APIstub.GetHistoryForKey</a:t>
+            </a:r>
+            <a:r>
+              <a:rPr lang="en-US" dirty="0" smtClean="0"/>
+              <a:t>(</a:t>
+            </a:r>
+            <a:r>
+              <a:rPr lang="en-US" dirty="0" err="1" smtClean="0"/>
+              <a:t>assetID</a:t>
+            </a:r>
+            <a:r>
+              <a:rPr lang="en-US" dirty="0"/>
+              <a:t>)</a:t>
+            </a:r>
+          </a:p>
+          <a:p>
+            <a:pPr marL="0" indent="0">
+              <a:buNone/>
+            </a:pPr>
+            <a:r>
+              <a:rPr lang="en-US" dirty="0"/>
+              <a:t>for </a:t>
+            </a:r>
+            <a:r>
+              <a:rPr lang="en-US" dirty="0" err="1"/>
+              <a:t>resultsIterator.HasNext</a:t>
+            </a:r>
+            <a:r>
+              <a:rPr lang="en-US" dirty="0"/>
+              <a:t>() {</a:t>
+            </a:r>
+          </a:p>
+          <a:p>
+            <a:pPr marL="0" indent="0">
+              <a:buNone/>
+            </a:pPr>
+            <a:r>
+              <a:rPr lang="en-US" dirty="0"/>
+              <a:t>        response, err := </a:t>
+            </a:r>
+            <a:r>
+              <a:rPr lang="en-US" dirty="0" err="1"/>
+              <a:t>resultsIterator.Next</a:t>
+            </a:r>
+            <a:r>
+              <a:rPr lang="en-US" dirty="0" smtClean="0"/>
+              <a:t>()</a:t>
+            </a:r>
+          </a:p>
+          <a:p>
+            <a:pPr marL="0" indent="0">
+              <a:buNone/>
+            </a:pPr>
+            <a:r>
+              <a:rPr lang="en-US" dirty="0"/>
+              <a:t>	</a:t>
+            </a:r>
+            <a:r>
+              <a:rPr lang="en-US" dirty="0" smtClean="0"/>
+              <a:t>….</a:t>
+            </a:r>
+          </a:p>
+          <a:p>
+            <a:pPr marL="0" indent="0">
+              <a:buNone/>
+            </a:pPr>
+            <a:r>
+              <a:rPr lang="en-US" dirty="0"/>
+              <a:t>	</a:t>
+            </a:r>
+            <a:r>
+              <a:rPr lang="en-US" dirty="0" smtClean="0"/>
+              <a:t>…</a:t>
             </a:r>
             <a:endParaRPr lang="en-US" dirty="0"/>
           </a:p>
           <a:p>
-            <a:r>
-              <a:rPr lang="en-US" dirty="0" err="1" smtClean="0"/>
-              <a:t>PutState</a:t>
-            </a:r>
-            <a:r>
-              <a:rPr lang="en-US" dirty="0" smtClean="0"/>
-              <a:t>		// put asset value in the Fabric World State</a:t>
-            </a:r>
-            <a:endParaRPr lang="en-US" dirty="0"/>
-          </a:p>
-          <a:p>
-            <a:r>
-              <a:rPr lang="en-US" dirty="0" err="1" smtClean="0"/>
-              <a:t>GetHistoryForKey</a:t>
-            </a:r>
-            <a:r>
-              <a:rPr lang="en-US" dirty="0" smtClean="0"/>
-              <a:t> // query ledger to see all transactions for a certain 			//asset</a:t>
-            </a:r>
-            <a:endParaRPr lang="en-US" dirty="0"/>
-          </a:p>
-          <a:p>
-            <a:r>
-              <a:rPr lang="en-US" dirty="0" err="1" smtClean="0"/>
-              <a:t>DelState</a:t>
-            </a:r>
-            <a:r>
-              <a:rPr lang="en-US" dirty="0" smtClean="0"/>
-              <a:t>		// put special “deleted” flag in a World State for a 				//certain asset</a:t>
-            </a:r>
-            <a:endParaRPr lang="en-US" dirty="0"/>
-          </a:p>
-          <a:p>
-            <a:r>
-              <a:rPr lang="en-US" dirty="0" err="1" smtClean="0"/>
-              <a:t>GetQueryResult</a:t>
-            </a:r>
-            <a:r>
-              <a:rPr lang="en-US" dirty="0" smtClean="0"/>
-              <a:t>	//get iterator for the query result</a:t>
-            </a:r>
-            <a:endParaRPr lang="en-US" dirty="0"/>
-          </a:p>
-          <a:p>
-            <a:r>
-              <a:rPr lang="en-US" dirty="0" err="1" smtClean="0"/>
-              <a:t>GetStateByRange</a:t>
-            </a:r>
-            <a:r>
-              <a:rPr lang="en-US" dirty="0"/>
-              <a:t> </a:t>
-            </a:r>
-            <a:r>
-              <a:rPr lang="en-US" dirty="0" smtClean="0"/>
-              <a:t>//get </a:t>
-            </a:r>
-            <a:r>
-              <a:rPr lang="en-US" dirty="0"/>
-              <a:t>iterator for the query </a:t>
-            </a:r>
-            <a:r>
-              <a:rPr lang="en-US" dirty="0" smtClean="0"/>
-              <a:t>result where the key is in provided range</a:t>
-            </a:r>
-            <a:endParaRPr lang="en-US" dirty="0"/>
-          </a:p>
-          <a:p>
-            <a:pPr marL="0" indent="0">
-              <a:buNone/>
-            </a:pPr>
-            <a:endParaRPr lang="en-GB" dirty="0"/>
+            <a:pPr marL="457200" lvl="1" indent="0">
+              <a:buNone/>
+            </a:pPr>
+            <a:endParaRPr lang="en-US" dirty="0" smtClean="0"/>
           </a:p>
         </p:txBody>
       </p:sp>
     </p:spTree>
     <p:extLst>
       <p:ext uri="{BB962C8B-B14F-4D97-AF65-F5344CB8AC3E}">
-        <p14:creationId xmlns:p14="http://schemas.microsoft.com/office/powerpoint/2010/main" val="2098541625"/>
+        <p14:creationId xmlns:p14="http://schemas.microsoft.com/office/powerpoint/2010/main" val="3136563558"/>
       </p:ext>
     </p:extLst>
   </p:cSld>
@@ -6673,7 +7537,7 @@
           <p:cNvPr id="2" name="Title 1">
             <a:extLst>
               <a:ext uri="{FF2B5EF4-FFF2-40B4-BE49-F238E27FC236}">
-                <a16:creationId xmlns="" xmlns:a16="http://schemas.microsoft.com/office/drawing/2014/main" id="{641DFEF8-E268-47F9-88FF-B15DCAD0EB07}"/>
+                <a16:creationId xmlns="" xmlns:a16="http://schemas.microsoft.com/office/drawing/2014/main" id="{54A86B99-4E20-4519-A64E-83839B3674BC}"/>
               </a:ext>
             </a:extLst>
           </p:cNvPr>
@@ -6689,6 +7553,10 @@
           <a:bodyPr/>
           <a:lstStyle/>
           <a:p>
+            <a:r>
+              <a:rPr lang="en-US" dirty="0"/>
+              <a:t>Go – Some more information</a:t>
+            </a:r>
             <a:endParaRPr lang="en-GB" dirty="0"/>
           </a:p>
         </p:txBody>
@@ -6698,7 +7566,7 @@
           <p:cNvPr id="3" name="Content Placeholder 2">
             <a:extLst>
               <a:ext uri="{FF2B5EF4-FFF2-40B4-BE49-F238E27FC236}">
-                <a16:creationId xmlns="" xmlns:a16="http://schemas.microsoft.com/office/drawing/2014/main" id="{DE900F6E-1830-4D6C-BAD7-B5184B78F5A8}"/>
+                <a16:creationId xmlns="" xmlns:a16="http://schemas.microsoft.com/office/drawing/2014/main" id="{54328087-0CB0-40AA-99D2-A36D483EE0F7}"/>
               </a:ext>
             </a:extLst>
           </p:cNvPr>
@@ -6715,145 +7583,74 @@
           <a:lstStyle/>
           <a:p>
             <a:r>
-              <a:rPr lang="en-US" dirty="0" err="1" smtClean="0"/>
-              <a:t>retVal</a:t>
-            </a:r>
-            <a:r>
-              <a:rPr lang="en-US" dirty="0" smtClean="0"/>
-              <a:t>, </a:t>
-            </a:r>
-            <a:r>
-              <a:rPr lang="en-US" dirty="0"/>
-              <a:t>err := </a:t>
-            </a:r>
-            <a:r>
-              <a:rPr lang="en-US" dirty="0" err="1" smtClean="0"/>
-              <a:t>APIstub.GetState</a:t>
-            </a:r>
-            <a:r>
-              <a:rPr lang="en-US" dirty="0" smtClean="0"/>
-              <a:t>(</a:t>
-            </a:r>
-            <a:r>
-              <a:rPr lang="en-US" dirty="0" err="1" smtClean="0"/>
-              <a:t>assetID</a:t>
-            </a:r>
-            <a:r>
-              <a:rPr lang="en-US" dirty="0" smtClean="0"/>
-              <a:t>)</a:t>
-            </a:r>
-          </a:p>
-          <a:p>
-            <a:pPr marL="457200" lvl="1" indent="0">
-              <a:buNone/>
-            </a:pPr>
-            <a:r>
-              <a:rPr lang="en-US" dirty="0" smtClean="0"/>
-              <a:t>	// </a:t>
-            </a:r>
-            <a:r>
-              <a:rPr lang="en-US" dirty="0" err="1" smtClean="0"/>
-              <a:t>retVal</a:t>
-            </a:r>
-            <a:r>
-              <a:rPr lang="en-US" dirty="0" smtClean="0"/>
-              <a:t> = value with the key “</a:t>
-            </a:r>
-            <a:r>
-              <a:rPr lang="en-US" dirty="0" err="1" smtClean="0"/>
-              <a:t>assetID</a:t>
-            </a:r>
-            <a:r>
-              <a:rPr lang="en-US" dirty="0" smtClean="0"/>
-              <a:t>”</a:t>
-            </a:r>
-          </a:p>
-          <a:p>
-            <a:pPr marL="457200" lvl="1" indent="0">
-              <a:buNone/>
-            </a:pPr>
-            <a:r>
-              <a:rPr lang="en-US" dirty="0" smtClean="0"/>
-              <a:t>	// if such </a:t>
-            </a:r>
-            <a:r>
-              <a:rPr lang="en-US" dirty="0" err="1" smtClean="0"/>
-              <a:t>assetID</a:t>
-            </a:r>
-            <a:r>
-              <a:rPr lang="en-US" dirty="0" smtClean="0"/>
-              <a:t> is found as a key in the world state</a:t>
+              <a:rPr lang="en-GB" dirty="0" smtClean="0"/>
+              <a:t>Documentation</a:t>
             </a:r>
           </a:p>
           <a:p>
             <a:pPr lvl="1"/>
-            <a:endParaRPr lang="en-US" dirty="0"/>
+            <a:r>
+              <a:rPr lang="en-GB" dirty="0">
+                <a:hlinkClick r:id="rId2"/>
+              </a:rPr>
+              <a:t>https://golang.org/doc</a:t>
+            </a:r>
+            <a:r>
+              <a:rPr lang="en-GB" dirty="0" smtClean="0">
+                <a:hlinkClick r:id="rId2"/>
+              </a:rPr>
+              <a:t>/</a:t>
+            </a:r>
+            <a:endParaRPr lang="en-GB" dirty="0" smtClean="0"/>
           </a:p>
           <a:p>
             <a:pPr lvl="1"/>
-            <a:endParaRPr lang="en-US" dirty="0" smtClean="0"/>
-          </a:p>
-          <a:p>
-            <a:r>
-              <a:rPr lang="en-US" dirty="0"/>
-              <a:t>err = </a:t>
-            </a:r>
-            <a:r>
-              <a:rPr lang="en-US" dirty="0" err="1" smtClean="0"/>
-              <a:t>APIstub.PutState</a:t>
-            </a:r>
-            <a:r>
-              <a:rPr lang="en-US" dirty="0" smtClean="0"/>
-              <a:t>(</a:t>
-            </a:r>
-            <a:r>
-              <a:rPr lang="en-US" dirty="0" err="1" smtClean="0"/>
-              <a:t>assetID</a:t>
-            </a:r>
-            <a:r>
-              <a:rPr lang="en-US" dirty="0" smtClean="0"/>
-              <a:t>, asset)</a:t>
-            </a:r>
-            <a:endParaRPr lang="en-US" dirty="0"/>
-          </a:p>
-          <a:p>
-            <a:pPr marL="0" indent="0">
-              <a:buNone/>
-            </a:pPr>
-            <a:r>
-              <a:rPr lang="en-US" dirty="0" smtClean="0"/>
-              <a:t>	//</a:t>
-            </a:r>
-            <a:r>
-              <a:rPr lang="en-US" dirty="0" err="1" smtClean="0"/>
-              <a:t>assetID</a:t>
-            </a:r>
-            <a:r>
-              <a:rPr lang="en-US" dirty="0" smtClean="0"/>
-              <a:t> is a key and asset represents the value which is stored 	//under the key “</a:t>
-            </a:r>
-            <a:r>
-              <a:rPr lang="en-US" dirty="0" err="1" smtClean="0"/>
-              <a:t>assetID</a:t>
-            </a:r>
-            <a:r>
-              <a:rPr lang="en-US" dirty="0" smtClean="0"/>
-              <a:t>”</a:t>
-            </a:r>
-            <a:endParaRPr lang="en-US" dirty="0"/>
-          </a:p>
-          <a:p>
-            <a:pPr marL="0" indent="0">
-              <a:buNone/>
-            </a:pPr>
-            <a:endParaRPr lang="en-GB" dirty="0"/>
+            <a:r>
+              <a:rPr lang="en-GB" dirty="0">
+                <a:hlinkClick r:id="rId3"/>
+              </a:rPr>
+              <a:t>https://godoc.org</a:t>
+            </a:r>
+            <a:r>
+              <a:rPr lang="en-GB" dirty="0" smtClean="0">
+                <a:hlinkClick r:id="rId3"/>
+              </a:rPr>
+              <a:t>/</a:t>
+            </a:r>
+            <a:endParaRPr lang="en-GB" dirty="0" smtClean="0"/>
+          </a:p>
+          <a:p>
+            <a:pPr lvl="1"/>
+            <a:endParaRPr lang="en-GB" dirty="0" smtClean="0"/>
+          </a:p>
+          <a:p>
+            <a:r>
+              <a:rPr lang="en-GB" dirty="0" smtClean="0"/>
+              <a:t>Online playground</a:t>
+            </a:r>
+          </a:p>
+          <a:p>
+            <a:pPr lvl="1"/>
+            <a:r>
+              <a:rPr lang="en-GB" dirty="0">
+                <a:hlinkClick r:id="rId4"/>
+              </a:rPr>
+              <a:t>https://tour.golang.org</a:t>
+            </a:r>
+            <a:r>
+              <a:rPr lang="en-GB" dirty="0" smtClean="0">
+                <a:hlinkClick r:id="rId4"/>
+              </a:rPr>
+              <a:t>/</a:t>
+            </a:r>
+            <a:endParaRPr lang="en-GB" dirty="0" smtClean="0"/>
           </a:p>
         </p:txBody>
       </p:sp>
     </p:spTree>
     <p:extLst>
       <p:ext uri="{BB962C8B-B14F-4D97-AF65-F5344CB8AC3E}">
-        <p14:creationId xmlns:p14="http://schemas.microsoft.com/office/powerpoint/2010/main" val="3810681381"/>
+        <p14:creationId xmlns:p14="http://schemas.microsoft.com/office/powerpoint/2010/main" val="3966473814"/>
       </p:ext>
     </p:extLst>
   </p:cSld>
@@ -6885,7 +7682,7 @@
           <p:cNvPr id="2" name="Title 1">
             <a:extLst>
               <a:ext uri="{FF2B5EF4-FFF2-40B4-BE49-F238E27FC236}">
-                <a16:creationId xmlns="" xmlns:a16="http://schemas.microsoft.com/office/drawing/2014/main" id="{2F2BD4F0-2806-4385-9B76-4E942B3DE19C}"/>
+                <a16:creationId xmlns="" xmlns:a16="http://schemas.microsoft.com/office/drawing/2014/main" id="{01AB1EF9-EC2B-4216-8C16-823D1AB852BB}"/>
               </a:ext>
             </a:extLst>
           </p:cNvPr>
@@ -6898,10 +7695,24 @@
         </p:nvSpPr>
         <p:spPr/>
         <p:txBody>
-          <a:bodyPr/>
-          <a:lstStyle/>
-          <a:p>
-            <a:endParaRPr lang="en-GB"/>
+          <a:bodyPr>
+            <a:normAutofit fontScale="90000"/>
+          </a:bodyPr>
+          <a:lstStyle/>
+          <a:p>
+            <a:r>
+              <a:rPr lang="en-US" dirty="0" err="1"/>
+              <a:t>Chaincode</a:t>
+            </a:r>
+            <a:r>
+              <a:rPr lang="en-US" dirty="0"/>
+              <a:t> </a:t>
+            </a:r>
+            <a:r>
+              <a:rPr lang="en-US" dirty="0" smtClean="0"/>
+              <a:t>examples – Marbles application</a:t>
+            </a:r>
+            <a:endParaRPr lang="en-GB" dirty="0"/>
           </a:p>
         </p:txBody>
       </p:sp>
@@ -6910,7 +7721,7 @@
           <p:cNvPr id="3" name="Content Placeholder 2">
             <a:extLst>
               <a:ext uri="{FF2B5EF4-FFF2-40B4-BE49-F238E27FC236}">
-                <a16:creationId xmlns="" xmlns:a16="http://schemas.microsoft.com/office/drawing/2014/main" id="{AD74FB3E-1619-460D-B52B-27EFCFED9219}"/>
+                <a16:creationId xmlns="" xmlns:a16="http://schemas.microsoft.com/office/drawing/2014/main" id="{59A8EE7F-8CE7-492B-9880-8A4D0D975F4B}"/>
               </a:ext>
             </a:extLst>
           </p:cNvPr>
@@ -6923,110 +7734,167 @@
         </p:nvSpPr>
         <p:spPr/>
         <p:txBody>
-          <a:bodyPr/>
-          <a:lstStyle/>
-          <a:p>
-            <a:pPr marL="0" indent="0">
-              <a:buNone/>
-            </a:pPr>
+          <a:bodyPr>
+            <a:normAutofit fontScale="92500" lnSpcReduction="10000"/>
+          </a:bodyPr>
+          <a:lstStyle/>
+          <a:p>
+            <a:r>
+              <a:rPr lang="en-US" dirty="0" smtClean="0"/>
+              <a:t>Marbles </a:t>
+            </a:r>
+            <a:r>
+              <a:rPr lang="en-US" dirty="0"/>
+              <a:t>example (from IBM documentation</a:t>
+            </a:r>
+            <a:r>
+              <a:rPr lang="en-US" dirty="0" smtClean="0"/>
+              <a:t>)</a:t>
+            </a:r>
+          </a:p>
+          <a:p>
+            <a:pPr lvl="1"/>
+            <a:r>
+              <a:rPr lang="en-US" dirty="0" smtClean="0"/>
+              <a:t>Simple asset exchange </a:t>
+            </a:r>
+          </a:p>
+          <a:p>
+            <a:pPr lvl="1"/>
+            <a:r>
+              <a:rPr lang="en-US" dirty="0" smtClean="0"/>
+              <a:t>Multiple versions of the application (for many Fabric versions)</a:t>
+            </a:r>
+          </a:p>
+          <a:p>
+            <a:pPr lvl="1"/>
+            <a:r>
+              <a:rPr lang="en-US" dirty="0" smtClean="0"/>
+              <a:t>Example consists of:</a:t>
+            </a:r>
+          </a:p>
+          <a:p>
+            <a:pPr lvl="2"/>
+            <a:r>
+              <a:rPr lang="en-US" dirty="0" smtClean="0"/>
+              <a:t>Business logic </a:t>
+            </a:r>
+            <a:r>
+              <a:rPr lang="en-US" dirty="0" smtClean="0"/>
+              <a:t>- </a:t>
+            </a:r>
+            <a:r>
+              <a:rPr lang="en-US" dirty="0" err="1" smtClean="0"/>
+              <a:t>Chaincode</a:t>
+            </a:r>
+            <a:r>
+              <a:rPr lang="en-US" dirty="0" smtClean="0"/>
+              <a:t> -&gt; written in Go</a:t>
+            </a:r>
+          </a:p>
+          <a:p>
+            <a:pPr lvl="2"/>
+            <a:r>
+              <a:rPr lang="en-US" dirty="0" smtClean="0"/>
+              <a:t>Backend app -&gt; written in </a:t>
+            </a:r>
+            <a:r>
+              <a:rPr lang="en-US" dirty="0" err="1" smtClean="0"/>
+              <a:t>NodeJS</a:t>
+            </a:r>
+            <a:endParaRPr lang="en-US" dirty="0" smtClean="0"/>
+          </a:p>
+          <a:p>
+            <a:pPr lvl="2"/>
+            <a:r>
+              <a:rPr lang="en-US" dirty="0" smtClean="0"/>
+              <a:t>Client browser application</a:t>
+            </a:r>
+          </a:p>
+          <a:p>
+            <a:r>
+              <a:rPr lang="en-US" dirty="0"/>
+              <a:t>Marble model </a:t>
+            </a:r>
+            <a:endParaRPr lang="en-US" dirty="0" smtClean="0"/>
+          </a:p>
+          <a:p>
+            <a:pPr lvl="1"/>
+            <a:r>
+              <a:rPr lang="en-US" dirty="0"/>
+              <a:t>i</a:t>
+            </a:r>
+            <a:r>
+              <a:rPr lang="en-US" dirty="0" smtClean="0"/>
+              <a:t>d </a:t>
+            </a:r>
+            <a:r>
+              <a:rPr lang="en-US" dirty="0"/>
+              <a:t>(unique string, </a:t>
+            </a:r>
+            <a:r>
+              <a:rPr lang="en-US" dirty="0" smtClean="0"/>
+              <a:t> key)</a:t>
+            </a:r>
+            <a:endParaRPr lang="en-US" dirty="0"/>
+          </a:p>
+          <a:p>
+            <a:pPr lvl="1"/>
+            <a:r>
+              <a:rPr lang="en-US" dirty="0"/>
+              <a:t>color (string, </a:t>
+            </a:r>
             <a:r>
               <a:rPr lang="en-US" dirty="0" err="1"/>
-              <a:t>resultsIterator</a:t>
-            </a:r>
-            <a:r>
-              <a:rPr lang="en-US" dirty="0"/>
-              <a:t>, err := </a:t>
-            </a:r>
-            <a:r>
-              <a:rPr lang="en-US" dirty="0" err="1" smtClean="0"/>
-              <a:t>APIstub.GetHistoryForKey</a:t>
-            </a:r>
-            <a:r>
-              <a:rPr lang="en-US" dirty="0" smtClean="0"/>
-              <a:t>(</a:t>
-            </a:r>
-            <a:r>
-              <a:rPr lang="en-US" dirty="0" err="1" smtClean="0"/>
-              <a:t>assetID</a:t>
-            </a:r>
-            <a:r>
-              <a:rPr lang="en-US" dirty="0"/>
-              <a:t>)</a:t>
-            </a:r>
-          </a:p>
-          <a:p>
-            <a:pPr marL="0" indent="0">
-              <a:buNone/>
-            </a:pPr>
-            <a:r>
-              <a:rPr lang="en-US" dirty="0"/>
-              <a:t>for </a:t>
+              <a:t>css</a:t>
+            </a:r>
+            <a:r>
+              <a:rPr lang="en-US" dirty="0"/>
+              <a:t> color names)</a:t>
+            </a:r>
+          </a:p>
+          <a:p>
+            <a:pPr lvl="1"/>
+            <a:r>
+              <a:rPr lang="en-US" dirty="0"/>
+              <a:t>size (</a:t>
             </a:r>
             <a:r>
               <a:rPr lang="en-US" dirty="0" err="1"/>
-              <a:t>resultsIterator.HasNext</a:t>
-            </a:r>
-            <a:r>
-              <a:rPr lang="en-US" dirty="0"/>
-              <a:t>() {</a:t>
-            </a:r>
-          </a:p>
-          <a:p>
-            <a:pPr marL="0" indent="0">
-              <a:buNone/>
-            </a:pPr>
-            <a:r>
-              <a:rPr lang="en-US" dirty="0"/>
-              <a:t>        response, err := </a:t>
-            </a:r>
-            <a:r>
-              <a:rPr lang="en-US" dirty="0" err="1"/>
-              <a:t>resultsIterator.Next</a:t>
-            </a:r>
-            <a:r>
-              <a:rPr lang="en-US" dirty="0" smtClean="0"/>
-              <a:t>()</a:t>
-            </a:r>
-          </a:p>
-          <a:p>
-            <a:pPr marL="0" indent="0">
-              <a:buNone/>
-            </a:pPr>
-            <a:r>
-              <a:rPr lang="en-US" dirty="0"/>
-              <a:t>	</a:t>
-            </a:r>
-            <a:r>
-              <a:rPr lang="en-US" dirty="0" smtClean="0"/>
-              <a:t>….</a:t>
-            </a:r>
-          </a:p>
-          <a:p>
-            <a:pPr marL="0" indent="0">
-              <a:buNone/>
-            </a:pPr>
-            <a:r>
-              <a:rPr lang="en-US"/>
-              <a:t>	</a:t>
-            </a:r>
-            <a:r>
-              <a:rPr lang="en-US" smtClean="0"/>
-              <a:t>…</a:t>
-            </a:r>
+              <a:t>int</a:t>
+            </a:r>
+            <a:r>
+              <a:rPr lang="en-US" dirty="0"/>
+              <a:t>, size in mm)</a:t>
+            </a:r>
+          </a:p>
+          <a:p>
+            <a:pPr lvl="1"/>
+            <a:r>
+              <a:rPr lang="en-US" dirty="0"/>
+              <a:t>owner (string)</a:t>
+            </a:r>
+          </a:p>
+          <a:p>
+            <a:pPr lvl="1"/>
             <a:endParaRPr lang="en-US" dirty="0"/>
           </a:p>
           <a:p>
-            <a:pPr marL="457200" lvl="1" indent="0">
-              <a:buNone/>
-            </a:pPr>
-            <a:endParaRPr lang="en-US" dirty="0" smtClean="0"/>
+            <a:pPr lvl="1"/>
+            <a:endParaRPr lang="en-US" dirty="0"/>
+          </a:p>
+          <a:p>
+            <a:endParaRPr lang="en-US" dirty="0"/>
+          </a:p>
+          <a:p>
+            <a:endParaRPr lang="en-GB" dirty="0"/>
           </a:p>
         </p:txBody>
       </p:sp>
     </p:spTree>
     <p:extLst>
       <p:ext uri="{BB962C8B-B14F-4D97-AF65-F5344CB8AC3E}">
-        <p14:creationId xmlns:p14="http://schemas.microsoft.com/office/powerpoint/2010/main" val="3136563558"/>
+        <p14:creationId xmlns:p14="http://schemas.microsoft.com/office/powerpoint/2010/main" val="399725763"/>
       </p:ext>
     </p:extLst>
   </p:cSld>
@@ -7058,100 +7926,6 @@
           <p:cNvPr id="2" name="Title 1">
             <a:extLst>
               <a:ext uri="{FF2B5EF4-FFF2-40B4-BE49-F238E27FC236}">
-                <a16:creationId xmlns="" xmlns:a16="http://schemas.microsoft.com/office/drawing/2014/main" id="{54A86B99-4E20-4519-A64E-83839B3674BC}"/>
-              </a:ext>
-            </a:extLst>
-          </p:cNvPr>
-          <p:cNvSpPr>
-            <a:spLocks noGrp="1"/>
-          </p:cNvSpPr>
-          <p:nvPr>
-            <p:ph type="title"/>
-          </p:nvPr>
-        </p:nvSpPr>
-        <p:spPr/>
-        <p:txBody>
-          <a:bodyPr/>
-          <a:lstStyle/>
-          <a:p>
-            <a:r>
-              <a:rPr lang="en-US" dirty="0"/>
-              <a:t>Go – Some more information</a:t>
-            </a:r>
-            <a:endParaRPr lang="en-GB" dirty="0"/>
-          </a:p>
-        </p:txBody>
-      </p:sp>
-      <p:sp>
-        <p:nvSpPr>
-          <p:cNvPr id="3" name="Content Placeholder 2">
-            <a:extLst>
-              <a:ext uri="{FF2B5EF4-FFF2-40B4-BE49-F238E27FC236}">
-                <a16:creationId xmlns="" xmlns:a16="http://schemas.microsoft.com/office/drawing/2014/main" id="{54328087-0CB0-40AA-99D2-A36D483EE0F7}"/>
-              </a:ext>
-            </a:extLst>
-          </p:cNvPr>
-          <p:cNvSpPr>
-            <a:spLocks noGrp="1"/>
-          </p:cNvSpPr>
-          <p:nvPr>
-            <p:ph idx="1"/>
-          </p:nvPr>
-        </p:nvSpPr>
-        <p:spPr/>
-        <p:txBody>
-          <a:bodyPr/>
-          <a:lstStyle/>
-          <a:p>
-            <a:r>
-              <a:rPr lang="en-GB" dirty="0" smtClean="0"/>
-              <a:t>Playground</a:t>
-            </a:r>
-          </a:p>
-          <a:p>
-            <a:r>
-              <a:rPr lang="en-GB" dirty="0" smtClean="0"/>
-              <a:t>Documentation</a:t>
-            </a:r>
-            <a:endParaRPr lang="en-GB" dirty="0"/>
-          </a:p>
-        </p:txBody>
-      </p:sp>
-    </p:spTree>
-    <p:extLst>
-      <p:ext uri="{BB962C8B-B14F-4D97-AF65-F5344CB8AC3E}">
-        <p14:creationId xmlns:p14="http://schemas.microsoft.com/office/powerpoint/2010/main" val="3966473814"/>
-      </p:ext>
-    </p:extLst>
-  </p:cSld>
-  <p:clrMapOvr>
-    <a:masterClrMapping/>
-  </p:clrMapOvr>
-</p:sld>
-</file>
-
-<file path=ppt/slides/slide28.xml><?xml version="1.0" encoding="utf-8"?>
-<p:sld xmlns:a="http://schemas.openxmlformats.org/drawingml/2006/main" xmlns:r="http://schemas.openxmlformats.org/officeDocument/2006/relationships" xmlns:p="http://schemas.openxmlformats.org/presentationml/2006/main">
-  <p:cSld>
-    <p:spTree>
-      <p:nvGrpSpPr>
-        <p:cNvPr id="1" name=""/>
-        <p:cNvGrpSpPr/>
-        <p:nvPr/>
-      </p:nvGrpSpPr>
-      <p:grpSpPr>
-        <a:xfrm>
-          <a:off x="0" y="0"/>
-          <a:ext cx="0" cy="0"/>
-          <a:chOff x="0" y="0"/>
-          <a:chExt cx="0" cy="0"/>
-        </a:xfrm>
-      </p:grpSpPr>
-      <p:sp>
-        <p:nvSpPr>
-          <p:cNvPr id="2" name="Title 1">
-            <a:extLst>
-              <a:ext uri="{FF2B5EF4-FFF2-40B4-BE49-F238E27FC236}">
                 <a16:creationId xmlns="" xmlns:a16="http://schemas.microsoft.com/office/drawing/2014/main" id="{01AB1EF9-EC2B-4216-8C16-823D1AB852BB}"/>
               </a:ext>
             </a:extLst>
@@ -7165,7 +7939,9 @@
         </p:nvSpPr>
         <p:spPr/>
         <p:txBody>
-          <a:bodyPr/>
+          <a:bodyPr>
+            <a:normAutofit fontScale="90000"/>
+          </a:bodyPr>
           <a:lstStyle/>
           <a:p>
             <a:r>
@@ -7178,7 +7954,7 @@
             </a:r>
             <a:r>
               <a:rPr lang="en-US" dirty="0" smtClean="0"/>
-              <a:t>examples – Marbles application</a:t>
+              <a:t>examples – Car asset ownership change application</a:t>
             </a:r>
             <a:endParaRPr lang="en-GB" dirty="0"/>
           </a:p>
@@ -7203,239 +7979,6 @@
         <p:spPr/>
         <p:txBody>
           <a:bodyPr>
-            <a:normAutofit fontScale="92500" lnSpcReduction="10000"/>
-          </a:bodyPr>
-          <a:lstStyle/>
-          <a:p>
-            <a:r>
-              <a:rPr lang="en-US" dirty="0" smtClean="0"/>
-              <a:t>Marbles </a:t>
-            </a:r>
-            <a:r>
-              <a:rPr lang="en-US" dirty="0"/>
-              <a:t>example (from IBM documentation</a:t>
-            </a:r>
-            <a:r>
-              <a:rPr lang="en-US" dirty="0" smtClean="0"/>
-              <a:t>)</a:t>
-            </a:r>
-          </a:p>
-          <a:p>
-            <a:pPr lvl="1"/>
-            <a:r>
-              <a:rPr lang="en-US" dirty="0" smtClean="0"/>
-              <a:t>Simple asset changing application</a:t>
-            </a:r>
-          </a:p>
-          <a:p>
-            <a:pPr lvl="1"/>
-            <a:r>
-              <a:rPr lang="en-US" dirty="0" smtClean="0"/>
-              <a:t>Multiple versions of the application (for many Fabric versions)</a:t>
-            </a:r>
-          </a:p>
-          <a:p>
-            <a:pPr lvl="1"/>
-            <a:r>
-              <a:rPr lang="en-US" dirty="0" smtClean="0"/>
-              <a:t>Example consists of:</a:t>
-            </a:r>
-          </a:p>
-          <a:p>
-            <a:pPr lvl="2"/>
-            <a:r>
-              <a:rPr lang="en-US" dirty="0" smtClean="0"/>
-              <a:t>Business logic </a:t>
-            </a:r>
-            <a:r>
-              <a:rPr lang="en-US" dirty="0" smtClean="0"/>
-              <a:t>- </a:t>
-            </a:r>
-            <a:r>
-              <a:rPr lang="en-US" dirty="0" err="1" smtClean="0"/>
-              <a:t>Chaincode</a:t>
-            </a:r>
-            <a:r>
-              <a:rPr lang="en-US" dirty="0" smtClean="0"/>
-              <a:t> -&gt; written in Go</a:t>
-            </a:r>
-          </a:p>
-          <a:p>
-            <a:pPr lvl="2"/>
-            <a:r>
-              <a:rPr lang="en-US" dirty="0" smtClean="0"/>
-              <a:t>Backend app -&gt; written in </a:t>
-            </a:r>
-            <a:r>
-              <a:rPr lang="en-US" dirty="0" err="1" smtClean="0"/>
-              <a:t>NodeJS</a:t>
-            </a:r>
-            <a:endParaRPr lang="en-US" dirty="0" smtClean="0"/>
-          </a:p>
-          <a:p>
-            <a:pPr lvl="2"/>
-            <a:r>
-              <a:rPr lang="en-US" dirty="0" smtClean="0"/>
-              <a:t>Client browser application</a:t>
-            </a:r>
-          </a:p>
-          <a:p>
-            <a:r>
-              <a:rPr lang="en-US" dirty="0"/>
-              <a:t>Marble model </a:t>
-            </a:r>
-            <a:endParaRPr lang="en-US" dirty="0" smtClean="0"/>
-          </a:p>
-          <a:p>
-            <a:pPr lvl="1"/>
-            <a:r>
-              <a:rPr lang="en-US" dirty="0" smtClean="0"/>
-              <a:t>:</a:t>
-            </a:r>
-            <a:r>
-              <a:rPr lang="en-US" dirty="0"/>
-              <a:t>id (unique string, will be used as key)</a:t>
-            </a:r>
-          </a:p>
-          <a:p>
-            <a:pPr lvl="1"/>
-            <a:r>
-              <a:rPr lang="en-US" dirty="0"/>
-              <a:t>color (string, </a:t>
-            </a:r>
-            <a:r>
-              <a:rPr lang="en-US" dirty="0" err="1"/>
-              <a:t>css</a:t>
-            </a:r>
-            <a:r>
-              <a:rPr lang="en-US" dirty="0"/>
-              <a:t> color names)</a:t>
-            </a:r>
-          </a:p>
-          <a:p>
-            <a:pPr lvl="1"/>
-            <a:r>
-              <a:rPr lang="en-US" dirty="0"/>
-              <a:t>size (</a:t>
-            </a:r>
-            <a:r>
-              <a:rPr lang="en-US" dirty="0" err="1"/>
-              <a:t>int</a:t>
-            </a:r>
-            <a:r>
-              <a:rPr lang="en-US" dirty="0"/>
-              <a:t>, size in mm)</a:t>
-            </a:r>
-          </a:p>
-          <a:p>
-            <a:pPr lvl="1"/>
-            <a:r>
-              <a:rPr lang="en-US" dirty="0"/>
-              <a:t>owner (string)</a:t>
-            </a:r>
-          </a:p>
-          <a:p>
-            <a:pPr lvl="1"/>
-            <a:endParaRPr lang="en-US" dirty="0"/>
-          </a:p>
-          <a:p>
-            <a:pPr lvl="1"/>
-            <a:endParaRPr lang="en-US" dirty="0"/>
-          </a:p>
-          <a:p>
-            <a:endParaRPr lang="en-US" dirty="0"/>
-          </a:p>
-          <a:p>
-            <a:endParaRPr lang="en-GB" dirty="0"/>
-          </a:p>
-        </p:txBody>
-      </p:sp>
-    </p:spTree>
-    <p:extLst>
-      <p:ext uri="{BB962C8B-B14F-4D97-AF65-F5344CB8AC3E}">
-        <p14:creationId xmlns:p14="http://schemas.microsoft.com/office/powerpoint/2010/main" val="399725763"/>
-      </p:ext>
-    </p:extLst>
-  </p:cSld>
-  <p:clrMapOvr>
-    <a:masterClrMapping/>
-  </p:clrMapOvr>
-</p:sld>
-</file>
-
-<file path=ppt/slides/slide29.xml><?xml version="1.0" encoding="utf-8"?>
-<p:sld xmlns:a="http://schemas.openxmlformats.org/drawingml/2006/main" xmlns:r="http://schemas.openxmlformats.org/officeDocument/2006/relationships" xmlns:p="http://schemas.openxmlformats.org/presentationml/2006/main">
-  <p:cSld>
-    <p:spTree>
-      <p:nvGrpSpPr>
-        <p:cNvPr id="1" name=""/>
-        <p:cNvGrpSpPr/>
-        <p:nvPr/>
-      </p:nvGrpSpPr>
-      <p:grpSpPr>
-        <a:xfrm>
-          <a:off x="0" y="0"/>
-          <a:ext cx="0" cy="0"/>
-          <a:chOff x="0" y="0"/>
-          <a:chExt cx="0" cy="0"/>
-        </a:xfrm>
-      </p:grpSpPr>
-      <p:sp>
-        <p:nvSpPr>
-          <p:cNvPr id="2" name="Title 1">
-            <a:extLst>
-              <a:ext uri="{FF2B5EF4-FFF2-40B4-BE49-F238E27FC236}">
-                <a16:creationId xmlns="" xmlns:a16="http://schemas.microsoft.com/office/drawing/2014/main" id="{01AB1EF9-EC2B-4216-8C16-823D1AB852BB}"/>
-              </a:ext>
-            </a:extLst>
-          </p:cNvPr>
-          <p:cNvSpPr>
-            <a:spLocks noGrp="1"/>
-          </p:cNvSpPr>
-          <p:nvPr>
-            <p:ph type="title"/>
-          </p:nvPr>
-        </p:nvSpPr>
-        <p:spPr/>
-        <p:txBody>
-          <a:bodyPr/>
-          <a:lstStyle/>
-          <a:p>
-            <a:r>
-              <a:rPr lang="en-US" dirty="0" err="1"/>
-              <a:t>Chaincode</a:t>
-            </a:r>
-            <a:r>
-              <a:rPr lang="en-US" dirty="0"/>
-              <a:t> </a:t>
-            </a:r>
-            <a:r>
-              <a:rPr lang="en-US" dirty="0" smtClean="0"/>
-              <a:t>examples – Car asset ownership change application</a:t>
-            </a:r>
-            <a:endParaRPr lang="en-GB" dirty="0"/>
-          </a:p>
-        </p:txBody>
-      </p:sp>
-      <p:sp>
-        <p:nvSpPr>
-          <p:cNvPr id="3" name="Content Placeholder 2">
-            <a:extLst>
-              <a:ext uri="{FF2B5EF4-FFF2-40B4-BE49-F238E27FC236}">
-                <a16:creationId xmlns="" xmlns:a16="http://schemas.microsoft.com/office/drawing/2014/main" id="{59A8EE7F-8CE7-492B-9880-8A4D0D975F4B}"/>
-              </a:ext>
-            </a:extLst>
-          </p:cNvPr>
-          <p:cNvSpPr>
-            <a:spLocks noGrp="1"/>
-          </p:cNvSpPr>
-          <p:nvPr>
-            <p:ph idx="1"/>
-          </p:nvPr>
-        </p:nvSpPr>
-        <p:spPr/>
-        <p:txBody>
-          <a:bodyPr>
             <a:normAutofit/>
           </a:bodyPr>
           <a:lstStyle/>
@@ -7485,34 +8028,64 @@
           <a:p>
             <a:pPr lvl="3"/>
             <a:r>
-              <a:rPr lang="en-US" dirty="0"/>
+              <a:rPr lang="en-US" dirty="0">
+                <a:solidFill>
+                  <a:schemeClr val="bg1">
+                    <a:lumMod val="65000"/>
+                  </a:schemeClr>
+                </a:solidFill>
+              </a:rPr>
               <a:t>T</a:t>
             </a:r>
             <a:r>
-              <a:rPr lang="en-US" dirty="0" smtClean="0"/>
+              <a:rPr lang="en-US" dirty="0" smtClean="0">
+                <a:solidFill>
+                  <a:schemeClr val="bg1">
+                    <a:lumMod val="65000"/>
+                  </a:schemeClr>
+                </a:solidFill>
+              </a:rPr>
               <a:t>ransaction has to be made by some specified point in time</a:t>
             </a:r>
           </a:p>
           <a:p>
             <a:pPr lvl="3"/>
             <a:r>
-              <a:rPr lang="en-US" dirty="0" smtClean="0"/>
+              <a:rPr lang="en-US" dirty="0" smtClean="0">
+                <a:solidFill>
+                  <a:schemeClr val="bg1">
+                    <a:lumMod val="65000"/>
+                  </a:schemeClr>
+                </a:solidFill>
+              </a:rPr>
               <a:t>Car needs to change its color before it can be sold</a:t>
             </a:r>
           </a:p>
           <a:p>
             <a:pPr lvl="3"/>
             <a:r>
-              <a:rPr lang="en-US" dirty="0" err="1" smtClean="0"/>
+              <a:rPr lang="en-US" dirty="0" err="1" smtClean="0">
+                <a:solidFill>
+                  <a:schemeClr val="bg1">
+                    <a:lumMod val="65000"/>
+                  </a:schemeClr>
+                </a:solidFill>
+              </a:rPr>
               <a:t>etc</a:t>
             </a:r>
-            <a:endParaRPr lang="en-US" dirty="0" smtClean="0"/>
+            <a:endParaRPr lang="en-US" dirty="0" smtClean="0">
+              <a:solidFill>
+                <a:schemeClr val="bg1">
+                  <a:lumMod val="65000"/>
+                </a:schemeClr>
+              </a:solidFill>
+            </a:endParaRPr>
           </a:p>
           <a:p>
             <a:pPr lvl="1"/>
             <a:r>
               <a:rPr lang="en-US" dirty="0" smtClean="0"/>
-              <a:t>Model implementation in go		</a:t>
+              <a:t>Model implementation in Go		</a:t>
             </a:r>
           </a:p>
           <a:p>
@@ -7544,14 +8117,14 @@
           <p:nvPr>
             <p:extLst>
               <p:ext uri="{D42A27DB-BD31-4B8C-83A1-F6EECF244321}">
-                <p14:modId xmlns:p14="http://schemas.microsoft.com/office/powerpoint/2010/main" val="511295511"/>
+                <p14:modId xmlns:p14="http://schemas.microsoft.com/office/powerpoint/2010/main" val="3771147120"/>
               </p:ext>
             </p:extLst>
           </p:nvPr>
         </p:nvGraphicFramePr>
         <p:xfrm>
-          <a:off x="5341956" y="4600837"/>
-          <a:ext cx="8128000" cy="2158011"/>
+          <a:off x="5782631" y="4208443"/>
+          <a:ext cx="5146102" cy="2158011"/>
         </p:xfrm>
         <a:graphic>
           <a:graphicData uri="http://schemas.openxmlformats.org/drawingml/2006/table">
@@ -7560,10 +8133,10 @@
                 <a:tableStyleId>{5C22544A-7EE6-4342-B048-85BDC9FD1C3A}</a:tableStyleId>
               </a:tblPr>
               <a:tblGrid>
-                <a:gridCol w="4064000"/>
-                <a:gridCol w="4064000"/>
+                <a:gridCol w="2623239"/>
+                <a:gridCol w="2522863"/>
               </a:tblGrid>
-              <a:tr h="325864">
+              <a:tr h="240361">
                 <a:tc>
                   <a:txBody>
                     <a:bodyPr/>
@@ -7625,7 +8198,7 @@
                       </a:r>
                       <a:r>
                         <a:rPr lang="en-US" dirty="0" smtClean="0"/>
-                        <a:t> {			</a:t>
+                        <a:t> {	</a:t>
                       </a:r>
                     </a:p>
                     <a:p>
@@ -7762,6 +8335,381 @@
 </p:sld>
 </file>
 
+<file path=ppt/slides/slide28.xml><?xml version="1.0" encoding="utf-8"?>
+<p:sld xmlns:a="http://schemas.openxmlformats.org/drawingml/2006/main" xmlns:r="http://schemas.openxmlformats.org/officeDocument/2006/relationships" xmlns:p="http://schemas.openxmlformats.org/presentationml/2006/main">
+  <p:cSld>
+    <p:spTree>
+      <p:nvGrpSpPr>
+        <p:cNvPr id="1" name=""/>
+        <p:cNvGrpSpPr/>
+        <p:nvPr/>
+      </p:nvGrpSpPr>
+      <p:grpSpPr>
+        <a:xfrm>
+          <a:off x="0" y="0"/>
+          <a:ext cx="0" cy="0"/>
+          <a:chOff x="0" y="0"/>
+          <a:chExt cx="0" cy="0"/>
+        </a:xfrm>
+      </p:grpSpPr>
+      <p:sp>
+        <p:nvSpPr>
+          <p:cNvPr id="2" name="Title 1">
+            <a:extLst>
+              <a:ext uri="{FF2B5EF4-FFF2-40B4-BE49-F238E27FC236}">
+                <a16:creationId xmlns="" xmlns:a16="http://schemas.microsoft.com/office/drawing/2014/main" id="{D2838AD3-8487-4B40-A1EA-A2AD58865014}"/>
+              </a:ext>
+            </a:extLst>
+          </p:cNvPr>
+          <p:cNvSpPr>
+            <a:spLocks noGrp="1"/>
+          </p:cNvSpPr>
+          <p:nvPr>
+            <p:ph type="title"/>
+          </p:nvPr>
+        </p:nvSpPr>
+        <p:spPr/>
+        <p:txBody>
+          <a:bodyPr/>
+          <a:lstStyle/>
+          <a:p>
+            <a:r>
+              <a:rPr lang="en-US" dirty="0"/>
+              <a:t>Go </a:t>
+            </a:r>
+            <a:r>
+              <a:rPr lang="en-US" dirty="0" smtClean="0"/>
+              <a:t>– Introduction to testing</a:t>
+            </a:r>
+            <a:endParaRPr lang="en-GB" dirty="0"/>
+          </a:p>
+        </p:txBody>
+      </p:sp>
+      <p:sp>
+        <p:nvSpPr>
+          <p:cNvPr id="3" name="Content Placeholder 2">
+            <a:extLst>
+              <a:ext uri="{FF2B5EF4-FFF2-40B4-BE49-F238E27FC236}">
+                <a16:creationId xmlns="" xmlns:a16="http://schemas.microsoft.com/office/drawing/2014/main" id="{68E20AA1-1939-49FB-A6F5-8500AE3EA114}"/>
+              </a:ext>
+            </a:extLst>
+          </p:cNvPr>
+          <p:cNvSpPr>
+            <a:spLocks noGrp="1"/>
+          </p:cNvSpPr>
+          <p:nvPr>
+            <p:ph idx="1"/>
+          </p:nvPr>
+        </p:nvSpPr>
+        <p:spPr/>
+        <p:txBody>
+          <a:bodyPr>
+            <a:normAutofit fontScale="92500" lnSpcReduction="20000"/>
+          </a:bodyPr>
+          <a:lstStyle/>
+          <a:p>
+            <a:r>
+              <a:rPr lang="en-GB" dirty="0" smtClean="0"/>
+              <a:t>What is Unit testing ?</a:t>
+            </a:r>
+          </a:p>
+          <a:p>
+            <a:pPr lvl="1"/>
+            <a:r>
+              <a:rPr lang="en-US" b="1" dirty="0" smtClean="0"/>
+              <a:t>Unit testing </a:t>
+            </a:r>
+            <a:r>
+              <a:rPr lang="en-US" dirty="0" smtClean="0"/>
+              <a:t>is </a:t>
+            </a:r>
+            <a:r>
+              <a:rPr lang="en-US" dirty="0"/>
+              <a:t>a </a:t>
+            </a:r>
+            <a:r>
+              <a:rPr lang="en-US" dirty="0" smtClean="0"/>
+              <a:t>kind </a:t>
+            </a:r>
+            <a:r>
+              <a:rPr lang="en-US" dirty="0"/>
+              <a:t>of software </a:t>
+            </a:r>
+            <a:r>
+              <a:rPr lang="en-US" b="1" dirty="0"/>
+              <a:t>testing</a:t>
+            </a:r>
+            <a:r>
+              <a:rPr lang="en-US" dirty="0"/>
+              <a:t> where individual </a:t>
+            </a:r>
+            <a:r>
+              <a:rPr lang="en-US" dirty="0" smtClean="0"/>
+              <a:t>components (functions, methods) </a:t>
+            </a:r>
+            <a:r>
+              <a:rPr lang="en-US" dirty="0"/>
+              <a:t>of a software are </a:t>
+            </a:r>
+            <a:r>
+              <a:rPr lang="en-US" dirty="0" smtClean="0"/>
+              <a:t>tested</a:t>
+            </a:r>
+          </a:p>
+          <a:p>
+            <a:pPr lvl="1"/>
+            <a:r>
+              <a:rPr lang="en-US" dirty="0"/>
+              <a:t>A </a:t>
+            </a:r>
+            <a:r>
+              <a:rPr lang="en-US" b="1" dirty="0"/>
+              <a:t>unit</a:t>
+            </a:r>
+            <a:r>
+              <a:rPr lang="en-US" dirty="0"/>
+              <a:t> is the </a:t>
+            </a:r>
+            <a:r>
+              <a:rPr lang="en-US" dirty="0" smtClean="0"/>
+              <a:t>smallest part of a software which can be tested</a:t>
+            </a:r>
+            <a:endParaRPr lang="en-GB" dirty="0" smtClean="0"/>
+          </a:p>
+          <a:p>
+            <a:pPr marL="0" indent="0">
+              <a:buNone/>
+            </a:pPr>
+            <a:endParaRPr lang="en-GB" dirty="0" smtClean="0"/>
+          </a:p>
+          <a:p>
+            <a:r>
+              <a:rPr lang="en-GB" dirty="0" smtClean="0"/>
+              <a:t>Testing in Go</a:t>
+            </a:r>
+          </a:p>
+          <a:p>
+            <a:pPr lvl="1"/>
+            <a:r>
+              <a:rPr lang="en-GB" dirty="0" smtClean="0"/>
+              <a:t>Package testing</a:t>
+            </a:r>
+            <a:endParaRPr lang="en-GB" dirty="0" smtClean="0"/>
+          </a:p>
+          <a:p>
+            <a:pPr lvl="1"/>
+            <a:r>
+              <a:rPr lang="en-US" dirty="0" smtClean="0"/>
+              <a:t>import </a:t>
+            </a:r>
+            <a:r>
+              <a:rPr lang="en-US" dirty="0"/>
+              <a:t>"</a:t>
+            </a:r>
+            <a:r>
+              <a:rPr lang="en-US" dirty="0" smtClean="0"/>
+              <a:t>testing“</a:t>
+            </a:r>
+          </a:p>
+          <a:p>
+            <a:pPr marL="457200" lvl="1" indent="0">
+              <a:buNone/>
+            </a:pPr>
+            <a:r>
+              <a:rPr lang="en-US" dirty="0" err="1"/>
+              <a:t>func</a:t>
+            </a:r>
+            <a:r>
+              <a:rPr lang="en-US" dirty="0"/>
+              <a:t> </a:t>
+            </a:r>
+            <a:r>
+              <a:rPr lang="en-US" dirty="0" err="1" smtClean="0"/>
+              <a:t>TestTimeConsuming</a:t>
+            </a:r>
+            <a:r>
+              <a:rPr lang="en-US" dirty="0" smtClean="0"/>
+              <a:t>(t </a:t>
+            </a:r>
+            <a:r>
+              <a:rPr lang="en-US" dirty="0"/>
+              <a:t>*</a:t>
+            </a:r>
+            <a:r>
+              <a:rPr lang="en-US" dirty="0" err="1"/>
+              <a:t>testing.T</a:t>
+            </a:r>
+            <a:r>
+              <a:rPr lang="en-US" dirty="0" smtClean="0"/>
+              <a:t>) {</a:t>
+            </a:r>
+          </a:p>
+          <a:p>
+            <a:pPr marL="914400" lvl="2" indent="0">
+              <a:buNone/>
+            </a:pPr>
+            <a:r>
+              <a:rPr lang="en-US" dirty="0" smtClean="0"/>
+              <a:t> </a:t>
+            </a:r>
+            <a:r>
+              <a:rPr lang="en-US" dirty="0"/>
+              <a:t>if </a:t>
+            </a:r>
+            <a:r>
+              <a:rPr lang="en-US" dirty="0" err="1"/>
+              <a:t>testing.Short</a:t>
+            </a:r>
+            <a:r>
+              <a:rPr lang="en-US" dirty="0"/>
+              <a:t>() { </a:t>
+            </a:r>
+            <a:endParaRPr lang="en-US" dirty="0" smtClean="0"/>
+          </a:p>
+          <a:p>
+            <a:pPr marL="1371600" lvl="3" indent="0">
+              <a:buNone/>
+            </a:pPr>
+            <a:r>
+              <a:rPr lang="en-US" dirty="0" err="1" smtClean="0"/>
+              <a:t>t.Skip</a:t>
+            </a:r>
+            <a:r>
+              <a:rPr lang="en-US" dirty="0"/>
+              <a:t>("skipping test in short mode</a:t>
+            </a:r>
+            <a:r>
+              <a:rPr lang="en-US" dirty="0" smtClean="0"/>
+              <a:t>.")</a:t>
+            </a:r>
+          </a:p>
+          <a:p>
+            <a:pPr marL="914400" lvl="2" indent="0">
+              <a:buNone/>
+            </a:pPr>
+            <a:r>
+              <a:rPr lang="en-US" dirty="0" smtClean="0"/>
+              <a:t> } </a:t>
+            </a:r>
+            <a:endParaRPr lang="en-US" dirty="0"/>
+          </a:p>
+          <a:p>
+            <a:pPr marL="457200" lvl="1" indent="0">
+              <a:buNone/>
+            </a:pPr>
+            <a:r>
+              <a:rPr lang="en-US" dirty="0" smtClean="0"/>
+              <a:t> </a:t>
+            </a:r>
+            <a:r>
+              <a:rPr lang="en-US" dirty="0"/>
+              <a:t>}</a:t>
+            </a:r>
+            <a:endParaRPr lang="en-GB" dirty="0"/>
+          </a:p>
+        </p:txBody>
+      </p:sp>
+    </p:spTree>
+    <p:extLst>
+      <p:ext uri="{BB962C8B-B14F-4D97-AF65-F5344CB8AC3E}">
+        <p14:creationId xmlns:p14="http://schemas.microsoft.com/office/powerpoint/2010/main" val="3981935438"/>
+      </p:ext>
+    </p:extLst>
+  </p:cSld>
+  <p:clrMapOvr>
+    <a:masterClrMapping/>
+  </p:clrMapOvr>
+</p:sld>
+</file>
+
+<file path=ppt/slides/slide29.xml><?xml version="1.0" encoding="utf-8"?>
+<p:sld xmlns:a="http://schemas.openxmlformats.org/drawingml/2006/main" xmlns:r="http://schemas.openxmlformats.org/officeDocument/2006/relationships" xmlns:p="http://schemas.openxmlformats.org/presentationml/2006/main">
+  <p:cSld>
+    <p:spTree>
+      <p:nvGrpSpPr>
+        <p:cNvPr id="1" name=""/>
+        <p:cNvGrpSpPr/>
+        <p:nvPr/>
+      </p:nvGrpSpPr>
+      <p:grpSpPr>
+        <a:xfrm>
+          <a:off x="0" y="0"/>
+          <a:ext cx="0" cy="0"/>
+          <a:chOff x="0" y="0"/>
+          <a:chExt cx="0" cy="0"/>
+        </a:xfrm>
+      </p:grpSpPr>
+      <p:sp>
+        <p:nvSpPr>
+          <p:cNvPr id="2" name="Title 1">
+            <a:extLst>
+              <a:ext uri="{FF2B5EF4-FFF2-40B4-BE49-F238E27FC236}">
+                <a16:creationId xmlns="" xmlns:a16="http://schemas.microsoft.com/office/drawing/2014/main" id="{D2838AD3-8487-4B40-A1EA-A2AD58865014}"/>
+              </a:ext>
+            </a:extLst>
+          </p:cNvPr>
+          <p:cNvSpPr>
+            <a:spLocks noGrp="1"/>
+          </p:cNvSpPr>
+          <p:nvPr>
+            <p:ph type="title"/>
+          </p:nvPr>
+        </p:nvSpPr>
+        <p:spPr/>
+        <p:txBody>
+          <a:bodyPr/>
+          <a:lstStyle/>
+          <a:p>
+            <a:r>
+              <a:rPr lang="en-US" dirty="0"/>
+              <a:t>Go – Introduction to testing</a:t>
+            </a:r>
+            <a:endParaRPr lang="en-GB" dirty="0"/>
+          </a:p>
+        </p:txBody>
+      </p:sp>
+      <p:sp>
+        <p:nvSpPr>
+          <p:cNvPr id="3" name="Content Placeholder 2">
+            <a:extLst>
+              <a:ext uri="{FF2B5EF4-FFF2-40B4-BE49-F238E27FC236}">
+                <a16:creationId xmlns="" xmlns:a16="http://schemas.microsoft.com/office/drawing/2014/main" id="{68E20AA1-1939-49FB-A6F5-8500AE3EA114}"/>
+              </a:ext>
+            </a:extLst>
+          </p:cNvPr>
+          <p:cNvSpPr>
+            <a:spLocks noGrp="1"/>
+          </p:cNvSpPr>
+          <p:nvPr>
+            <p:ph idx="1"/>
+          </p:nvPr>
+        </p:nvSpPr>
+        <p:spPr/>
+        <p:txBody>
+          <a:bodyPr/>
+          <a:lstStyle/>
+          <a:p>
+            <a:r>
+              <a:rPr lang="en-GB" dirty="0" smtClean="0"/>
+              <a:t>Some code snippet</a:t>
+            </a:r>
+            <a:endParaRPr lang="en-GB" dirty="0"/>
+          </a:p>
+        </p:txBody>
+      </p:sp>
+    </p:spTree>
+    <p:extLst>
+      <p:ext uri="{BB962C8B-B14F-4D97-AF65-F5344CB8AC3E}">
+        <p14:creationId xmlns:p14="http://schemas.microsoft.com/office/powerpoint/2010/main" val="1765002078"/>
+      </p:ext>
+    </p:extLst>
+  </p:cSld>
+  <p:clrMapOvr>
+    <a:masterClrMapping/>
+  </p:clrMapOvr>
+</p:sld>
+</file>
+
 <file path=ppt/slides/slide3.xml><?xml version="1.0" encoding="utf-8"?>
 <p:sld xmlns:a="http://schemas.openxmlformats.org/drawingml/2006/main" xmlns:r="http://schemas.openxmlformats.org/officeDocument/2006/relationships" xmlns:p="http://schemas.openxmlformats.org/presentationml/2006/main">
   <p:cSld>
@@ -7845,15 +8793,69 @@
             </a:r>
             <a:r>
               <a:rPr lang="en-US" dirty="0"/>
-              <a:t> Fabric is a platform for distributed ledger solutions, underpinned by a modular architecture delivering high degrees of confidentiality, resiliency, flexibility and scalability. It is designed to support pluggable implementations of different components, and accommodate the complexity and intricacies that exist across the economic ecosystem.</a:t>
-            </a:r>
+              <a:t> Fabric is a platform for distributed ledger </a:t>
+            </a:r>
+            <a:r>
+              <a:rPr lang="en-US" dirty="0" smtClean="0"/>
+              <a:t>solutions</a:t>
+            </a:r>
+          </a:p>
+          <a:p>
+            <a:r>
+              <a:rPr lang="en-US" dirty="0" smtClean="0"/>
+              <a:t>It has a </a:t>
+            </a:r>
+            <a:r>
+              <a:rPr lang="en-US" dirty="0"/>
+              <a:t>modular architecture delivering high degrees of confidentiality, resiliency, flexibility and scalability. </a:t>
+            </a:r>
+            <a:endParaRPr lang="en-US" dirty="0" smtClean="0"/>
+          </a:p>
+          <a:p>
+            <a:r>
+              <a:rPr lang="en-US" dirty="0" smtClean="0"/>
+              <a:t>It </a:t>
+            </a:r>
+            <a:r>
+              <a:rPr lang="en-US" dirty="0"/>
+              <a:t>is designed to support pluggable implementations of different </a:t>
+            </a:r>
+            <a:r>
+              <a:rPr lang="en-US" dirty="0" smtClean="0"/>
+              <a:t>components</a:t>
+            </a:r>
+            <a:r>
+              <a:rPr lang="en-US" dirty="0"/>
+              <a:t> </a:t>
+            </a:r>
+            <a:r>
+              <a:rPr lang="en-US" dirty="0" smtClean="0"/>
+              <a:t>like ordering service and  consensus types</a:t>
+            </a:r>
+            <a:endParaRPr lang="en-US" dirty="0"/>
           </a:p>
           <a:p>
             <a:r>
               <a:rPr lang="sr-Latn-RS" dirty="0"/>
-              <a:t>Current version is 1.1</a:t>
-            </a:r>
-            <a:endParaRPr lang="en-GB" dirty="0"/>
+              <a:t>Current </a:t>
+            </a:r>
+            <a:r>
+              <a:rPr lang="en-US" dirty="0" smtClean="0"/>
+              <a:t>stable </a:t>
+            </a:r>
+            <a:r>
+              <a:rPr lang="sr-Latn-RS" dirty="0" smtClean="0"/>
+              <a:t>version </a:t>
+            </a:r>
+            <a:r>
+              <a:rPr lang="sr-Latn-RS" dirty="0"/>
+              <a:t>is </a:t>
+            </a:r>
+            <a:r>
+              <a:rPr lang="sr-Latn-RS" dirty="0" smtClean="0"/>
+              <a:t>1.1</a:t>
+            </a:r>
+            <a:endParaRPr lang="en-US" dirty="0" smtClean="0"/>
           </a:p>
         </p:txBody>
       </p:sp>
@@ -7892,7 +8894,7 @@
           <p:cNvPr id="2" name="Title 1">
             <a:extLst>
               <a:ext uri="{FF2B5EF4-FFF2-40B4-BE49-F238E27FC236}">
-                <a16:creationId xmlns="" xmlns:a16="http://schemas.microsoft.com/office/drawing/2014/main" id="{D2838AD3-8487-4B40-A1EA-A2AD58865014}"/>
+                <a16:creationId xmlns="" xmlns:a16="http://schemas.microsoft.com/office/drawing/2014/main" id="{49B3B312-F6AC-43D0-9CCE-91C6DDBF9276}"/>
               </a:ext>
             </a:extLst>
           </p:cNvPr>
@@ -7909,12 +8911,12 @@
           <a:lstStyle/>
           <a:p>
             <a:r>
-              <a:rPr lang="en-US" dirty="0"/>
-              <a:t>Go </a:t>
-            </a:r>
-            <a:r>
-              <a:rPr lang="en-US" dirty="0" smtClean="0"/>
-              <a:t>– Introduction to testing</a:t>
+              <a:rPr lang="en-US" dirty="0" err="1"/>
+              <a:t>NodeSDK</a:t>
+            </a:r>
+            <a:r>
+              <a:rPr lang="en-US" dirty="0"/>
+              <a:t> - Fabric</a:t>
             </a:r>
             <a:endParaRPr lang="en-GB" dirty="0"/>
           </a:p>
@@ -7925,7 +8927,7 @@
           <p:cNvPr id="3" name="Content Placeholder 2">
             <a:extLst>
               <a:ext uri="{FF2B5EF4-FFF2-40B4-BE49-F238E27FC236}">
-                <a16:creationId xmlns="" xmlns:a16="http://schemas.microsoft.com/office/drawing/2014/main" id="{68E20AA1-1939-49FB-A6F5-8500AE3EA114}"/>
+                <a16:creationId xmlns="" xmlns:a16="http://schemas.microsoft.com/office/drawing/2014/main" id="{4620FB54-A733-47AC-9784-B905A7A330CC}"/>
               </a:ext>
             </a:extLst>
           </p:cNvPr>
@@ -7938,176 +8940,45 @@
         </p:nvSpPr>
         <p:spPr/>
         <p:txBody>
-          <a:bodyPr>
-            <a:normAutofit fontScale="92500" lnSpcReduction="10000"/>
-          </a:bodyPr>
+          <a:bodyPr/>
           <a:lstStyle/>
           <a:p>
             <a:r>
               <a:rPr lang="en-GB" dirty="0" smtClean="0"/>
-              <a:t>What is Unit testing ?</a:t>
-            </a:r>
-          </a:p>
-          <a:p>
-            <a:pPr lvl="1"/>
-            <a:r>
-              <a:rPr lang="en-US" b="1" dirty="0"/>
-              <a:t>UNIT TESTING</a:t>
-            </a:r>
-            <a:r>
-              <a:rPr lang="en-US" dirty="0"/>
-              <a:t> is a level of software </a:t>
-            </a:r>
-            <a:r>
-              <a:rPr lang="en-US" b="1" dirty="0"/>
-              <a:t>testing</a:t>
-            </a:r>
-            <a:r>
-              <a:rPr lang="en-US" dirty="0"/>
-              <a:t> where individual units/ components of a software are </a:t>
-            </a:r>
-            <a:r>
-              <a:rPr lang="en-US" dirty="0" smtClean="0"/>
-              <a:t>tested</a:t>
-            </a:r>
-          </a:p>
-          <a:p>
-            <a:pPr lvl="1"/>
-            <a:r>
-              <a:rPr lang="en-US" dirty="0"/>
-              <a:t>A </a:t>
-            </a:r>
-            <a:r>
-              <a:rPr lang="en-US" b="1" dirty="0"/>
-              <a:t>unit</a:t>
-            </a:r>
-            <a:r>
-              <a:rPr lang="en-US" dirty="0"/>
-              <a:t> is the smallest testable part of any software.</a:t>
+              <a:t>How does SDK call a </a:t>
+            </a:r>
+            <a:r>
+              <a:rPr lang="en-GB" dirty="0" err="1" smtClean="0"/>
+              <a:t>chaincode</a:t>
+            </a:r>
+            <a:r>
+              <a:rPr lang="en-GB" dirty="0" smtClean="0"/>
+              <a:t> function?</a:t>
+            </a:r>
+          </a:p>
+          <a:p>
+            <a:r>
+              <a:rPr lang="en-GB" dirty="0" smtClean="0"/>
+              <a:t>Function arguments </a:t>
+            </a:r>
+          </a:p>
+          <a:p>
+            <a:pPr marL="0" indent="0">
+              <a:buNone/>
+            </a:pPr>
+            <a:r>
+              <a:rPr lang="en-GB" dirty="0" smtClean="0"/>
+              <a:t>Code example:</a:t>
             </a:r>
             <a:endParaRPr lang="en-GB" dirty="0" smtClean="0"/>
           </a:p>
           <a:p>
-            <a:pPr marL="0" indent="0">
-              <a:buNone/>
-            </a:pPr>
             <a:endParaRPr lang="en-GB" dirty="0" smtClean="0"/>
           </a:p>
           <a:p>
-            <a:r>
-              <a:rPr lang="en-GB" dirty="0" smtClean="0"/>
-              <a:t>Testing package in Go</a:t>
-            </a:r>
-          </a:p>
-          <a:p>
-            <a:pPr lvl="1"/>
-            <a:r>
-              <a:rPr lang="en-US" dirty="0" smtClean="0"/>
-              <a:t>import </a:t>
-            </a:r>
-            <a:r>
-              <a:rPr lang="en-US" dirty="0"/>
-              <a:t>"</a:t>
-            </a:r>
-            <a:r>
-              <a:rPr lang="en-US" dirty="0" smtClean="0"/>
-              <a:t>testing“</a:t>
-            </a:r>
-          </a:p>
-          <a:p>
-            <a:pPr marL="457200" lvl="1" indent="0">
-              <a:buNone/>
-            </a:pPr>
-            <a:r>
-              <a:rPr lang="en-US" dirty="0" err="1"/>
-              <a:t>func</a:t>
-            </a:r>
-            <a:r>
-              <a:rPr lang="en-US" dirty="0"/>
-              <a:t> </a:t>
-            </a:r>
-            <a:r>
-              <a:rPr lang="en-US" dirty="0" err="1" smtClean="0"/>
-              <a:t>TestTimeConsuming</a:t>
-            </a:r>
-            <a:r>
-              <a:rPr lang="en-US" dirty="0" smtClean="0"/>
-              <a:t>(t </a:t>
-            </a:r>
-            <a:r>
-              <a:rPr lang="en-US" dirty="0"/>
-              <a:t>*</a:t>
-            </a:r>
-            <a:r>
-              <a:rPr lang="en-US" dirty="0" err="1"/>
-              <a:t>testing.T</a:t>
-            </a:r>
-            <a:r>
-              <a:rPr lang="en-US" dirty="0" smtClean="0"/>
-              <a:t>) {</a:t>
-            </a:r>
-          </a:p>
-          <a:p>
-            <a:pPr marL="914400" lvl="2" indent="0">
-              <a:buNone/>
-            </a:pPr>
-            <a:r>
-              <a:rPr lang="en-US" dirty="0" smtClean="0"/>
-              <a:t> </a:t>
-            </a:r>
-            <a:r>
-              <a:rPr lang="en-US" dirty="0"/>
-              <a:t>if </a:t>
-            </a:r>
-            <a:r>
-              <a:rPr lang="en-US" dirty="0" err="1"/>
-              <a:t>testing.Short</a:t>
-            </a:r>
-            <a:r>
-              <a:rPr lang="en-US" dirty="0"/>
-              <a:t>() { </a:t>
-            </a:r>
-            <a:endParaRPr lang="en-US" dirty="0" smtClean="0"/>
-          </a:p>
-          <a:p>
-            <a:pPr marL="1371600" lvl="3" indent="0">
-              <a:buNone/>
-            </a:pPr>
-            <a:r>
-              <a:rPr lang="en-US" dirty="0" err="1" smtClean="0"/>
-              <a:t>t.Skip</a:t>
-            </a:r>
-            <a:r>
-              <a:rPr lang="en-US" dirty="0"/>
-              <a:t>("skipping test in short mode</a:t>
-            </a:r>
-            <a:r>
-              <a:rPr lang="en-US" dirty="0" smtClean="0"/>
-              <a:t>.")</a:t>
-            </a:r>
-          </a:p>
-          <a:p>
-            <a:pPr marL="914400" lvl="2" indent="0">
-              <a:buNone/>
-            </a:pPr>
-            <a:r>
-              <a:rPr lang="en-US" dirty="0" smtClean="0"/>
-              <a:t> } </a:t>
-            </a:r>
-            <a:endParaRPr lang="en-US" dirty="0"/>
-          </a:p>
-          <a:p>
-            <a:pPr marL="457200" lvl="1" indent="0">
-              <a:buNone/>
-            </a:pPr>
-            <a:r>
-              <a:rPr lang="en-US" dirty="0" smtClean="0"/>
-              <a:t> </a:t>
-            </a:r>
-            <a:r>
-              <a:rPr lang="en-US" dirty="0"/>
-              <a:t>}</a:t>
-            </a:r>
+            <a:endParaRPr lang="en-GB" dirty="0" smtClean="0"/>
+          </a:p>
+          <a:p>
             <a:endParaRPr lang="en-GB" dirty="0"/>
           </a:p>
         </p:txBody>
@@ -8115,7 +8986,7 @@
     </p:spTree>
     <p:extLst>
       <p:ext uri="{BB962C8B-B14F-4D97-AF65-F5344CB8AC3E}">
-        <p14:creationId xmlns:p14="http://schemas.microsoft.com/office/powerpoint/2010/main" val="3981935438"/>
+        <p14:creationId xmlns:p14="http://schemas.microsoft.com/office/powerpoint/2010/main" val="2378904891"/>
       </p:ext>
     </p:extLst>
   </p:cSld>
@@ -8147,349 +9018,6 @@
           <p:cNvPr id="2" name="Title 1">
             <a:extLst>
               <a:ext uri="{FF2B5EF4-FFF2-40B4-BE49-F238E27FC236}">
-                <a16:creationId xmlns="" xmlns:a16="http://schemas.microsoft.com/office/drawing/2014/main" id="{D2838AD3-8487-4B40-A1EA-A2AD58865014}"/>
-              </a:ext>
-            </a:extLst>
-          </p:cNvPr>
-          <p:cNvSpPr>
-            <a:spLocks noGrp="1"/>
-          </p:cNvSpPr>
-          <p:nvPr>
-            <p:ph type="title"/>
-          </p:nvPr>
-        </p:nvSpPr>
-        <p:spPr/>
-        <p:txBody>
-          <a:bodyPr/>
-          <a:lstStyle/>
-          <a:p>
-            <a:r>
-              <a:rPr lang="en-US" dirty="0"/>
-              <a:t>Go – Introduction to testing</a:t>
-            </a:r>
-            <a:endParaRPr lang="en-GB" dirty="0"/>
-          </a:p>
-        </p:txBody>
-      </p:sp>
-      <p:sp>
-        <p:nvSpPr>
-          <p:cNvPr id="3" name="Content Placeholder 2">
-            <a:extLst>
-              <a:ext uri="{FF2B5EF4-FFF2-40B4-BE49-F238E27FC236}">
-                <a16:creationId xmlns="" xmlns:a16="http://schemas.microsoft.com/office/drawing/2014/main" id="{68E20AA1-1939-49FB-A6F5-8500AE3EA114}"/>
-              </a:ext>
-            </a:extLst>
-          </p:cNvPr>
-          <p:cNvSpPr>
-            <a:spLocks noGrp="1"/>
-          </p:cNvSpPr>
-          <p:nvPr>
-            <p:ph idx="1"/>
-          </p:nvPr>
-        </p:nvSpPr>
-        <p:spPr/>
-        <p:txBody>
-          <a:bodyPr/>
-          <a:lstStyle/>
-          <a:p>
-            <a:endParaRPr lang="en-GB" dirty="0"/>
-          </a:p>
-        </p:txBody>
-      </p:sp>
-    </p:spTree>
-    <p:extLst>
-      <p:ext uri="{BB962C8B-B14F-4D97-AF65-F5344CB8AC3E}">
-        <p14:creationId xmlns:p14="http://schemas.microsoft.com/office/powerpoint/2010/main" val="1765002078"/>
-      </p:ext>
-    </p:extLst>
-  </p:cSld>
-  <p:clrMapOvr>
-    <a:masterClrMapping/>
-  </p:clrMapOvr>
-</p:sld>
-</file>
-
-<file path=ppt/slides/slide32.xml><?xml version="1.0" encoding="utf-8"?>
-<p:sld xmlns:a="http://schemas.openxmlformats.org/drawingml/2006/main" xmlns:r="http://schemas.openxmlformats.org/officeDocument/2006/relationships" xmlns:p="http://schemas.openxmlformats.org/presentationml/2006/main">
-  <p:cSld>
-    <p:spTree>
-      <p:nvGrpSpPr>
-        <p:cNvPr id="1" name=""/>
-        <p:cNvGrpSpPr/>
-        <p:nvPr/>
-      </p:nvGrpSpPr>
-      <p:grpSpPr>
-        <a:xfrm>
-          <a:off x="0" y="0"/>
-          <a:ext cx="0" cy="0"/>
-          <a:chOff x="0" y="0"/>
-          <a:chExt cx="0" cy="0"/>
-        </a:xfrm>
-      </p:grpSpPr>
-      <p:sp>
-        <p:nvSpPr>
-          <p:cNvPr id="2" name="Title 1">
-            <a:extLst>
-              <a:ext uri="{FF2B5EF4-FFF2-40B4-BE49-F238E27FC236}">
-                <a16:creationId xmlns="" xmlns:a16="http://schemas.microsoft.com/office/drawing/2014/main" id="{F5410863-202F-4317-9235-F7DB792FC955}"/>
-              </a:ext>
-            </a:extLst>
-          </p:cNvPr>
-          <p:cNvSpPr>
-            <a:spLocks noGrp="1"/>
-          </p:cNvSpPr>
-          <p:nvPr>
-            <p:ph type="title"/>
-          </p:nvPr>
-        </p:nvSpPr>
-        <p:spPr/>
-        <p:txBody>
-          <a:bodyPr/>
-          <a:lstStyle/>
-          <a:p>
-            <a:r>
-              <a:rPr lang="en-US" dirty="0"/>
-              <a:t>Questions ???</a:t>
-            </a:r>
-            <a:r>
-              <a:rPr lang="en-GB" dirty="0"/>
-              <a:t/>
-            </a:r>
-            <a:br>
-              <a:rPr lang="en-GB" dirty="0"/>
-            </a:br>
-            <a:endParaRPr lang="en-GB" dirty="0"/>
-          </a:p>
-        </p:txBody>
-      </p:sp>
-      <p:sp>
-        <p:nvSpPr>
-          <p:cNvPr id="3" name="Content Placeholder 2">
-            <a:extLst>
-              <a:ext uri="{FF2B5EF4-FFF2-40B4-BE49-F238E27FC236}">
-                <a16:creationId xmlns="" xmlns:a16="http://schemas.microsoft.com/office/drawing/2014/main" id="{FF9AA3BC-EEA5-4C21-AE99-C8B29CF77AC2}"/>
-              </a:ext>
-            </a:extLst>
-          </p:cNvPr>
-          <p:cNvSpPr>
-            <a:spLocks noGrp="1"/>
-          </p:cNvSpPr>
-          <p:nvPr>
-            <p:ph idx="1"/>
-          </p:nvPr>
-        </p:nvSpPr>
-        <p:spPr/>
-        <p:txBody>
-          <a:bodyPr/>
-          <a:lstStyle/>
-          <a:p>
-            <a:endParaRPr lang="en-GB" dirty="0"/>
-          </a:p>
-        </p:txBody>
-      </p:sp>
-    </p:spTree>
-    <p:extLst>
-      <p:ext uri="{BB962C8B-B14F-4D97-AF65-F5344CB8AC3E}">
-        <p14:creationId xmlns:p14="http://schemas.microsoft.com/office/powerpoint/2010/main" val="3197316987"/>
-      </p:ext>
-    </p:extLst>
-  </p:cSld>
-  <p:clrMapOvr>
-    <a:masterClrMapping/>
-  </p:clrMapOvr>
-</p:sld>
-</file>
-
-<file path=ppt/slides/slide33.xml><?xml version="1.0" encoding="utf-8"?>
-<p:sld xmlns:a="http://schemas.openxmlformats.org/drawingml/2006/main" xmlns:r="http://schemas.openxmlformats.org/officeDocument/2006/relationships" xmlns:p="http://schemas.openxmlformats.org/presentationml/2006/main">
-  <p:cSld>
-    <p:spTree>
-      <p:nvGrpSpPr>
-        <p:cNvPr id="1" name=""/>
-        <p:cNvGrpSpPr/>
-        <p:nvPr/>
-      </p:nvGrpSpPr>
-      <p:grpSpPr>
-        <a:xfrm>
-          <a:off x="0" y="0"/>
-          <a:ext cx="0" cy="0"/>
-          <a:chOff x="0" y="0"/>
-          <a:chExt cx="0" cy="0"/>
-        </a:xfrm>
-      </p:grpSpPr>
-      <p:sp>
-        <p:nvSpPr>
-          <p:cNvPr id="2" name="Title 1">
-            <a:extLst>
-              <a:ext uri="{FF2B5EF4-FFF2-40B4-BE49-F238E27FC236}">
-                <a16:creationId xmlns="" xmlns:a16="http://schemas.microsoft.com/office/drawing/2014/main" id="{49B3B312-F6AC-43D0-9CCE-91C6DDBF9276}"/>
-              </a:ext>
-            </a:extLst>
-          </p:cNvPr>
-          <p:cNvSpPr>
-            <a:spLocks noGrp="1"/>
-          </p:cNvSpPr>
-          <p:nvPr>
-            <p:ph type="title"/>
-          </p:nvPr>
-        </p:nvSpPr>
-        <p:spPr/>
-        <p:txBody>
-          <a:bodyPr/>
-          <a:lstStyle/>
-          <a:p>
-            <a:r>
-              <a:rPr lang="en-US" dirty="0" err="1"/>
-              <a:t>NodeSDK</a:t>
-            </a:r>
-            <a:r>
-              <a:rPr lang="en-US" dirty="0"/>
-              <a:t> - Fabric</a:t>
-            </a:r>
-            <a:endParaRPr lang="en-GB" dirty="0"/>
-          </a:p>
-        </p:txBody>
-      </p:sp>
-      <p:sp>
-        <p:nvSpPr>
-          <p:cNvPr id="3" name="Content Placeholder 2">
-            <a:extLst>
-              <a:ext uri="{FF2B5EF4-FFF2-40B4-BE49-F238E27FC236}">
-                <a16:creationId xmlns="" xmlns:a16="http://schemas.microsoft.com/office/drawing/2014/main" id="{4620FB54-A733-47AC-9784-B905A7A330CC}"/>
-              </a:ext>
-            </a:extLst>
-          </p:cNvPr>
-          <p:cNvSpPr>
-            <a:spLocks noGrp="1"/>
-          </p:cNvSpPr>
-          <p:nvPr>
-            <p:ph idx="1"/>
-          </p:nvPr>
-        </p:nvSpPr>
-        <p:spPr/>
-        <p:txBody>
-          <a:bodyPr/>
-          <a:lstStyle/>
-          <a:p>
-            <a:endParaRPr lang="en-GB" dirty="0"/>
-          </a:p>
-        </p:txBody>
-      </p:sp>
-    </p:spTree>
-    <p:extLst>
-      <p:ext uri="{BB962C8B-B14F-4D97-AF65-F5344CB8AC3E}">
-        <p14:creationId xmlns:p14="http://schemas.microsoft.com/office/powerpoint/2010/main" val="2378904891"/>
-      </p:ext>
-    </p:extLst>
-  </p:cSld>
-  <p:clrMapOvr>
-    <a:masterClrMapping/>
-  </p:clrMapOvr>
-</p:sld>
-</file>
-
-<file path=ppt/slides/slide34.xml><?xml version="1.0" encoding="utf-8"?>
-<p:sld xmlns:a="http://schemas.openxmlformats.org/drawingml/2006/main" xmlns:r="http://schemas.openxmlformats.org/officeDocument/2006/relationships" xmlns:p="http://schemas.openxmlformats.org/presentationml/2006/main">
-  <p:cSld>
-    <p:spTree>
-      <p:nvGrpSpPr>
-        <p:cNvPr id="1" name=""/>
-        <p:cNvGrpSpPr/>
-        <p:nvPr/>
-      </p:nvGrpSpPr>
-      <p:grpSpPr>
-        <a:xfrm>
-          <a:off x="0" y="0"/>
-          <a:ext cx="0" cy="0"/>
-          <a:chOff x="0" y="0"/>
-          <a:chExt cx="0" cy="0"/>
-        </a:xfrm>
-      </p:grpSpPr>
-      <p:sp>
-        <p:nvSpPr>
-          <p:cNvPr id="2" name="Title 1">
-            <a:extLst>
-              <a:ext uri="{FF2B5EF4-FFF2-40B4-BE49-F238E27FC236}">
-                <a16:creationId xmlns="" xmlns:a16="http://schemas.microsoft.com/office/drawing/2014/main" id="{2C733B95-0465-4FD3-A9DC-0C6775E88C96}"/>
-              </a:ext>
-            </a:extLst>
-          </p:cNvPr>
-          <p:cNvSpPr>
-            <a:spLocks noGrp="1"/>
-          </p:cNvSpPr>
-          <p:nvPr>
-            <p:ph type="title"/>
-          </p:nvPr>
-        </p:nvSpPr>
-        <p:spPr/>
-        <p:txBody>
-          <a:bodyPr/>
-          <a:lstStyle/>
-          <a:p>
-            <a:endParaRPr lang="en-GB"/>
-          </a:p>
-        </p:txBody>
-      </p:sp>
-      <p:sp>
-        <p:nvSpPr>
-          <p:cNvPr id="3" name="Content Placeholder 2">
-            <a:extLst>
-              <a:ext uri="{FF2B5EF4-FFF2-40B4-BE49-F238E27FC236}">
-                <a16:creationId xmlns="" xmlns:a16="http://schemas.microsoft.com/office/drawing/2014/main" id="{F955336C-E403-4A92-95FB-9C1B96A13FCD}"/>
-              </a:ext>
-            </a:extLst>
-          </p:cNvPr>
-          <p:cNvSpPr>
-            <a:spLocks noGrp="1"/>
-          </p:cNvSpPr>
-          <p:nvPr>
-            <p:ph idx="1"/>
-          </p:nvPr>
-        </p:nvSpPr>
-        <p:spPr/>
-        <p:txBody>
-          <a:bodyPr/>
-          <a:lstStyle/>
-          <a:p>
-            <a:endParaRPr lang="en-GB"/>
-          </a:p>
-        </p:txBody>
-      </p:sp>
-    </p:spTree>
-    <p:extLst>
-      <p:ext uri="{BB962C8B-B14F-4D97-AF65-F5344CB8AC3E}">
-        <p14:creationId xmlns:p14="http://schemas.microsoft.com/office/powerpoint/2010/main" val="2527373314"/>
-      </p:ext>
-    </p:extLst>
-  </p:cSld>
-  <p:clrMapOvr>
-    <a:masterClrMapping/>
-  </p:clrMapOvr>
-</p:sld>
-</file>
-
-<file path=ppt/slides/slide35.xml><?xml version="1.0" encoding="utf-8"?>
-<p:sld xmlns:a="http://schemas.openxmlformats.org/drawingml/2006/main" xmlns:r="http://schemas.openxmlformats.org/officeDocument/2006/relationships" xmlns:p="http://schemas.openxmlformats.org/presentationml/2006/main">
-  <p:cSld>
-    <p:spTree>
-      <p:nvGrpSpPr>
-        <p:cNvPr id="1" name=""/>
-        <p:cNvGrpSpPr/>
-        <p:nvPr/>
-      </p:nvGrpSpPr>
-      <p:grpSpPr>
-        <a:xfrm>
-          <a:off x="0" y="0"/>
-          <a:ext cx="0" cy="0"/>
-          <a:chOff x="0" y="0"/>
-          <a:chExt cx="0" cy="0"/>
-        </a:xfrm>
-      </p:grpSpPr>
-      <p:sp>
-        <p:nvSpPr>
-          <p:cNvPr id="2" name="Title 1">
-            <a:extLst>
-              <a:ext uri="{FF2B5EF4-FFF2-40B4-BE49-F238E27FC236}">
                 <a16:creationId xmlns="" xmlns:a16="http://schemas.microsoft.com/office/drawing/2014/main" id="{418E78DE-329E-4F07-93BD-902ADA2B08F6}"/>
               </a:ext>
             </a:extLst>
@@ -8501,40 +9029,22 @@
             <p:ph type="title"/>
           </p:nvPr>
         </p:nvSpPr>
-        <p:spPr/>
-        <p:txBody>
-          <a:bodyPr/>
-          <a:lstStyle/>
-          <a:p>
-            <a:r>
-              <a:rPr lang="en-US" dirty="0"/>
-              <a:t>Conclusion</a:t>
-            </a:r>
-            <a:endParaRPr lang="en-GB" dirty="0"/>
-          </a:p>
-        </p:txBody>
-      </p:sp>
-      <p:sp>
-        <p:nvSpPr>
-          <p:cNvPr id="3" name="Content Placeholder 2">
-            <a:extLst>
-              <a:ext uri="{FF2B5EF4-FFF2-40B4-BE49-F238E27FC236}">
-                <a16:creationId xmlns="" xmlns:a16="http://schemas.microsoft.com/office/drawing/2014/main" id="{8E3BC1BE-A99B-483C-861C-5CD13F8CFF17}"/>
-              </a:ext>
-            </a:extLst>
-          </p:cNvPr>
-          <p:cNvSpPr>
-            <a:spLocks noGrp="1"/>
-          </p:cNvSpPr>
-          <p:nvPr>
-            <p:ph idx="1"/>
-          </p:nvPr>
-        </p:nvSpPr>
-        <p:spPr/>
-        <p:txBody>
-          <a:bodyPr/>
-          <a:lstStyle/>
-          <a:p>
+        <p:spPr>
+          <a:xfrm>
+            <a:off x="4000042" y="2766802"/>
+            <a:ext cx="10515600" cy="1325563"/>
+          </a:xfrm>
+        </p:spPr>
+        <p:txBody>
+          <a:bodyPr>
+            <a:normAutofit/>
+          </a:bodyPr>
+          <a:lstStyle/>
+          <a:p>
+            <a:r>
+              <a:rPr lang="en-US" dirty="0" smtClean="0"/>
+              <a:t>Questions?</a:t>
+            </a:r>
             <a:endParaRPr lang="en-GB" dirty="0"/>
           </a:p>
         </p:txBody>
@@ -8592,7 +9102,7 @@
           <a:p>
             <a:r>
               <a:rPr lang="en-GB" dirty="0" smtClean="0"/>
-              <a:t>Key concepts</a:t>
+              <a:t>Fabric - Key concepts</a:t>
             </a:r>
             <a:endParaRPr lang="en-GB" dirty="0"/>
           </a:p>
@@ -8617,73 +9127,73 @@
         <p:spPr/>
         <p:txBody>
           <a:bodyPr>
-            <a:normAutofit fontScale="92500" lnSpcReduction="10000"/>
+            <a:normAutofit fontScale="92500" lnSpcReduction="20000"/>
           </a:bodyPr>
           <a:lstStyle/>
           <a:p>
             <a:r>
-              <a:rPr lang="en-US" dirty="0"/>
-              <a:t>Node </a:t>
-            </a:r>
-            <a:r>
-              <a:rPr lang="en-US" dirty="0" smtClean="0"/>
-              <a:t>types</a:t>
-            </a:r>
-          </a:p>
-          <a:p>
-            <a:r>
-              <a:rPr lang="en-US" dirty="0" smtClean="0"/>
-              <a:t>Assets</a:t>
-            </a:r>
-          </a:p>
-          <a:p>
-            <a:r>
-              <a:rPr lang="en-US" dirty="0" smtClean="0"/>
-              <a:t>Identities</a:t>
+              <a:rPr lang="en-US" dirty="0" smtClean="0"/>
+              <a:t>Members </a:t>
+            </a:r>
+          </a:p>
+          <a:p>
+            <a:pPr lvl="1"/>
+            <a:r>
+              <a:rPr lang="en-US" dirty="0" smtClean="0"/>
+              <a:t>Peer (</a:t>
+            </a:r>
+            <a:r>
+              <a:rPr lang="en-US" dirty="0" err="1" smtClean="0"/>
+              <a:t>commiter</a:t>
+            </a:r>
+            <a:r>
+              <a:rPr lang="en-US" dirty="0" smtClean="0"/>
+              <a:t>, endorser)</a:t>
+            </a:r>
+          </a:p>
+          <a:p>
+            <a:pPr lvl="1"/>
+            <a:r>
+              <a:rPr lang="en-US" dirty="0" err="1" smtClean="0"/>
+              <a:t>Orderer</a:t>
+            </a:r>
+            <a:r>
+              <a:rPr lang="en-US" dirty="0" smtClean="0"/>
+              <a:t> – Ordering service </a:t>
+            </a:r>
+            <a:endParaRPr lang="en-US" dirty="0" smtClean="0"/>
+          </a:p>
+          <a:p>
+            <a:r>
+              <a:rPr lang="en-US" dirty="0" smtClean="0"/>
+              <a:t>Assets – tangible or intangible</a:t>
+            </a:r>
+          </a:p>
+          <a:p>
+            <a:r>
+              <a:rPr lang="en-US" dirty="0" smtClean="0"/>
+              <a:t>Identities (MSP)</a:t>
             </a:r>
             <a:endParaRPr lang="en-US" dirty="0"/>
           </a:p>
           <a:p>
             <a:r>
-              <a:rPr lang="en-US" dirty="0"/>
-              <a:t>Channels</a:t>
-            </a:r>
-          </a:p>
-          <a:p>
-            <a:r>
-              <a:rPr lang="en-US" dirty="0"/>
-              <a:t>Transaction endorsement</a:t>
-            </a:r>
-          </a:p>
-          <a:p>
-            <a:r>
-              <a:rPr lang="en-US" dirty="0"/>
-              <a:t>Data storage - &gt; Ledger U World State</a:t>
-            </a:r>
-          </a:p>
-          <a:p>
-            <a:pPr lvl="1"/>
-            <a:r>
-              <a:rPr lang="en-US" dirty="0"/>
-              <a:t>World state - &gt; CouchDB, </a:t>
-            </a:r>
-            <a:r>
-              <a:rPr lang="en-US" dirty="0" err="1"/>
-              <a:t>LevelDB</a:t>
-            </a:r>
-            <a:endParaRPr lang="en-US" dirty="0"/>
-          </a:p>
-          <a:p>
-            <a:r>
-              <a:rPr lang="en-US" dirty="0"/>
-              <a:t>Block publishing </a:t>
-            </a:r>
-            <a:endParaRPr lang="sr-Latn-RS" dirty="0" smtClean="0"/>
-          </a:p>
-          <a:p>
-            <a:r>
-              <a:rPr lang="en-US" dirty="0" smtClean="0"/>
-              <a:t>Consensus</a:t>
+              <a:rPr lang="en-US" dirty="0" smtClean="0"/>
+              <a:t>Channels – private </a:t>
+            </a:r>
+            <a:r>
+              <a:rPr lang="en-US" dirty="0" err="1" smtClean="0"/>
+              <a:t>subnetworks</a:t>
+            </a:r>
+            <a:r>
+              <a:rPr lang="en-US" dirty="0" smtClean="0"/>
+              <a:t> with own ledgers</a:t>
+            </a:r>
+          </a:p>
+          <a:p>
+            <a:r>
+              <a:rPr lang="en-US" dirty="0" smtClean="0"/>
+              <a:t>Consensus – Mechanism for keeping ledger honest</a:t>
             </a:r>
             <a:endParaRPr lang="en-US" dirty="0"/>
           </a:p>
@@ -8697,6 +9207,58 @@
               <a:t>Chaincode</a:t>
             </a:r>
             <a:endParaRPr lang="en-US" dirty="0"/>
+          </a:p>
+          <a:p>
+            <a:r>
+              <a:rPr lang="en-US" dirty="0"/>
+              <a:t>Data storage - &gt; Ledger U World State</a:t>
+            </a:r>
+          </a:p>
+          <a:p>
+            <a:pPr lvl="1"/>
+            <a:r>
+              <a:rPr lang="en-US" dirty="0"/>
+              <a:t>World state - &gt; </a:t>
+            </a:r>
+            <a:r>
+              <a:rPr lang="en-US" dirty="0" err="1"/>
+              <a:t>CouchDB</a:t>
+            </a:r>
+            <a:r>
+              <a:rPr lang="en-US" dirty="0"/>
+              <a:t>, </a:t>
+            </a:r>
+            <a:r>
+              <a:rPr lang="en-US" dirty="0" err="1" smtClean="0"/>
+              <a:t>LevelDB</a:t>
+            </a:r>
+            <a:endParaRPr lang="en-US" dirty="0"/>
+          </a:p>
+          <a:p>
+            <a:r>
+              <a:rPr lang="en-US" dirty="0"/>
+              <a:t>Transaction </a:t>
+            </a:r>
+            <a:r>
+              <a:rPr lang="en-US" dirty="0" smtClean="0"/>
+              <a:t>flow</a:t>
+            </a:r>
+            <a:endParaRPr lang="en-US" dirty="0"/>
+          </a:p>
+          <a:p>
+            <a:r>
+              <a:rPr lang="en-US" dirty="0" smtClean="0"/>
+              <a:t>Block </a:t>
+            </a:r>
+            <a:r>
+              <a:rPr lang="en-US" dirty="0"/>
+              <a:t>publishing </a:t>
+            </a:r>
+            <a:r>
+              <a:rPr lang="en-US" dirty="0" smtClean="0"/>
+              <a:t>- programmable</a:t>
+            </a:r>
+            <a:endParaRPr lang="sr-Latn-RS" dirty="0" smtClean="0"/>
           </a:p>
           <a:p>
             <a:endParaRPr lang="en-US" dirty="0"/>
@@ -8796,7 +9358,7 @@
             </a:r>
             <a:r>
               <a:rPr lang="en-US" dirty="0" smtClean="0"/>
-              <a:t>implementation</a:t>
+              <a:t>implementation in Fabric</a:t>
             </a:r>
             <a:r>
               <a:rPr lang="sr-Latn-RS" dirty="0" smtClean="0"/>
@@ -8926,38 +9488,25 @@
           <a:lstStyle/>
           <a:p>
             <a:r>
-              <a:rPr lang="en-US" b="1" dirty="0"/>
-              <a:t>Go</a:t>
-            </a:r>
-            <a:r>
-              <a:rPr lang="en-US" dirty="0"/>
-              <a:t> (often referred to as </a:t>
-            </a:r>
-            <a:r>
-              <a:rPr lang="en-US" b="1" dirty="0" err="1"/>
+              <a:rPr lang="en-US" dirty="0" smtClean="0"/>
+              <a:t>Go or </a:t>
+            </a:r>
+            <a:r>
+              <a:rPr lang="en-US" dirty="0" err="1" smtClean="0"/>
               <a:t>Golang</a:t>
             </a:r>
             <a:r>
-              <a:rPr lang="en-US" dirty="0"/>
-              <a:t>) is a </a:t>
-            </a:r>
-            <a:r>
-              <a:rPr lang="en-US" dirty="0">
-                <a:hlinkClick r:id="rId2" tooltip="Programming language"/>
-              </a:rPr>
-              <a:t>programming language</a:t>
-            </a:r>
-            <a:r>
-              <a:rPr lang="en-US" dirty="0"/>
-              <a:t> created at </a:t>
-            </a:r>
-            <a:r>
-              <a:rPr lang="en-US" dirty="0" smtClean="0">
-                <a:hlinkClick r:id="rId3"/>
-              </a:rPr>
+              <a:rPr lang="en-US" dirty="0" smtClean="0"/>
+              <a:t> is </a:t>
+            </a:r>
+            <a:r>
+              <a:rPr lang="en-US" dirty="0"/>
+              <a:t>a programming language created at </a:t>
+            </a:r>
+            <a:r>
+              <a:rPr lang="en-US" dirty="0" smtClean="0"/>
               <a:t>Google</a:t>
             </a:r>
-            <a:endParaRPr lang="en-US" dirty="0" smtClean="0"/>
           </a:p>
           <a:p>
             <a:r>
@@ -8970,34 +9519,13 @@
             </a:r>
             <a:r>
               <a:rPr lang="en-US" dirty="0" smtClean="0"/>
-              <a:t>, </a:t>
-            </a:r>
-            <a:r>
-              <a:rPr lang="en-US" dirty="0" smtClean="0">
-                <a:hlinkClick r:id="rId4" tooltip="Rob Pike"/>
-              </a:rPr>
-              <a:t>Rob Pike</a:t>
-            </a:r>
-            <a:r>
-              <a:rPr lang="en-US" dirty="0" smtClean="0"/>
-              <a:t>, and </a:t>
-            </a:r>
-            <a:r>
-              <a:rPr lang="en-US" dirty="0" smtClean="0">
-                <a:hlinkClick r:id="rId5"/>
-              </a:rPr>
-              <a:t>Ken Thompson</a:t>
-            </a:r>
-            <a:endParaRPr lang="en-US" dirty="0" smtClean="0"/>
-          </a:p>
-          <a:p>
-            <a:r>
-              <a:rPr lang="en-US" dirty="0"/>
-              <a:t>Open </a:t>
-            </a:r>
-            <a:r>
-              <a:rPr lang="en-US" dirty="0" smtClean="0"/>
-              <a:t>source</a:t>
+              <a:t>, Rob Pike, and Ken Thompson</a:t>
+            </a:r>
+          </a:p>
+          <a:p>
+            <a:r>
+              <a:rPr lang="en-US" dirty="0" smtClean="0"/>
+              <a:t>Open source</a:t>
             </a:r>
           </a:p>
           <a:p>
@@ -9008,25 +9536,11 @@
           </a:p>
           <a:p>
             <a:r>
-              <a:rPr lang="en-US" dirty="0">
-                <a:hlinkClick r:id="rId6" tooltip="Communicating sequential processes"/>
-              </a:rPr>
-              <a:t>CSP</a:t>
-            </a:r>
-            <a:r>
-              <a:rPr lang="en-US" dirty="0"/>
-              <a:t>-style </a:t>
-            </a:r>
-            <a:r>
-              <a:rPr lang="en-US" dirty="0">
-                <a:hlinkClick r:id="rId7" tooltip="Concurrent programming"/>
-              </a:rPr>
-              <a:t>concurrent </a:t>
-            </a:r>
-            <a:r>
-              <a:rPr lang="en-US" dirty="0" smtClean="0">
-                <a:hlinkClick r:id="rId7" tooltip="Concurrent programming"/>
-              </a:rPr>
+              <a:rPr lang="en-US" dirty="0"/>
+              <a:t>CSP-style concurrent </a:t>
+            </a:r>
+            <a:r>
+              <a:rPr lang="en-US" dirty="0" smtClean="0"/>
               <a:t>programming</a:t>
             </a:r>
             <a:endParaRPr lang="en-GB" dirty="0"/>
@@ -9111,7 +9625,7 @@
         <p:spPr/>
         <p:txBody>
           <a:bodyPr>
-            <a:normAutofit fontScale="92500" lnSpcReduction="20000"/>
+            <a:normAutofit lnSpcReduction="10000"/>
           </a:bodyPr>
           <a:lstStyle/>
           <a:p>
@@ -9200,17 +9714,13 @@
           <a:p>
             <a:r>
               <a:rPr lang="en-US" dirty="0" smtClean="0"/>
-              <a:t>No semicolon at the end of the line like in Java, C and C#.</a:t>
-            </a:r>
-          </a:p>
-          <a:p>
-            <a:endParaRPr lang="en-US" dirty="0"/>
-          </a:p>
-          <a:p>
-            <a:r>
-              <a:rPr lang="en-GB" dirty="0"/>
-              <a:t>https://tour.golang.org</a:t>
-            </a:r>
+              <a:t>No semicolon at the end of the line like in Java, C and C</a:t>
+            </a:r>
+            <a:r>
+              <a:rPr lang="en-US" dirty="0" smtClean="0"/>
+              <a:t>#.</a:t>
+            </a:r>
+            <a:endParaRPr lang="en-US" dirty="0" smtClean="0"/>
           </a:p>
         </p:txBody>
       </p:sp>
@@ -9601,9 +10111,9 @@
 </file>
 
 <file path=ppt/theme/theme1.xml><?xml version="1.0" encoding="utf-8"?>
-<a:theme xmlns:a="http://schemas.openxmlformats.org/drawingml/2006/main" name="Office Theme">
+<a:theme xmlns:a="http://schemas.openxmlformats.org/drawingml/2006/main" name="Flow">
   <a:themeElements>
-    <a:clrScheme name="Office">
+    <a:clrScheme name="Flow">
       <a:dk1>
         <a:sysClr val="windowText" lastClr="000000"/>
       </a:dk1>
@@ -9611,98 +10121,46 @@
         <a:sysClr val="window" lastClr="FFFFFF"/>
       </a:lt1>
       <a:dk2>
-        <a:srgbClr val="44546A"/>
+        <a:srgbClr val="04617B"/>
       </a:dk2>
       <a:lt2>
-        <a:srgbClr val="E7E6E6"/>
+        <a:srgbClr val="DBF5F9"/>
       </a:lt2>
       <a:accent1>
-        <a:srgbClr val="4472C4"/>
+        <a:srgbClr val="0F6FC6"/>
       </a:accent1>
       <a:accent2>
-        <a:srgbClr val="ED7D31"/>
+        <a:srgbClr val="009DD9"/>
       </a:accent2>
       <a:accent3>
-        <a:srgbClr val="A5A5A5"/>
+        <a:srgbClr val="0BD0D9"/>
       </a:accent3>
       <a:accent4>
-        <a:srgbClr val="FFC000"/>
+        <a:srgbClr val="10CF9B"/>
       </a:accent4>
       <a:accent5>
-        <a:srgbClr val="5B9BD5"/>
+        <a:srgbClr val="7CCA62"/>
       </a:accent5>
       <a:accent6>
-        <a:srgbClr val="70AD47"/>
+        <a:srgbClr val="A5C249"/>
       </a:accent6>
       <a:hlink>
-        <a:srgbClr val="0563C1"/>
+        <a:srgbClr val="F49100"/>
       </a:hlink>
       <a:folHlink>
-        <a:srgbClr val="954F72"/>
+        <a:srgbClr val="85DFD0"/>
       </a:folHlink>
     </a:clrScheme>
-    <a:fontScheme name="Office">
+    <a:fontScheme name="Flow">
       <a:majorFont>
-        <a:latin typeface="Calibri Light"/>
-        <a:ea typeface=""/>
-        <a:cs typeface=""/>
-        <a:font script="Jpan" typeface="游ゴシック Light"/>
-        <a:font script="Hang" typeface="맑은 고딕"/>
-        <a:font script="Hans" typeface="等线 Light"/>
-        <a:font script="Hant" typeface="新細明體"/>
-        <a:font script="Arab" typeface="Times New Roman"/>
-        <a:font script="Hebr" typeface="Times New Roman"/>
-        <a:font script="Thai" typeface="Angsana New"/>
-        <a:font script="Ethi" typeface="Nyala"/>
-        <a:font script="Beng" typeface="Vrinda"/>
-        <a:font script="Gujr" typeface="Shruti"/>
-        <a:font script="Khmr" typeface="MoolBoran"/>
-        <a:font script="Knda" typeface="Tunga"/>
-        <a:font script="Guru" typeface="Raavi"/>
-        <a:font script="Cans" typeface="Euphemia"/>
-        <a:font script="Cher" typeface="Plantagenet Cherokee"/>
-        <a:font script="Yiii" typeface="Microsoft Yi Baiti"/>
-        <a:font script="Tibt" typeface="Microsoft Himalaya"/>
-        <a:font script="Thaa" typeface="MV Boli"/>
-        <a:font script="Deva" typeface="Mangal"/>
-        <a:font script="Telu" typeface="Gautami"/>
-        <a:font script="Taml" typeface="Latha"/>
-        <a:font script="Syrc" typeface="Estrangelo Edessa"/>
-        <a:font script="Orya" typeface="Kalinga"/>
-        <a:font script="Mlym" typeface="Kartika"/>
-        <a:font script="Laoo" typeface="DokChampa"/>
-        <a:font script="Sinh" typeface="Iskoola Pota"/>
-        <a:font script="Mong" typeface="Mongolian Baiti"/>
-        <a:font script="Viet" typeface="Times New Roman"/>
-        <a:font script="Uigh" typeface="Microsoft Uighur"/>
-        <a:font script="Geor" typeface="Sylfaen"/>
-        <a:font script="Armn" typeface="Arial"/>
-        <a:font script="Bugi" typeface="Leelawadee UI"/>
-        <a:font script="Bopo" typeface="Microsoft JhengHei"/>
-        <a:font script="Java" typeface="Javanese Text"/>
-        <a:font script="Lisu" typeface="Segoe UI"/>
-        <a:font script="Mymr" typeface="Myanmar Text"/>
-        <a:font script="Nkoo" typeface="Ebrima"/>
-        <a:font script="Olck" typeface="Nirmala UI"/>
-        <a:font script="Osma" typeface="Ebrima"/>
-        <a:font script="Phag" typeface="Phagspa"/>
-        <a:font script="Syrn" typeface="Estrangelo Edessa"/>
-        <a:font script="Syrj" typeface="Estrangelo Edessa"/>
-        <a:font script="Syre" typeface="Estrangelo Edessa"/>
-        <a:font script="Sora" typeface="Nirmala UI"/>
-        <a:font script="Tale" typeface="Microsoft Tai Le"/>
-        <a:font script="Talu" typeface="Microsoft New Tai Lue"/>
-        <a:font script="Tfng" typeface="Ebrima"/>
-      </a:majorFont>
-      <a:minorFont>
         <a:latin typeface="Calibri"/>
         <a:ea typeface=""/>
         <a:cs typeface=""/>
-        <a:font script="Jpan" typeface="游ゴシック"/>
-        <a:font script="Hang" typeface="맑은 고딕"/>
-        <a:font script="Hans" typeface="等线"/>
-        <a:font script="Hant" typeface="新細明體"/>
-        <a:font script="Arab" typeface="Arial"/>
+        <a:font script="Jpan" typeface="ＭＳ Ｐゴシック"/>
+        <a:font script="Hang" typeface="HY중고딕"/>
+        <a:font script="Hans" typeface="隶书"/>
+        <a:font script="Hant" typeface="微軟正黑體"/>
+        <a:font script="Arab" typeface="Traditional Arabic"/>
         <a:font script="Hebr" typeface="Arial"/>
         <a:font script="Thai" typeface="Cordia New"/>
         <a:font script="Ethi" typeface="Nyala"/>
@@ -9727,27 +10185,43 @@
         <a:font script="Mong" typeface="Mongolian Baiti"/>
         <a:font script="Viet" typeface="Arial"/>
         <a:font script="Uigh" typeface="Microsoft Uighur"/>
-        <a:font script="Geor" typeface="Sylfaen"/>
-        <a:font script="Armn" typeface="Arial"/>
-        <a:font script="Bugi" typeface="Leelawadee UI"/>
-        <a:font script="Bopo" typeface="Microsoft JhengHei"/>
-        <a:font script="Java" typeface="Javanese Text"/>
-        <a:font script="Lisu" typeface="Segoe UI"/>
-        <a:font script="Mymr" typeface="Myanmar Text"/>
-        <a:font script="Nkoo" typeface="Ebrima"/>
-        <a:font script="Olck" typeface="Nirmala UI"/>
-        <a:font script="Osma" typeface="Ebrima"/>
-        <a:font script="Phag" typeface="Phagspa"/>
-        <a:font script="Syrn" typeface="Estrangelo Edessa"/>
-        <a:font script="Syrj" typeface="Estrangelo Edessa"/>
-        <a:font script="Syre" typeface="Estrangelo Edessa"/>
-        <a:font script="Sora" typeface="Nirmala UI"/>
-        <a:font script="Tale" typeface="Microsoft Tai Le"/>
-        <a:font script="Talu" typeface="Microsoft New Tai Lue"/>
-        <a:font script="Tfng" typeface="Ebrima"/>
+      </a:majorFont>
+      <a:minorFont>
+        <a:latin typeface="Constantia"/>
+        <a:ea typeface=""/>
+        <a:cs typeface=""/>
+        <a:font script="Jpan" typeface="HGP明朝E"/>
+        <a:font script="Hang" typeface="HY신명조"/>
+        <a:font script="Hans" typeface="宋体"/>
+        <a:font script="Hant" typeface="新細明體"/>
+        <a:font script="Arab" typeface="Majalla UI"/>
+        <a:font script="Hebr" typeface="David"/>
+        <a:font script="Thai" typeface="Browallia New"/>
+        <a:font script="Ethi" typeface="Nyala"/>
+        <a:font script="Beng" typeface="Vrinda"/>
+        <a:font script="Gujr" typeface="Shruti"/>
+        <a:font script="Khmr" typeface="MoolBoran"/>
+        <a:font script="Knda" typeface="Tunga"/>
+        <a:font script="Guru" typeface="Raavi"/>
+        <a:font script="Cans" typeface="Euphemia"/>
+        <a:font script="Cher" typeface="Plantagenet Cherokee"/>
+        <a:font script="Yiii" typeface="Microsoft Yi Baiti"/>
+        <a:font script="Tibt" typeface="Microsoft Himalaya"/>
+        <a:font script="Thaa" typeface="MV Boli"/>
+        <a:font script="Deva" typeface="Mangal"/>
+        <a:font script="Telu" typeface="Gautami"/>
+        <a:font script="Taml" typeface="Latha"/>
+        <a:font script="Syrc" typeface="Estrangelo Edessa"/>
+        <a:font script="Orya" typeface="Kalinga"/>
+        <a:font script="Mlym" typeface="Kartika"/>
+        <a:font script="Laoo" typeface="DokChampa"/>
+        <a:font script="Sinh" typeface="Iskoola Pota"/>
+        <a:font script="Mong" typeface="Mongolian Baiti"/>
+        <a:font script="Viet" typeface="Times New Roman"/>
+        <a:font script="Uigh" typeface="Microsoft Uighur"/>
       </a:minorFont>
     </a:fontScheme>
-    <a:fmtScheme name="Office">
+    <a:fmtScheme name="Flow">
       <a:fillStyleLst>
         <a:solidFill>
           <a:schemeClr val="phClr"/>
@@ -9756,141 +10230,177 @@
           <a:gsLst>
             <a:gs pos="0">
               <a:schemeClr val="phClr">
-                <a:lumMod val="110000"/>
-                <a:satMod val="105000"/>
-                <a:tint val="67000"/>
+                <a:tint val="70000"/>
+                <a:satMod val="130000"/>
               </a:schemeClr>
             </a:gs>
-            <a:gs pos="50000">
+            <a:gs pos="43000">
               <a:schemeClr val="phClr">
-                <a:lumMod val="105000"/>
-                <a:satMod val="103000"/>
-                <a:tint val="73000"/>
+                <a:tint val="44000"/>
+                <a:satMod val="165000"/>
+              </a:schemeClr>
+            </a:gs>
+            <a:gs pos="93000">
+              <a:schemeClr val="phClr">
+                <a:tint val="15000"/>
+                <a:satMod val="165000"/>
               </a:schemeClr>
             </a:gs>
             <a:gs pos="100000">
               <a:schemeClr val="phClr">
-                <a:lumMod val="105000"/>
-                <a:satMod val="109000"/>
-                <a:tint val="81000"/>
+                <a:tint val="5000"/>
+                <a:satMod val="250000"/>
               </a:schemeClr>
             </a:gs>
           </a:gsLst>
-          <a:lin ang="5400000" scaled="0"/>
+          <a:path path="circle">
+            <a:fillToRect l="50000" t="130000" r="50000" b="-30000"/>
+          </a:path>
         </a:gradFill>
         <a:gradFill rotWithShape="1">
           <a:gsLst>
             <a:gs pos="0">
               <a:schemeClr val="phClr">
-                <a:satMod val="103000"/>
-                <a:lumMod val="102000"/>
-                <a:tint val="94000"/>
+                <a:tint val="98000"/>
+                <a:shade val="25000"/>
+                <a:satMod val="250000"/>
               </a:schemeClr>
             </a:gs>
-            <a:gs pos="50000">
+            <a:gs pos="68000">
               <a:schemeClr val="phClr">
-                <a:satMod val="110000"/>
-                <a:lumMod val="100000"/>
-                <a:shade val="100000"/>
+                <a:tint val="86000"/>
+                <a:satMod val="115000"/>
               </a:schemeClr>
             </a:gs>
             <a:gs pos="100000">
               <a:schemeClr val="phClr">
-                <a:lumMod val="99000"/>
-                <a:satMod val="120000"/>
-                <a:shade val="78000"/>
+                <a:tint val="50000"/>
+                <a:satMod val="150000"/>
               </a:schemeClr>
             </a:gs>
           </a:gsLst>
-          <a:lin ang="5400000" scaled="0"/>
+          <a:path path="circle">
+            <a:fillToRect l="50000" t="130000" r="50000" b="-30000"/>
+          </a:path>
         </a:gradFill>
       </a:fillStyleLst>
       <a:lnStyleLst>
-        <a:ln w="6350" cap="flat" cmpd="sng" algn="ctr">
+        <a:ln w="9525" cap="flat" cmpd="sng" algn="ctr">
+          <a:solidFill>
+            <a:schemeClr val="phClr">
+              <a:shade val="50000"/>
+              <a:satMod val="103000"/>
+            </a:schemeClr>
+          </a:solidFill>
+          <a:prstDash val="solid"/>
+        </a:ln>
+        <a:ln w="25400" cap="flat" cmpd="sng" algn="ctr">
           <a:solidFill>
             <a:schemeClr val="phClr"/>
           </a:solidFill>
           <a:prstDash val="solid"/>
-          <a:miter lim="800000"/>
         </a:ln>
-        <a:ln w="12700" cap="flat" cmpd="sng" algn="ctr">
+        <a:ln w="38100" cap="flat" cmpd="sng" algn="ctr">
           <a:solidFill>
             <a:schemeClr val="phClr"/>
           </a:solidFill>
           <a:prstDash val="solid"/>
-          <a:miter lim="800000"/>
-        </a:ln>
-        <a:ln w="19050" cap="flat" cmpd="sng" algn="ctr">
-          <a:solidFill>
-            <a:schemeClr val="phClr"/>
-          </a:solidFill>
-          <a:prstDash val="solid"/>
-          <a:miter lim="800000"/>
         </a:ln>
       </a:lnStyleLst>
       <a:effectStyleLst>
         <a:effectStyle>
-          <a:effectLst/>
-        </a:effectStyle>
-        <a:effectStyle>
-          <a:effectLst/>
+          <a:effectLst>
+            <a:outerShdw blurRad="57150" dist="38100" dir="5400000" algn="ctr" rotWithShape="0">
+              <a:schemeClr val="phClr">
+                <a:shade val="9000"/>
+                <a:alpha val="48000"/>
+                <a:satMod val="105000"/>
+              </a:schemeClr>
+            </a:outerShdw>
+          </a:effectLst>
         </a:effectStyle>
         <a:effectStyle>
           <a:effectLst>
-            <a:outerShdw blurRad="57150" dist="19050" dir="5400000" algn="ctr" rotWithShape="0">
-              <a:srgbClr val="000000">
-                <a:alpha val="63000"/>
-              </a:srgbClr>
+            <a:outerShdw blurRad="57150" dist="38100" dir="5400000" algn="ctr" rotWithShape="0">
+              <a:schemeClr val="phClr">
+                <a:shade val="9000"/>
+                <a:alpha val="48000"/>
+                <a:satMod val="105000"/>
+              </a:schemeClr>
             </a:outerShdw>
           </a:effectLst>
+        </a:effectStyle>
+        <a:effectStyle>
+          <a:effectLst>
+            <a:outerShdw blurRad="57150" dist="38100" dir="5400000" algn="ctr" rotWithShape="0">
+              <a:schemeClr val="phClr">
+                <a:shade val="9000"/>
+                <a:alpha val="48000"/>
+                <a:satMod val="105000"/>
+              </a:schemeClr>
+            </a:outerShdw>
+          </a:effectLst>
+          <a:scene3d>
+            <a:camera prst="orthographicFront">
+              <a:rot lat="0" lon="0" rev="0"/>
+            </a:camera>
+            <a:lightRig rig="glow" dir="tl">
+              <a:rot lat="0" lon="0" rev="900000"/>
+            </a:lightRig>
+          </a:scene3d>
+          <a:sp3d prstMaterial="powder">
+            <a:bevelT w="25400" h="38100"/>
+          </a:sp3d>
         </a:effectStyle>
       </a:effectStyleLst>
       <a:bgFillStyleLst>
         <a:solidFill>
           <a:schemeClr val="phClr"/>
         </a:solidFill>
-        <a:solidFill>
-          <a:schemeClr val="phClr">
-            <a:tint val="95000"/>
-            <a:satMod val="170000"/>
-          </a:schemeClr>
-        </a:solidFill>
         <a:gradFill rotWithShape="1">
           <a:gsLst>
             <a:gs pos="0">
               <a:schemeClr val="phClr">
-                <a:tint val="93000"/>
-                <a:satMod val="150000"/>
-                <a:shade val="98000"/>
-                <a:lumMod val="102000"/>
+                <a:tint val="80000"/>
+                <a:satMod val="400000"/>
               </a:schemeClr>
             </a:gs>
-            <a:gs pos="50000">
+            <a:gs pos="25000">
               <a:schemeClr val="phClr">
-                <a:tint val="98000"/>
-                <a:satMod val="130000"/>
-                <a:shade val="90000"/>
-                <a:lumMod val="103000"/>
+                <a:tint val="83000"/>
+                <a:satMod val="320000"/>
               </a:schemeClr>
             </a:gs>
             <a:gs pos="100000">
               <a:schemeClr val="phClr">
-                <a:shade val="63000"/>
-                <a:satMod val="120000"/>
+                <a:shade val="15000"/>
+                <a:satMod val="320000"/>
               </a:schemeClr>
             </a:gs>
           </a:gsLst>
-          <a:lin ang="5400000" scaled="0"/>
+          <a:path path="circle">
+            <a:fillToRect l="10000" t="110000" r="10000" b="100000"/>
+          </a:path>
         </a:gradFill>
+        <a:blipFill>
+          <a:blip xmlns:r="http://schemas.openxmlformats.org/officeDocument/2006/relationships" r:embed="rId1">
+            <a:duotone>
+              <a:schemeClr val="phClr">
+                <a:shade val="90000"/>
+                <a:satMod val="150000"/>
+              </a:schemeClr>
+              <a:schemeClr val="phClr">
+                <a:tint val="88000"/>
+                <a:satMod val="150000"/>
+              </a:schemeClr>
+            </a:duotone>
+          </a:blip>
+          <a:tile tx="0" ty="0" sx="65000" sy="65000" flip="none" algn="tl"/>
+        </a:blipFill>
       </a:bgFillStyleLst>
     </a:fmtScheme>
   </a:themeElements>
   <a:objectDefaults/>
   <a:extraClrSchemeLst/>
-  <a:extLst>
-    <a:ext uri="{05A4C25C-085E-4340-85A3-A5531E510DB2}">
-      <thm15:themeFamily xmlns="" xmlns:thm15="http://schemas.microsoft.com/office/thememl/2012/main" name="Office Theme" id="{62F939B6-93AF-4DB8-9C6B-D6C7DFDC589F}" vid="{4A3C46E8-61CC-4603-A589-7422A47A8E4A}"/>
-    </a:ext>
-  </a:extLst>
 </a:theme>
 </file>